--- a/doc/Spring Cloud Zuul.pptx
+++ b/doc/Spring Cloud Zuul.pptx
@@ -5,15 +5,21 @@
     <p:sldMasterId id="2147483648" r:id="rId1"/>
   </p:sldMasterIdLst>
   <p:notesMasterIdLst>
-    <p:notesMasterId r:id="rId8"/>
+    <p:notesMasterId r:id="rId14"/>
   </p:notesMasterIdLst>
   <p:sldIdLst>
     <p:sldId id="256" r:id="rId2"/>
     <p:sldId id="305" r:id="rId3"/>
     <p:sldId id="309" r:id="rId4"/>
     <p:sldId id="303" r:id="rId5"/>
-    <p:sldId id="311" r:id="rId6"/>
-    <p:sldId id="276" r:id="rId7"/>
+    <p:sldId id="316" r:id="rId6"/>
+    <p:sldId id="312" r:id="rId7"/>
+    <p:sldId id="317" r:id="rId8"/>
+    <p:sldId id="313" r:id="rId9"/>
+    <p:sldId id="314" r:id="rId10"/>
+    <p:sldId id="315" r:id="rId11"/>
+    <p:sldId id="311" r:id="rId12"/>
+    <p:sldId id="276" r:id="rId13"/>
   </p:sldIdLst>
   <p:sldSz cx="9144000" cy="5143500" type="screen16x9"/>
   <p:notesSz cx="6858000" cy="9144000"/>
@@ -1625,6 +1631,753 @@
 </dgm:colorsDef>
 </file>
 
+<file path=ppt/diagrams/colors3.xml><?xml version="1.0" encoding="utf-8"?>
+<dgm:colorsDef xmlns:dgm="http://schemas.openxmlformats.org/drawingml/2006/diagram" xmlns:a="http://schemas.openxmlformats.org/drawingml/2006/main" uniqueId="urn:microsoft.com/office/officeart/2005/8/colors/accent1_2">
+  <dgm:title val=""/>
+  <dgm:desc val=""/>
+  <dgm:catLst>
+    <dgm:cat type="accent1" pri="11200"/>
+  </dgm:catLst>
+  <dgm:styleLbl name="node0">
+    <dgm:fillClrLst meth="repeat">
+      <a:schemeClr val="accent1"/>
+    </dgm:fillClrLst>
+    <dgm:linClrLst meth="repeat">
+      <a:schemeClr val="lt1"/>
+    </dgm:linClrLst>
+    <dgm:effectClrLst/>
+    <dgm:txLinClrLst/>
+    <dgm:txFillClrLst/>
+    <dgm:txEffectClrLst/>
+  </dgm:styleLbl>
+  <dgm:styleLbl name="alignNode1">
+    <dgm:fillClrLst meth="repeat">
+      <a:schemeClr val="accent1"/>
+    </dgm:fillClrLst>
+    <dgm:linClrLst meth="repeat">
+      <a:schemeClr val="accent1"/>
+    </dgm:linClrLst>
+    <dgm:effectClrLst/>
+    <dgm:txLinClrLst/>
+    <dgm:txFillClrLst/>
+    <dgm:txEffectClrLst/>
+  </dgm:styleLbl>
+  <dgm:styleLbl name="node1">
+    <dgm:fillClrLst meth="repeat">
+      <a:schemeClr val="accent1"/>
+    </dgm:fillClrLst>
+    <dgm:linClrLst meth="repeat">
+      <a:schemeClr val="lt1"/>
+    </dgm:linClrLst>
+    <dgm:effectClrLst/>
+    <dgm:txLinClrLst/>
+    <dgm:txFillClrLst/>
+    <dgm:txEffectClrLst/>
+  </dgm:styleLbl>
+  <dgm:styleLbl name="lnNode1">
+    <dgm:fillClrLst meth="repeat">
+      <a:schemeClr val="accent1"/>
+    </dgm:fillClrLst>
+    <dgm:linClrLst meth="repeat">
+      <a:schemeClr val="lt1"/>
+    </dgm:linClrLst>
+    <dgm:effectClrLst/>
+    <dgm:txLinClrLst/>
+    <dgm:txFillClrLst/>
+    <dgm:txEffectClrLst/>
+  </dgm:styleLbl>
+  <dgm:styleLbl name="vennNode1">
+    <dgm:fillClrLst meth="repeat">
+      <a:schemeClr val="accent1">
+        <a:alpha val="50000"/>
+      </a:schemeClr>
+    </dgm:fillClrLst>
+    <dgm:linClrLst meth="repeat">
+      <a:schemeClr val="lt1"/>
+    </dgm:linClrLst>
+    <dgm:effectClrLst/>
+    <dgm:txLinClrLst/>
+    <dgm:txFillClrLst/>
+    <dgm:txEffectClrLst/>
+  </dgm:styleLbl>
+  <dgm:styleLbl name="node2">
+    <dgm:fillClrLst meth="repeat">
+      <a:schemeClr val="accent1"/>
+    </dgm:fillClrLst>
+    <dgm:linClrLst meth="repeat">
+      <a:schemeClr val="lt1"/>
+    </dgm:linClrLst>
+    <dgm:effectClrLst/>
+    <dgm:txLinClrLst/>
+    <dgm:txFillClrLst/>
+    <dgm:txEffectClrLst/>
+  </dgm:styleLbl>
+  <dgm:styleLbl name="node3">
+    <dgm:fillClrLst meth="repeat">
+      <a:schemeClr val="accent1"/>
+    </dgm:fillClrLst>
+    <dgm:linClrLst meth="repeat">
+      <a:schemeClr val="lt1"/>
+    </dgm:linClrLst>
+    <dgm:effectClrLst/>
+    <dgm:txLinClrLst/>
+    <dgm:txFillClrLst/>
+    <dgm:txEffectClrLst/>
+  </dgm:styleLbl>
+  <dgm:styleLbl name="node4">
+    <dgm:fillClrLst meth="repeat">
+      <a:schemeClr val="accent1"/>
+    </dgm:fillClrLst>
+    <dgm:linClrLst meth="repeat">
+      <a:schemeClr val="lt1"/>
+    </dgm:linClrLst>
+    <dgm:effectClrLst/>
+    <dgm:txLinClrLst/>
+    <dgm:txFillClrLst/>
+    <dgm:txEffectClrLst/>
+  </dgm:styleLbl>
+  <dgm:styleLbl name="fgImgPlace1">
+    <dgm:fillClrLst meth="repeat">
+      <a:schemeClr val="accent1">
+        <a:tint val="50000"/>
+      </a:schemeClr>
+    </dgm:fillClrLst>
+    <dgm:linClrLst meth="repeat">
+      <a:schemeClr val="lt1"/>
+    </dgm:linClrLst>
+    <dgm:effectClrLst/>
+    <dgm:txLinClrLst/>
+    <dgm:txFillClrLst meth="repeat">
+      <a:schemeClr val="lt1"/>
+    </dgm:txFillClrLst>
+    <dgm:txEffectClrLst/>
+  </dgm:styleLbl>
+  <dgm:styleLbl name="alignImgPlace1">
+    <dgm:fillClrLst meth="repeat">
+      <a:schemeClr val="accent1">
+        <a:tint val="50000"/>
+      </a:schemeClr>
+    </dgm:fillClrLst>
+    <dgm:linClrLst meth="repeat">
+      <a:schemeClr val="lt1"/>
+    </dgm:linClrLst>
+    <dgm:effectClrLst/>
+    <dgm:txLinClrLst/>
+    <dgm:txFillClrLst meth="repeat">
+      <a:schemeClr val="lt1"/>
+    </dgm:txFillClrLst>
+    <dgm:txEffectClrLst/>
+  </dgm:styleLbl>
+  <dgm:styleLbl name="bgImgPlace1">
+    <dgm:fillClrLst meth="repeat">
+      <a:schemeClr val="accent1">
+        <a:tint val="50000"/>
+      </a:schemeClr>
+    </dgm:fillClrLst>
+    <dgm:linClrLst meth="repeat">
+      <a:schemeClr val="lt1"/>
+    </dgm:linClrLst>
+    <dgm:effectClrLst/>
+    <dgm:txLinClrLst/>
+    <dgm:txFillClrLst meth="repeat">
+      <a:schemeClr val="lt1"/>
+    </dgm:txFillClrLst>
+    <dgm:txEffectClrLst/>
+  </dgm:styleLbl>
+  <dgm:styleLbl name="sibTrans2D1">
+    <dgm:fillClrLst meth="repeat">
+      <a:schemeClr val="accent1">
+        <a:tint val="60000"/>
+      </a:schemeClr>
+    </dgm:fillClrLst>
+    <dgm:linClrLst meth="repeat">
+      <a:schemeClr val="accent1">
+        <a:tint val="60000"/>
+      </a:schemeClr>
+    </dgm:linClrLst>
+    <dgm:effectClrLst/>
+    <dgm:txLinClrLst/>
+    <dgm:txFillClrLst/>
+    <dgm:txEffectClrLst/>
+  </dgm:styleLbl>
+  <dgm:styleLbl name="fgSibTrans2D1">
+    <dgm:fillClrLst meth="repeat">
+      <a:schemeClr val="accent1">
+        <a:tint val="60000"/>
+      </a:schemeClr>
+    </dgm:fillClrLst>
+    <dgm:linClrLst meth="repeat">
+      <a:schemeClr val="accent1">
+        <a:tint val="60000"/>
+      </a:schemeClr>
+    </dgm:linClrLst>
+    <dgm:effectClrLst/>
+    <dgm:txLinClrLst/>
+    <dgm:txFillClrLst/>
+    <dgm:txEffectClrLst/>
+  </dgm:styleLbl>
+  <dgm:styleLbl name="bgSibTrans2D1">
+    <dgm:fillClrLst meth="repeat">
+      <a:schemeClr val="accent1">
+        <a:tint val="60000"/>
+      </a:schemeClr>
+    </dgm:fillClrLst>
+    <dgm:linClrLst meth="repeat">
+      <a:schemeClr val="accent1">
+        <a:tint val="60000"/>
+      </a:schemeClr>
+    </dgm:linClrLst>
+    <dgm:effectClrLst/>
+    <dgm:txLinClrLst/>
+    <dgm:txFillClrLst/>
+    <dgm:txEffectClrLst/>
+  </dgm:styleLbl>
+  <dgm:styleLbl name="sibTrans1D1">
+    <dgm:fillClrLst meth="repeat">
+      <a:schemeClr val="accent1"/>
+    </dgm:fillClrLst>
+    <dgm:linClrLst meth="repeat">
+      <a:schemeClr val="accent1"/>
+    </dgm:linClrLst>
+    <dgm:effectClrLst/>
+    <dgm:txLinClrLst/>
+    <dgm:txFillClrLst meth="repeat">
+      <a:schemeClr val="tx1"/>
+    </dgm:txFillClrLst>
+    <dgm:txEffectClrLst/>
+  </dgm:styleLbl>
+  <dgm:styleLbl name="callout">
+    <dgm:fillClrLst meth="repeat">
+      <a:schemeClr val="accent1"/>
+    </dgm:fillClrLst>
+    <dgm:linClrLst meth="repeat">
+      <a:schemeClr val="accent1">
+        <a:tint val="50000"/>
+      </a:schemeClr>
+    </dgm:linClrLst>
+    <dgm:effectClrLst/>
+    <dgm:txLinClrLst/>
+    <dgm:txFillClrLst meth="repeat">
+      <a:schemeClr val="tx1"/>
+    </dgm:txFillClrLst>
+    <dgm:txEffectClrLst/>
+  </dgm:styleLbl>
+  <dgm:styleLbl name="asst0">
+    <dgm:fillClrLst meth="repeat">
+      <a:schemeClr val="accent1"/>
+    </dgm:fillClrLst>
+    <dgm:linClrLst meth="repeat">
+      <a:schemeClr val="lt1"/>
+    </dgm:linClrLst>
+    <dgm:effectClrLst/>
+    <dgm:txLinClrLst/>
+    <dgm:txFillClrLst/>
+    <dgm:txEffectClrLst/>
+  </dgm:styleLbl>
+  <dgm:styleLbl name="asst1">
+    <dgm:fillClrLst meth="repeat">
+      <a:schemeClr val="accent1"/>
+    </dgm:fillClrLst>
+    <dgm:linClrLst meth="repeat">
+      <a:schemeClr val="lt1"/>
+    </dgm:linClrLst>
+    <dgm:effectClrLst/>
+    <dgm:txLinClrLst/>
+    <dgm:txFillClrLst/>
+    <dgm:txEffectClrLst/>
+  </dgm:styleLbl>
+  <dgm:styleLbl name="asst2">
+    <dgm:fillClrLst meth="repeat">
+      <a:schemeClr val="accent1"/>
+    </dgm:fillClrLst>
+    <dgm:linClrLst meth="repeat">
+      <a:schemeClr val="lt1"/>
+    </dgm:linClrLst>
+    <dgm:effectClrLst/>
+    <dgm:txLinClrLst/>
+    <dgm:txFillClrLst/>
+    <dgm:txEffectClrLst/>
+  </dgm:styleLbl>
+  <dgm:styleLbl name="asst3">
+    <dgm:fillClrLst meth="repeat">
+      <a:schemeClr val="accent1"/>
+    </dgm:fillClrLst>
+    <dgm:linClrLst meth="repeat">
+      <a:schemeClr val="lt1"/>
+    </dgm:linClrLst>
+    <dgm:effectClrLst/>
+    <dgm:txLinClrLst/>
+    <dgm:txFillClrLst/>
+    <dgm:txEffectClrLst/>
+  </dgm:styleLbl>
+  <dgm:styleLbl name="asst4">
+    <dgm:fillClrLst meth="repeat">
+      <a:schemeClr val="accent1"/>
+    </dgm:fillClrLst>
+    <dgm:linClrLst meth="repeat">
+      <a:schemeClr val="lt1"/>
+    </dgm:linClrLst>
+    <dgm:effectClrLst/>
+    <dgm:txLinClrLst/>
+    <dgm:txFillClrLst/>
+    <dgm:txEffectClrLst/>
+  </dgm:styleLbl>
+  <dgm:styleLbl name="parChTrans2D1">
+    <dgm:fillClrLst meth="repeat">
+      <a:schemeClr val="accent1">
+        <a:tint val="60000"/>
+      </a:schemeClr>
+    </dgm:fillClrLst>
+    <dgm:linClrLst meth="repeat">
+      <a:schemeClr val="accent1">
+        <a:tint val="60000"/>
+      </a:schemeClr>
+    </dgm:linClrLst>
+    <dgm:effectClrLst/>
+    <dgm:txLinClrLst/>
+    <dgm:txFillClrLst meth="repeat">
+      <a:schemeClr val="lt1"/>
+    </dgm:txFillClrLst>
+    <dgm:txEffectClrLst/>
+  </dgm:styleLbl>
+  <dgm:styleLbl name="parChTrans2D2">
+    <dgm:fillClrLst meth="repeat">
+      <a:schemeClr val="accent1"/>
+    </dgm:fillClrLst>
+    <dgm:linClrLst meth="repeat">
+      <a:schemeClr val="accent1"/>
+    </dgm:linClrLst>
+    <dgm:effectClrLst/>
+    <dgm:txLinClrLst/>
+    <dgm:txFillClrLst meth="repeat">
+      <a:schemeClr val="lt1"/>
+    </dgm:txFillClrLst>
+    <dgm:txEffectClrLst/>
+  </dgm:styleLbl>
+  <dgm:styleLbl name="parChTrans2D3">
+    <dgm:fillClrLst meth="repeat">
+      <a:schemeClr val="accent1"/>
+    </dgm:fillClrLst>
+    <dgm:linClrLst meth="repeat">
+      <a:schemeClr val="accent1"/>
+    </dgm:linClrLst>
+    <dgm:effectClrLst/>
+    <dgm:txLinClrLst/>
+    <dgm:txFillClrLst meth="repeat">
+      <a:schemeClr val="lt1"/>
+    </dgm:txFillClrLst>
+    <dgm:txEffectClrLst/>
+  </dgm:styleLbl>
+  <dgm:styleLbl name="parChTrans2D4">
+    <dgm:fillClrLst meth="repeat">
+      <a:schemeClr val="accent1"/>
+    </dgm:fillClrLst>
+    <dgm:linClrLst meth="repeat">
+      <a:schemeClr val="accent1"/>
+    </dgm:linClrLst>
+    <dgm:effectClrLst/>
+    <dgm:txLinClrLst/>
+    <dgm:txFillClrLst meth="repeat">
+      <a:schemeClr val="lt1"/>
+    </dgm:txFillClrLst>
+    <dgm:txEffectClrLst/>
+  </dgm:styleLbl>
+  <dgm:styleLbl name="parChTrans1D1">
+    <dgm:fillClrLst meth="repeat">
+      <a:schemeClr val="accent1"/>
+    </dgm:fillClrLst>
+    <dgm:linClrLst meth="repeat">
+      <a:schemeClr val="accent1">
+        <a:shade val="60000"/>
+      </a:schemeClr>
+    </dgm:linClrLst>
+    <dgm:effectClrLst/>
+    <dgm:txLinClrLst/>
+    <dgm:txFillClrLst meth="repeat">
+      <a:schemeClr val="tx1"/>
+    </dgm:txFillClrLst>
+    <dgm:txEffectClrLst/>
+  </dgm:styleLbl>
+  <dgm:styleLbl name="parChTrans1D2">
+    <dgm:fillClrLst meth="repeat">
+      <a:schemeClr val="accent1"/>
+    </dgm:fillClrLst>
+    <dgm:linClrLst meth="repeat">
+      <a:schemeClr val="accent1">
+        <a:shade val="60000"/>
+      </a:schemeClr>
+    </dgm:linClrLst>
+    <dgm:effectClrLst/>
+    <dgm:txLinClrLst/>
+    <dgm:txFillClrLst meth="repeat">
+      <a:schemeClr val="tx1"/>
+    </dgm:txFillClrLst>
+    <dgm:txEffectClrLst/>
+  </dgm:styleLbl>
+  <dgm:styleLbl name="parChTrans1D3">
+    <dgm:fillClrLst meth="repeat">
+      <a:schemeClr val="accent1"/>
+    </dgm:fillClrLst>
+    <dgm:linClrLst meth="repeat">
+      <a:schemeClr val="accent1">
+        <a:shade val="80000"/>
+      </a:schemeClr>
+    </dgm:linClrLst>
+    <dgm:effectClrLst/>
+    <dgm:txLinClrLst/>
+    <dgm:txFillClrLst meth="repeat">
+      <a:schemeClr val="tx1"/>
+    </dgm:txFillClrLst>
+    <dgm:txEffectClrLst/>
+  </dgm:styleLbl>
+  <dgm:styleLbl name="parChTrans1D4">
+    <dgm:fillClrLst meth="repeat">
+      <a:schemeClr val="accent1"/>
+    </dgm:fillClrLst>
+    <dgm:linClrLst meth="repeat">
+      <a:schemeClr val="accent1">
+        <a:shade val="80000"/>
+      </a:schemeClr>
+    </dgm:linClrLst>
+    <dgm:effectClrLst/>
+    <dgm:txLinClrLst/>
+    <dgm:txFillClrLst meth="repeat">
+      <a:schemeClr val="tx1"/>
+    </dgm:txFillClrLst>
+    <dgm:txEffectClrLst/>
+  </dgm:styleLbl>
+  <dgm:styleLbl name="fgAcc1">
+    <dgm:fillClrLst meth="repeat">
+      <a:schemeClr val="lt1">
+        <a:alpha val="90000"/>
+      </a:schemeClr>
+    </dgm:fillClrLst>
+    <dgm:linClrLst meth="repeat">
+      <a:schemeClr val="accent1"/>
+    </dgm:linClrLst>
+    <dgm:effectClrLst/>
+    <dgm:txLinClrLst/>
+    <dgm:txFillClrLst meth="repeat">
+      <a:schemeClr val="dk1"/>
+    </dgm:txFillClrLst>
+    <dgm:txEffectClrLst/>
+  </dgm:styleLbl>
+  <dgm:styleLbl name="conFgAcc1">
+    <dgm:fillClrLst meth="repeat">
+      <a:schemeClr val="lt1">
+        <a:alpha val="90000"/>
+      </a:schemeClr>
+    </dgm:fillClrLst>
+    <dgm:linClrLst meth="repeat">
+      <a:schemeClr val="accent1"/>
+    </dgm:linClrLst>
+    <dgm:effectClrLst/>
+    <dgm:txLinClrLst/>
+    <dgm:txFillClrLst meth="repeat">
+      <a:schemeClr val="dk1"/>
+    </dgm:txFillClrLst>
+    <dgm:txEffectClrLst/>
+  </dgm:styleLbl>
+  <dgm:styleLbl name="alignAcc1">
+    <dgm:fillClrLst meth="repeat">
+      <a:schemeClr val="lt1">
+        <a:alpha val="90000"/>
+      </a:schemeClr>
+    </dgm:fillClrLst>
+    <dgm:linClrLst meth="repeat">
+      <a:schemeClr val="accent1"/>
+    </dgm:linClrLst>
+    <dgm:effectClrLst/>
+    <dgm:txLinClrLst/>
+    <dgm:txFillClrLst meth="repeat">
+      <a:schemeClr val="dk1"/>
+    </dgm:txFillClrLst>
+    <dgm:txEffectClrLst/>
+  </dgm:styleLbl>
+  <dgm:styleLbl name="trAlignAcc1">
+    <dgm:fillClrLst meth="repeat">
+      <a:schemeClr val="lt1">
+        <a:alpha val="40000"/>
+      </a:schemeClr>
+    </dgm:fillClrLst>
+    <dgm:linClrLst meth="repeat">
+      <a:schemeClr val="accent1"/>
+    </dgm:linClrLst>
+    <dgm:effectClrLst/>
+    <dgm:txLinClrLst/>
+    <dgm:txFillClrLst meth="repeat">
+      <a:schemeClr val="dk1"/>
+    </dgm:txFillClrLst>
+    <dgm:txEffectClrLst/>
+  </dgm:styleLbl>
+  <dgm:styleLbl name="bgAcc1">
+    <dgm:fillClrLst meth="repeat">
+      <a:schemeClr val="lt1">
+        <a:alpha val="90000"/>
+      </a:schemeClr>
+    </dgm:fillClrLst>
+    <dgm:linClrLst meth="repeat">
+      <a:schemeClr val="accent1"/>
+    </dgm:linClrLst>
+    <dgm:effectClrLst/>
+    <dgm:txLinClrLst/>
+    <dgm:txFillClrLst meth="repeat">
+      <a:schemeClr val="dk1"/>
+    </dgm:txFillClrLst>
+    <dgm:txEffectClrLst/>
+  </dgm:styleLbl>
+  <dgm:styleLbl name="solidFgAcc1">
+    <dgm:fillClrLst meth="repeat">
+      <a:schemeClr val="lt1"/>
+    </dgm:fillClrLst>
+    <dgm:linClrLst meth="repeat">
+      <a:schemeClr val="accent1"/>
+    </dgm:linClrLst>
+    <dgm:effectClrLst/>
+    <dgm:txLinClrLst/>
+    <dgm:txFillClrLst meth="repeat">
+      <a:schemeClr val="dk1"/>
+    </dgm:txFillClrLst>
+    <dgm:txEffectClrLst/>
+  </dgm:styleLbl>
+  <dgm:styleLbl name="solidAlignAcc1">
+    <dgm:fillClrLst meth="repeat">
+      <a:schemeClr val="lt1"/>
+    </dgm:fillClrLst>
+    <dgm:linClrLst meth="repeat">
+      <a:schemeClr val="accent1"/>
+    </dgm:linClrLst>
+    <dgm:effectClrLst/>
+    <dgm:txLinClrLst/>
+    <dgm:txFillClrLst meth="repeat">
+      <a:schemeClr val="dk1"/>
+    </dgm:txFillClrLst>
+    <dgm:txEffectClrLst/>
+  </dgm:styleLbl>
+  <dgm:styleLbl name="solidBgAcc1">
+    <dgm:fillClrLst meth="repeat">
+      <a:schemeClr val="lt1"/>
+    </dgm:fillClrLst>
+    <dgm:linClrLst meth="repeat">
+      <a:schemeClr val="accent1"/>
+    </dgm:linClrLst>
+    <dgm:effectClrLst/>
+    <dgm:txLinClrLst/>
+    <dgm:txFillClrLst meth="repeat">
+      <a:schemeClr val="dk1"/>
+    </dgm:txFillClrLst>
+    <dgm:txEffectClrLst/>
+  </dgm:styleLbl>
+  <dgm:styleLbl name="fgAccFollowNode1">
+    <dgm:fillClrLst meth="repeat">
+      <a:schemeClr val="accent1">
+        <a:alpha val="90000"/>
+        <a:tint val="40000"/>
+      </a:schemeClr>
+    </dgm:fillClrLst>
+    <dgm:linClrLst meth="repeat">
+      <a:schemeClr val="accent1">
+        <a:alpha val="90000"/>
+        <a:tint val="40000"/>
+      </a:schemeClr>
+    </dgm:linClrLst>
+    <dgm:effectClrLst/>
+    <dgm:txLinClrLst/>
+    <dgm:txFillClrLst meth="repeat">
+      <a:schemeClr val="dk1"/>
+    </dgm:txFillClrLst>
+    <dgm:txEffectClrLst/>
+  </dgm:styleLbl>
+  <dgm:styleLbl name="alignAccFollowNode1">
+    <dgm:fillClrLst meth="repeat">
+      <a:schemeClr val="accent1">
+        <a:alpha val="90000"/>
+        <a:tint val="40000"/>
+      </a:schemeClr>
+    </dgm:fillClrLst>
+    <dgm:linClrLst meth="repeat">
+      <a:schemeClr val="accent1">
+        <a:alpha val="90000"/>
+        <a:tint val="40000"/>
+      </a:schemeClr>
+    </dgm:linClrLst>
+    <dgm:effectClrLst/>
+    <dgm:txLinClrLst/>
+    <dgm:txFillClrLst meth="repeat">
+      <a:schemeClr val="dk1"/>
+    </dgm:txFillClrLst>
+    <dgm:txEffectClrLst/>
+  </dgm:styleLbl>
+  <dgm:styleLbl name="bgAccFollowNode1">
+    <dgm:fillClrLst meth="repeat">
+      <a:schemeClr val="accent1">
+        <a:alpha val="90000"/>
+        <a:tint val="40000"/>
+      </a:schemeClr>
+    </dgm:fillClrLst>
+    <dgm:linClrLst meth="repeat">
+      <a:schemeClr val="accent1">
+        <a:alpha val="90000"/>
+        <a:tint val="40000"/>
+      </a:schemeClr>
+    </dgm:linClrLst>
+    <dgm:effectClrLst/>
+    <dgm:txLinClrLst/>
+    <dgm:txFillClrLst meth="repeat">
+      <a:schemeClr val="dk1"/>
+    </dgm:txFillClrLst>
+    <dgm:txEffectClrLst/>
+  </dgm:styleLbl>
+  <dgm:styleLbl name="fgAcc0">
+    <dgm:fillClrLst meth="repeat">
+      <a:schemeClr val="lt1">
+        <a:alpha val="90000"/>
+      </a:schemeClr>
+    </dgm:fillClrLst>
+    <dgm:linClrLst meth="repeat">
+      <a:schemeClr val="accent1"/>
+    </dgm:linClrLst>
+    <dgm:effectClrLst/>
+    <dgm:txLinClrLst/>
+    <dgm:txFillClrLst meth="repeat">
+      <a:schemeClr val="dk1"/>
+    </dgm:txFillClrLst>
+    <dgm:txEffectClrLst/>
+  </dgm:styleLbl>
+  <dgm:styleLbl name="fgAcc2">
+    <dgm:fillClrLst meth="repeat">
+      <a:schemeClr val="lt1">
+        <a:alpha val="90000"/>
+      </a:schemeClr>
+    </dgm:fillClrLst>
+    <dgm:linClrLst meth="repeat">
+      <a:schemeClr val="accent1"/>
+    </dgm:linClrLst>
+    <dgm:effectClrLst/>
+    <dgm:txLinClrLst/>
+    <dgm:txFillClrLst meth="repeat">
+      <a:schemeClr val="dk1"/>
+    </dgm:txFillClrLst>
+    <dgm:txEffectClrLst/>
+  </dgm:styleLbl>
+  <dgm:styleLbl name="fgAcc3">
+    <dgm:fillClrLst meth="repeat">
+      <a:schemeClr val="lt1">
+        <a:alpha val="90000"/>
+      </a:schemeClr>
+    </dgm:fillClrLst>
+    <dgm:linClrLst meth="repeat">
+      <a:schemeClr val="accent1"/>
+    </dgm:linClrLst>
+    <dgm:effectClrLst/>
+    <dgm:txLinClrLst/>
+    <dgm:txFillClrLst meth="repeat">
+      <a:schemeClr val="dk1"/>
+    </dgm:txFillClrLst>
+    <dgm:txEffectClrLst/>
+  </dgm:styleLbl>
+  <dgm:styleLbl name="fgAcc4">
+    <dgm:fillClrLst meth="repeat">
+      <a:schemeClr val="lt1">
+        <a:alpha val="90000"/>
+      </a:schemeClr>
+    </dgm:fillClrLst>
+    <dgm:linClrLst meth="repeat">
+      <a:schemeClr val="accent1"/>
+    </dgm:linClrLst>
+    <dgm:effectClrLst/>
+    <dgm:txLinClrLst/>
+    <dgm:txFillClrLst meth="repeat">
+      <a:schemeClr val="dk1"/>
+    </dgm:txFillClrLst>
+    <dgm:txEffectClrLst/>
+  </dgm:styleLbl>
+  <dgm:styleLbl name="bgShp">
+    <dgm:fillClrLst meth="repeat">
+      <a:schemeClr val="accent1">
+        <a:tint val="40000"/>
+      </a:schemeClr>
+    </dgm:fillClrLst>
+    <dgm:linClrLst meth="repeat">
+      <a:schemeClr val="accent1"/>
+    </dgm:linClrLst>
+    <dgm:effectClrLst/>
+    <dgm:txLinClrLst/>
+    <dgm:txFillClrLst meth="repeat">
+      <a:schemeClr val="dk1"/>
+    </dgm:txFillClrLst>
+    <dgm:txEffectClrLst/>
+  </dgm:styleLbl>
+  <dgm:styleLbl name="dkBgShp">
+    <dgm:fillClrLst meth="repeat">
+      <a:schemeClr val="accent1">
+        <a:shade val="80000"/>
+      </a:schemeClr>
+    </dgm:fillClrLst>
+    <dgm:linClrLst meth="repeat">
+      <a:schemeClr val="accent1"/>
+    </dgm:linClrLst>
+    <dgm:effectClrLst/>
+    <dgm:txLinClrLst/>
+    <dgm:txFillClrLst meth="repeat">
+      <a:schemeClr val="lt1"/>
+    </dgm:txFillClrLst>
+    <dgm:txEffectClrLst/>
+  </dgm:styleLbl>
+  <dgm:styleLbl name="trBgShp">
+    <dgm:fillClrLst meth="repeat">
+      <a:schemeClr val="accent1">
+        <a:tint val="50000"/>
+        <a:alpha val="40000"/>
+      </a:schemeClr>
+    </dgm:fillClrLst>
+    <dgm:linClrLst meth="repeat">
+      <a:schemeClr val="accent1"/>
+    </dgm:linClrLst>
+    <dgm:effectClrLst/>
+    <dgm:txLinClrLst/>
+    <dgm:txFillClrLst meth="repeat">
+      <a:schemeClr val="lt1"/>
+    </dgm:txFillClrLst>
+    <dgm:txEffectClrLst/>
+  </dgm:styleLbl>
+  <dgm:styleLbl name="fgShp">
+    <dgm:fillClrLst meth="repeat">
+      <a:schemeClr val="accent1">
+        <a:tint val="60000"/>
+      </a:schemeClr>
+    </dgm:fillClrLst>
+    <dgm:linClrLst meth="repeat">
+      <a:schemeClr val="lt1"/>
+    </dgm:linClrLst>
+    <dgm:effectClrLst/>
+    <dgm:txLinClrLst/>
+    <dgm:txFillClrLst meth="repeat">
+      <a:schemeClr val="dk1"/>
+    </dgm:txFillClrLst>
+    <dgm:txEffectClrLst/>
+  </dgm:styleLbl>
+  <dgm:styleLbl name="revTx">
+    <dgm:fillClrLst meth="repeat">
+      <a:schemeClr val="lt1">
+        <a:alpha val="0"/>
+      </a:schemeClr>
+    </dgm:fillClrLst>
+    <dgm:linClrLst meth="repeat">
+      <a:schemeClr val="dk1">
+        <a:alpha val="0"/>
+      </a:schemeClr>
+    </dgm:linClrLst>
+    <dgm:effectClrLst/>
+    <dgm:txLinClrLst/>
+    <dgm:txFillClrLst meth="repeat">
+      <a:schemeClr val="tx1"/>
+    </dgm:txFillClrLst>
+    <dgm:txEffectClrLst/>
+  </dgm:styleLbl>
+</dgm:colorsDef>
+</file>
+
 <file path=ppt/diagrams/data1.xml><?xml version="1.0" encoding="utf-8"?>
 <dgm:dataModel xmlns:dgm="http://schemas.openxmlformats.org/drawingml/2006/diagram" xmlns:a="http://schemas.openxmlformats.org/drawingml/2006/main">
   <dgm:ptLst>
@@ -1647,10 +2400,9 @@
         <a:lstStyle/>
         <a:p>
           <a:r>
-            <a:rPr lang="zh-CN" altLang="en-US" dirty="0" smtClean="0"/>
+            <a:rPr lang="zh-CN" altLang="en-US" dirty="0"/>
             <a:t>一、基本概念</a:t>
           </a:r>
-          <a:endParaRPr lang="zh-CN" altLang="en-US" dirty="0"/>
         </a:p>
       </dgm:t>
     </dgm:pt>
@@ -1684,10 +2436,9 @@
         <a:lstStyle/>
         <a:p>
           <a:r>
-            <a:rPr lang="zh-CN" altLang="en-US" dirty="0" smtClean="0"/>
+            <a:rPr lang="zh-CN" altLang="en-US" dirty="0"/>
             <a:t>二、代码演示</a:t>
           </a:r>
-          <a:endParaRPr lang="zh-CN" altLang="en-US" dirty="0"/>
         </a:p>
       </dgm:t>
     </dgm:pt>
@@ -1721,10 +2472,10 @@
         <a:lstStyle/>
         <a:p>
           <a:r>
-            <a:rPr lang="zh-CN" altLang="en-US" dirty="0" smtClean="0"/>
+            <a:rPr lang="zh-CN" altLang="en-US" dirty="0"/>
             <a:t>三、框架原理</a:t>
           </a:r>
-          <a:endParaRPr lang="en-US" altLang="zh-CN" dirty="0" smtClean="0"/>
+          <a:endParaRPr lang="en-US" altLang="zh-CN" dirty="0"/>
         </a:p>
       </dgm:t>
     </dgm:pt>
@@ -1758,10 +2509,10 @@
         <a:lstStyle/>
         <a:p>
           <a:r>
-            <a:rPr lang="zh-CN" altLang="en-US" dirty="0" smtClean="0"/>
+            <a:rPr lang="zh-CN" altLang="en-US" dirty="0"/>
             <a:t>四、源码解读</a:t>
           </a:r>
-          <a:endParaRPr lang="en-US" altLang="zh-CN" dirty="0" smtClean="0"/>
+          <a:endParaRPr lang="en-US" altLang="zh-CN" dirty="0"/>
         </a:p>
       </dgm:t>
     </dgm:pt>
@@ -1796,13 +2547,6 @@
         </dgm:presLayoutVars>
       </dgm:prSet>
       <dgm:spPr/>
-      <dgm:t>
-        <a:bodyPr/>
-        <a:lstStyle/>
-        <a:p>
-          <a:endParaRPr lang="zh-CN" altLang="en-US"/>
-        </a:p>
-      </dgm:t>
     </dgm:pt>
     <dgm:pt modelId="{EA851678-BB55-48C0-BA42-38EFAC29F6C0}" type="pres">
       <dgm:prSet presAssocID="{82A79A04-6D46-413E-8CAD-0407D98D55F3}" presName="parentLin" presStyleCnt="0"/>
@@ -1811,13 +2555,6 @@
     <dgm:pt modelId="{7B5A6383-AA44-4CFB-A025-99C3D0189853}" type="pres">
       <dgm:prSet presAssocID="{82A79A04-6D46-413E-8CAD-0407D98D55F3}" presName="parentLeftMargin" presStyleLbl="node1" presStyleIdx="0" presStyleCnt="4"/>
       <dgm:spPr/>
-      <dgm:t>
-        <a:bodyPr/>
-        <a:lstStyle/>
-        <a:p>
-          <a:endParaRPr lang="zh-CN" altLang="en-US"/>
-        </a:p>
-      </dgm:t>
     </dgm:pt>
     <dgm:pt modelId="{1AE39C81-4A45-4E40-B8E7-8E8C8A81B5F1}" type="pres">
       <dgm:prSet presAssocID="{82A79A04-6D46-413E-8CAD-0407D98D55F3}" presName="parentText" presStyleLbl="node1" presStyleIdx="0" presStyleCnt="4">
@@ -1827,13 +2564,6 @@
         </dgm:presLayoutVars>
       </dgm:prSet>
       <dgm:spPr/>
-      <dgm:t>
-        <a:bodyPr/>
-        <a:lstStyle/>
-        <a:p>
-          <a:endParaRPr lang="zh-CN" altLang="en-US"/>
-        </a:p>
-      </dgm:t>
     </dgm:pt>
     <dgm:pt modelId="{CB19D7A4-46F2-4B65-B8AD-71F611C70E6F}" type="pres">
       <dgm:prSet presAssocID="{82A79A04-6D46-413E-8CAD-0407D98D55F3}" presName="negativeSpace" presStyleCnt="0"/>
@@ -1858,13 +2588,6 @@
     <dgm:pt modelId="{571C2D84-F6B9-4BFB-AC2B-F223BD39D9F4}" type="pres">
       <dgm:prSet presAssocID="{922CB539-359B-4A09-8BA3-6777ED9C987E}" presName="parentLeftMargin" presStyleLbl="node1" presStyleIdx="0" presStyleCnt="4"/>
       <dgm:spPr/>
-      <dgm:t>
-        <a:bodyPr/>
-        <a:lstStyle/>
-        <a:p>
-          <a:endParaRPr lang="zh-CN" altLang="en-US"/>
-        </a:p>
-      </dgm:t>
     </dgm:pt>
     <dgm:pt modelId="{0B0B4742-35E3-4B1E-AA5B-AC1BE695E313}" type="pres">
       <dgm:prSet presAssocID="{922CB539-359B-4A09-8BA3-6777ED9C987E}" presName="parentText" presStyleLbl="node1" presStyleIdx="1" presStyleCnt="4">
@@ -1874,13 +2597,6 @@
         </dgm:presLayoutVars>
       </dgm:prSet>
       <dgm:spPr/>
-      <dgm:t>
-        <a:bodyPr/>
-        <a:lstStyle/>
-        <a:p>
-          <a:endParaRPr lang="zh-CN" altLang="en-US"/>
-        </a:p>
-      </dgm:t>
     </dgm:pt>
     <dgm:pt modelId="{10FCF20F-A0EF-4A8E-A109-FD6D03D5AC7C}" type="pres">
       <dgm:prSet presAssocID="{922CB539-359B-4A09-8BA3-6777ED9C987E}" presName="negativeSpace" presStyleCnt="0"/>
@@ -1905,13 +2621,6 @@
     <dgm:pt modelId="{1D40D782-EBFC-4A33-AAF1-878C3A9E6889}" type="pres">
       <dgm:prSet presAssocID="{CED88271-C752-45E2-97A0-7C2DFE9AFA13}" presName="parentLeftMargin" presStyleLbl="node1" presStyleIdx="1" presStyleCnt="4"/>
       <dgm:spPr/>
-      <dgm:t>
-        <a:bodyPr/>
-        <a:lstStyle/>
-        <a:p>
-          <a:endParaRPr lang="zh-CN" altLang="en-US"/>
-        </a:p>
-      </dgm:t>
     </dgm:pt>
     <dgm:pt modelId="{BA2A8A19-E825-4953-92E5-3056A41183C5}" type="pres">
       <dgm:prSet presAssocID="{CED88271-C752-45E2-97A0-7C2DFE9AFA13}" presName="parentText" presStyleLbl="node1" presStyleIdx="2" presStyleCnt="4">
@@ -1921,13 +2630,6 @@
         </dgm:presLayoutVars>
       </dgm:prSet>
       <dgm:spPr/>
-      <dgm:t>
-        <a:bodyPr/>
-        <a:lstStyle/>
-        <a:p>
-          <a:endParaRPr lang="zh-CN" altLang="en-US"/>
-        </a:p>
-      </dgm:t>
     </dgm:pt>
     <dgm:pt modelId="{2E589E36-02B4-4A6F-8955-25AF308ED3A9}" type="pres">
       <dgm:prSet presAssocID="{CED88271-C752-45E2-97A0-7C2DFE9AFA13}" presName="negativeSpace" presStyleCnt="0"/>
@@ -1952,13 +2654,6 @@
     <dgm:pt modelId="{C012A5F2-C128-41E4-8507-6B0B3613CF11}" type="pres">
       <dgm:prSet presAssocID="{0B97628F-6291-46C9-AC03-C6F5ADA367F6}" presName="parentLeftMargin" presStyleLbl="node1" presStyleIdx="2" presStyleCnt="4"/>
       <dgm:spPr/>
-      <dgm:t>
-        <a:bodyPr/>
-        <a:lstStyle/>
-        <a:p>
-          <a:endParaRPr lang="zh-CN" altLang="en-US"/>
-        </a:p>
-      </dgm:t>
     </dgm:pt>
     <dgm:pt modelId="{47D92091-3B8F-4277-83DD-96B3F9D29F6E}" type="pres">
       <dgm:prSet presAssocID="{0B97628F-6291-46C9-AC03-C6F5ADA367F6}" presName="parentText" presStyleLbl="node1" presStyleIdx="3" presStyleCnt="4">
@@ -1968,13 +2663,6 @@
         </dgm:presLayoutVars>
       </dgm:prSet>
       <dgm:spPr/>
-      <dgm:t>
-        <a:bodyPr/>
-        <a:lstStyle/>
-        <a:p>
-          <a:endParaRPr lang="zh-CN" altLang="en-US"/>
-        </a:p>
-      </dgm:t>
     </dgm:pt>
     <dgm:pt modelId="{36B33FA9-8F97-4643-978F-4DD92D4C8833}" type="pres">
       <dgm:prSet presAssocID="{0B97628F-6291-46C9-AC03-C6F5ADA367F6}" presName="negativeSpace" presStyleCnt="0"/>
@@ -1990,19 +2678,19 @@
     </dgm:pt>
   </dgm:ptLst>
   <dgm:cxnLst>
-    <dgm:cxn modelId="{7C7C5C4E-F4A7-459F-8FA8-67D7A86C1823}" srcId="{810D1DEE-7E1E-4825-B3DD-9B522DDE44CA}" destId="{82A79A04-6D46-413E-8CAD-0407D98D55F3}" srcOrd="0" destOrd="0" parTransId="{EFC91C11-8CF2-4C97-8ECA-BFAE7C01AAB0}" sibTransId="{5146D676-2E40-4C2D-86E8-A537076F5D77}"/>
-    <dgm:cxn modelId="{E70DD39D-7A2F-4608-9498-F975D8412C9F}" srcId="{810D1DEE-7E1E-4825-B3DD-9B522DDE44CA}" destId="{CED88271-C752-45E2-97A0-7C2DFE9AFA13}" srcOrd="2" destOrd="0" parTransId="{011B9A19-8ED5-4609-A394-E5C27943072E}" sibTransId="{284B256D-E039-4FC5-97AE-F9C26A21B5BB}"/>
-    <dgm:cxn modelId="{75442D9F-BA07-4B70-8334-5B51F20515BC}" type="presOf" srcId="{922CB539-359B-4A09-8BA3-6777ED9C987E}" destId="{571C2D84-F6B9-4BFB-AC2B-F223BD39D9F4}" srcOrd="0" destOrd="0" presId="urn:microsoft.com/office/officeart/2005/8/layout/list1"/>
-    <dgm:cxn modelId="{024F9D6D-4407-4B6E-83CB-5FEC39C9E88F}" type="presOf" srcId="{810D1DEE-7E1E-4825-B3DD-9B522DDE44CA}" destId="{84F3F111-872E-48A4-81D6-FE0FDE30996C}" srcOrd="0" destOrd="0" presId="urn:microsoft.com/office/officeart/2005/8/layout/list1"/>
-    <dgm:cxn modelId="{1AFBF5B2-30BB-4E89-BB2A-5E87A4C16807}" type="presOf" srcId="{0B97628F-6291-46C9-AC03-C6F5ADA367F6}" destId="{47D92091-3B8F-4277-83DD-96B3F9D29F6E}" srcOrd="1" destOrd="0" presId="urn:microsoft.com/office/officeart/2005/8/layout/list1"/>
-    <dgm:cxn modelId="{91A92BFC-AEF8-4CED-B328-1AC5992A0A31}" type="presOf" srcId="{CED88271-C752-45E2-97A0-7C2DFE9AFA13}" destId="{BA2A8A19-E825-4953-92E5-3056A41183C5}" srcOrd="1" destOrd="0" presId="urn:microsoft.com/office/officeart/2005/8/layout/list1"/>
-    <dgm:cxn modelId="{259331B3-0F9B-4796-A209-E5A50A4976D7}" type="presOf" srcId="{922CB539-359B-4A09-8BA3-6777ED9C987E}" destId="{0B0B4742-35E3-4B1E-AA5B-AC1BE695E313}" srcOrd="1" destOrd="0" presId="urn:microsoft.com/office/officeart/2005/8/layout/list1"/>
-    <dgm:cxn modelId="{BDA79159-A9A2-4D85-8F13-DDDD7A8A84A3}" type="presOf" srcId="{82A79A04-6D46-413E-8CAD-0407D98D55F3}" destId="{1AE39C81-4A45-4E40-B8E7-8E8C8A81B5F1}" srcOrd="1" destOrd="0" presId="urn:microsoft.com/office/officeart/2005/8/layout/list1"/>
-    <dgm:cxn modelId="{5C40E8CD-7ACC-436F-8484-A25A7A8DE52D}" srcId="{810D1DEE-7E1E-4825-B3DD-9B522DDE44CA}" destId="{0B97628F-6291-46C9-AC03-C6F5ADA367F6}" srcOrd="3" destOrd="0" parTransId="{5BDAFC43-5274-4033-AC2B-FAAFCDF247F3}" sibTransId="{C9BE1E59-A64E-435F-A331-89F7B5F857D2}"/>
     <dgm:cxn modelId="{B5BC4101-8211-4C8B-AE1D-CC6D129DCD27}" type="presOf" srcId="{82A79A04-6D46-413E-8CAD-0407D98D55F3}" destId="{7B5A6383-AA44-4CFB-A025-99C3D0189853}" srcOrd="0" destOrd="0" presId="urn:microsoft.com/office/officeart/2005/8/layout/list1"/>
     <dgm:cxn modelId="{FA67E20C-D349-41AD-B533-ABB7D4BA504C}" srcId="{810D1DEE-7E1E-4825-B3DD-9B522DDE44CA}" destId="{922CB539-359B-4A09-8BA3-6777ED9C987E}" srcOrd="1" destOrd="0" parTransId="{21EFEE17-ED17-48F3-AE42-89D5654A051D}" sibTransId="{15772A7A-9A12-415E-A659-0DB3D13203EB}"/>
     <dgm:cxn modelId="{A18D8424-EA69-4BB2-B962-CCB252A60EF3}" type="presOf" srcId="{0B97628F-6291-46C9-AC03-C6F5ADA367F6}" destId="{C012A5F2-C128-41E4-8507-6B0B3613CF11}" srcOrd="0" destOrd="0" presId="urn:microsoft.com/office/officeart/2005/8/layout/list1"/>
+    <dgm:cxn modelId="{024F9D6D-4407-4B6E-83CB-5FEC39C9E88F}" type="presOf" srcId="{810D1DEE-7E1E-4825-B3DD-9B522DDE44CA}" destId="{84F3F111-872E-48A4-81D6-FE0FDE30996C}" srcOrd="0" destOrd="0" presId="urn:microsoft.com/office/officeart/2005/8/layout/list1"/>
+    <dgm:cxn modelId="{7C7C5C4E-F4A7-459F-8FA8-67D7A86C1823}" srcId="{810D1DEE-7E1E-4825-B3DD-9B522DDE44CA}" destId="{82A79A04-6D46-413E-8CAD-0407D98D55F3}" srcOrd="0" destOrd="0" parTransId="{EFC91C11-8CF2-4C97-8ECA-BFAE7C01AAB0}" sibTransId="{5146D676-2E40-4C2D-86E8-A537076F5D77}"/>
+    <dgm:cxn modelId="{BDA79159-A9A2-4D85-8F13-DDDD7A8A84A3}" type="presOf" srcId="{82A79A04-6D46-413E-8CAD-0407D98D55F3}" destId="{1AE39C81-4A45-4E40-B8E7-8E8C8A81B5F1}" srcOrd="1" destOrd="0" presId="urn:microsoft.com/office/officeart/2005/8/layout/list1"/>
+    <dgm:cxn modelId="{E70DD39D-7A2F-4608-9498-F975D8412C9F}" srcId="{810D1DEE-7E1E-4825-B3DD-9B522DDE44CA}" destId="{CED88271-C752-45E2-97A0-7C2DFE9AFA13}" srcOrd="2" destOrd="0" parTransId="{011B9A19-8ED5-4609-A394-E5C27943072E}" sibTransId="{284B256D-E039-4FC5-97AE-F9C26A21B5BB}"/>
+    <dgm:cxn modelId="{75442D9F-BA07-4B70-8334-5B51F20515BC}" type="presOf" srcId="{922CB539-359B-4A09-8BA3-6777ED9C987E}" destId="{571C2D84-F6B9-4BFB-AC2B-F223BD39D9F4}" srcOrd="0" destOrd="0" presId="urn:microsoft.com/office/officeart/2005/8/layout/list1"/>
+    <dgm:cxn modelId="{1AFBF5B2-30BB-4E89-BB2A-5E87A4C16807}" type="presOf" srcId="{0B97628F-6291-46C9-AC03-C6F5ADA367F6}" destId="{47D92091-3B8F-4277-83DD-96B3F9D29F6E}" srcOrd="1" destOrd="0" presId="urn:microsoft.com/office/officeart/2005/8/layout/list1"/>
+    <dgm:cxn modelId="{259331B3-0F9B-4796-A209-E5A50A4976D7}" type="presOf" srcId="{922CB539-359B-4A09-8BA3-6777ED9C987E}" destId="{0B0B4742-35E3-4B1E-AA5B-AC1BE695E313}" srcOrd="1" destOrd="0" presId="urn:microsoft.com/office/officeart/2005/8/layout/list1"/>
+    <dgm:cxn modelId="{5C40E8CD-7ACC-436F-8484-A25A7A8DE52D}" srcId="{810D1DEE-7E1E-4825-B3DD-9B522DDE44CA}" destId="{0B97628F-6291-46C9-AC03-C6F5ADA367F6}" srcOrd="3" destOrd="0" parTransId="{5BDAFC43-5274-4033-AC2B-FAAFCDF247F3}" sibTransId="{C9BE1E59-A64E-435F-A331-89F7B5F857D2}"/>
     <dgm:cxn modelId="{AE0640F4-38E1-4550-815B-EE37107345BA}" type="presOf" srcId="{CED88271-C752-45E2-97A0-7C2DFE9AFA13}" destId="{1D40D782-EBFC-4A33-AAF1-878C3A9E6889}" srcOrd="0" destOrd="0" presId="urn:microsoft.com/office/officeart/2005/8/layout/list1"/>
+    <dgm:cxn modelId="{91A92BFC-AEF8-4CED-B328-1AC5992A0A31}" type="presOf" srcId="{CED88271-C752-45E2-97A0-7C2DFE9AFA13}" destId="{BA2A8A19-E825-4953-92E5-3056A41183C5}" srcOrd="1" destOrd="0" presId="urn:microsoft.com/office/officeart/2005/8/layout/list1"/>
     <dgm:cxn modelId="{8DBE1AE5-6ED8-4853-9617-B79DC5188373}" type="presParOf" srcId="{84F3F111-872E-48A4-81D6-FE0FDE30996C}" destId="{EA851678-BB55-48C0-BA42-38EFAC29F6C0}" srcOrd="0" destOrd="0" presId="urn:microsoft.com/office/officeart/2005/8/layout/list1"/>
     <dgm:cxn modelId="{7E0E6D15-84D2-4696-8BDA-487B21B884A2}" type="presParOf" srcId="{EA851678-BB55-48C0-BA42-38EFAC29F6C0}" destId="{7B5A6383-AA44-4CFB-A025-99C3D0189853}" srcOrd="0" destOrd="0" presId="urn:microsoft.com/office/officeart/2005/8/layout/list1"/>
     <dgm:cxn modelId="{C5EB12CB-3265-4C70-ADEE-690E0E90824F}" type="presParOf" srcId="{EA851678-BB55-48C0-BA42-38EFAC29F6C0}" destId="{1AE39C81-4A45-4E40-B8E7-8E8C8A81B5F1}" srcOrd="1" destOrd="0" presId="urn:microsoft.com/office/officeart/2005/8/layout/list1"/>
@@ -2063,10 +2751,9 @@
         <a:lstStyle/>
         <a:p>
           <a:r>
-            <a:rPr lang="zh-CN" altLang="en-US" dirty="0" smtClean="0"/>
+            <a:rPr lang="zh-CN" altLang="en-US" dirty="0"/>
             <a:t>一、基本概念</a:t>
           </a:r>
-          <a:endParaRPr lang="zh-CN" altLang="en-US" dirty="0"/>
         </a:p>
       </dgm:t>
     </dgm:pt>
@@ -2100,10 +2787,9 @@
         <a:lstStyle/>
         <a:p>
           <a:r>
-            <a:rPr lang="zh-CN" altLang="en-US" dirty="0" smtClean="0"/>
+            <a:rPr lang="zh-CN" altLang="en-US" dirty="0"/>
             <a:t>二、代码演示</a:t>
           </a:r>
-          <a:endParaRPr lang="zh-CN" altLang="en-US" dirty="0"/>
         </a:p>
       </dgm:t>
     </dgm:pt>
@@ -2137,10 +2823,10 @@
         <a:lstStyle/>
         <a:p>
           <a:r>
-            <a:rPr lang="zh-CN" altLang="en-US" dirty="0" smtClean="0"/>
+            <a:rPr lang="zh-CN" altLang="en-US" dirty="0"/>
             <a:t>三、框架原理</a:t>
           </a:r>
-          <a:endParaRPr lang="en-US" altLang="zh-CN" dirty="0" smtClean="0"/>
+          <a:endParaRPr lang="en-US" altLang="zh-CN" dirty="0"/>
         </a:p>
       </dgm:t>
     </dgm:pt>
@@ -2174,10 +2860,10 @@
         <a:lstStyle/>
         <a:p>
           <a:r>
-            <a:rPr lang="zh-CN" altLang="en-US" dirty="0" smtClean="0"/>
+            <a:rPr lang="zh-CN" altLang="en-US" dirty="0"/>
             <a:t>四、源码解读</a:t>
           </a:r>
-          <a:endParaRPr lang="en-US" altLang="zh-CN" dirty="0" smtClean="0"/>
+          <a:endParaRPr lang="en-US" altLang="zh-CN" dirty="0"/>
         </a:p>
       </dgm:t>
     </dgm:pt>
@@ -2212,13 +2898,6 @@
         </dgm:presLayoutVars>
       </dgm:prSet>
       <dgm:spPr/>
-      <dgm:t>
-        <a:bodyPr/>
-        <a:lstStyle/>
-        <a:p>
-          <a:endParaRPr lang="zh-CN" altLang="en-US"/>
-        </a:p>
-      </dgm:t>
     </dgm:pt>
     <dgm:pt modelId="{EA851678-BB55-48C0-BA42-38EFAC29F6C0}" type="pres">
       <dgm:prSet presAssocID="{82A79A04-6D46-413E-8CAD-0407D98D55F3}" presName="parentLin" presStyleCnt="0"/>
@@ -2227,13 +2906,6 @@
     <dgm:pt modelId="{7B5A6383-AA44-4CFB-A025-99C3D0189853}" type="pres">
       <dgm:prSet presAssocID="{82A79A04-6D46-413E-8CAD-0407D98D55F3}" presName="parentLeftMargin" presStyleLbl="node1" presStyleIdx="0" presStyleCnt="4"/>
       <dgm:spPr/>
-      <dgm:t>
-        <a:bodyPr/>
-        <a:lstStyle/>
-        <a:p>
-          <a:endParaRPr lang="zh-CN" altLang="en-US"/>
-        </a:p>
-      </dgm:t>
     </dgm:pt>
     <dgm:pt modelId="{1AE39C81-4A45-4E40-B8E7-8E8C8A81B5F1}" type="pres">
       <dgm:prSet presAssocID="{82A79A04-6D46-413E-8CAD-0407D98D55F3}" presName="parentText" presStyleLbl="node1" presStyleIdx="0" presStyleCnt="4">
@@ -2243,13 +2915,6 @@
         </dgm:presLayoutVars>
       </dgm:prSet>
       <dgm:spPr/>
-      <dgm:t>
-        <a:bodyPr/>
-        <a:lstStyle/>
-        <a:p>
-          <a:endParaRPr lang="zh-CN" altLang="en-US"/>
-        </a:p>
-      </dgm:t>
     </dgm:pt>
     <dgm:pt modelId="{CB19D7A4-46F2-4B65-B8AD-71F611C70E6F}" type="pres">
       <dgm:prSet presAssocID="{82A79A04-6D46-413E-8CAD-0407D98D55F3}" presName="negativeSpace" presStyleCnt="0"/>
@@ -2274,13 +2939,6 @@
     <dgm:pt modelId="{571C2D84-F6B9-4BFB-AC2B-F223BD39D9F4}" type="pres">
       <dgm:prSet presAssocID="{922CB539-359B-4A09-8BA3-6777ED9C987E}" presName="parentLeftMargin" presStyleLbl="node1" presStyleIdx="0" presStyleCnt="4"/>
       <dgm:spPr/>
-      <dgm:t>
-        <a:bodyPr/>
-        <a:lstStyle/>
-        <a:p>
-          <a:endParaRPr lang="zh-CN" altLang="en-US"/>
-        </a:p>
-      </dgm:t>
     </dgm:pt>
     <dgm:pt modelId="{0B0B4742-35E3-4B1E-AA5B-AC1BE695E313}" type="pres">
       <dgm:prSet presAssocID="{922CB539-359B-4A09-8BA3-6777ED9C987E}" presName="parentText" presStyleLbl="node1" presStyleIdx="1" presStyleCnt="4">
@@ -2290,13 +2948,6 @@
         </dgm:presLayoutVars>
       </dgm:prSet>
       <dgm:spPr/>
-      <dgm:t>
-        <a:bodyPr/>
-        <a:lstStyle/>
-        <a:p>
-          <a:endParaRPr lang="zh-CN" altLang="en-US"/>
-        </a:p>
-      </dgm:t>
     </dgm:pt>
     <dgm:pt modelId="{10FCF20F-A0EF-4A8E-A109-FD6D03D5AC7C}" type="pres">
       <dgm:prSet presAssocID="{922CB539-359B-4A09-8BA3-6777ED9C987E}" presName="negativeSpace" presStyleCnt="0"/>
@@ -2321,13 +2972,6 @@
     <dgm:pt modelId="{1D40D782-EBFC-4A33-AAF1-878C3A9E6889}" type="pres">
       <dgm:prSet presAssocID="{CED88271-C752-45E2-97A0-7C2DFE9AFA13}" presName="parentLeftMargin" presStyleLbl="node1" presStyleIdx="1" presStyleCnt="4"/>
       <dgm:spPr/>
-      <dgm:t>
-        <a:bodyPr/>
-        <a:lstStyle/>
-        <a:p>
-          <a:endParaRPr lang="zh-CN" altLang="en-US"/>
-        </a:p>
-      </dgm:t>
     </dgm:pt>
     <dgm:pt modelId="{BA2A8A19-E825-4953-92E5-3056A41183C5}" type="pres">
       <dgm:prSet presAssocID="{CED88271-C752-45E2-97A0-7C2DFE9AFA13}" presName="parentText" presStyleLbl="node1" presStyleIdx="2" presStyleCnt="4">
@@ -2337,13 +2981,6 @@
         </dgm:presLayoutVars>
       </dgm:prSet>
       <dgm:spPr/>
-      <dgm:t>
-        <a:bodyPr/>
-        <a:lstStyle/>
-        <a:p>
-          <a:endParaRPr lang="zh-CN" altLang="en-US"/>
-        </a:p>
-      </dgm:t>
     </dgm:pt>
     <dgm:pt modelId="{2E589E36-02B4-4A6F-8955-25AF308ED3A9}" type="pres">
       <dgm:prSet presAssocID="{CED88271-C752-45E2-97A0-7C2DFE9AFA13}" presName="negativeSpace" presStyleCnt="0"/>
@@ -2368,13 +3005,6 @@
     <dgm:pt modelId="{C012A5F2-C128-41E4-8507-6B0B3613CF11}" type="pres">
       <dgm:prSet presAssocID="{0B97628F-6291-46C9-AC03-C6F5ADA367F6}" presName="parentLeftMargin" presStyleLbl="node1" presStyleIdx="2" presStyleCnt="4"/>
       <dgm:spPr/>
-      <dgm:t>
-        <a:bodyPr/>
-        <a:lstStyle/>
-        <a:p>
-          <a:endParaRPr lang="zh-CN" altLang="en-US"/>
-        </a:p>
-      </dgm:t>
     </dgm:pt>
     <dgm:pt modelId="{47D92091-3B8F-4277-83DD-96B3F9D29F6E}" type="pres">
       <dgm:prSet presAssocID="{0B97628F-6291-46C9-AC03-C6F5ADA367F6}" presName="parentText" presStyleLbl="node1" presStyleIdx="3" presStyleCnt="4">
@@ -2384,13 +3014,6 @@
         </dgm:presLayoutVars>
       </dgm:prSet>
       <dgm:spPr/>
-      <dgm:t>
-        <a:bodyPr/>
-        <a:lstStyle/>
-        <a:p>
-          <a:endParaRPr lang="zh-CN" altLang="en-US"/>
-        </a:p>
-      </dgm:t>
     </dgm:pt>
     <dgm:pt modelId="{36B33FA9-8F97-4643-978F-4DD92D4C8833}" type="pres">
       <dgm:prSet presAssocID="{0B97628F-6291-46C9-AC03-C6F5ADA367F6}" presName="negativeSpace" presStyleCnt="0"/>
@@ -2406,18 +3029,18 @@
     </dgm:pt>
   </dgm:ptLst>
   <dgm:cxnLst>
+    <dgm:cxn modelId="{FA67E20C-D349-41AD-B533-ABB7D4BA504C}" srcId="{810D1DEE-7E1E-4825-B3DD-9B522DDE44CA}" destId="{922CB539-359B-4A09-8BA3-6777ED9C987E}" srcOrd="1" destOrd="0" parTransId="{21EFEE17-ED17-48F3-AE42-89D5654A051D}" sibTransId="{15772A7A-9A12-415E-A659-0DB3D13203EB}"/>
+    <dgm:cxn modelId="{1995B319-0A36-43C0-B6C7-203A7EE73F4F}" type="presOf" srcId="{82A79A04-6D46-413E-8CAD-0407D98D55F3}" destId="{1AE39C81-4A45-4E40-B8E7-8E8C8A81B5F1}" srcOrd="1" destOrd="0" presId="urn:microsoft.com/office/officeart/2005/8/layout/list1"/>
+    <dgm:cxn modelId="{71BBA138-E1B4-47AC-8E55-5A1074D25595}" type="presOf" srcId="{CED88271-C752-45E2-97A0-7C2DFE9AFA13}" destId="{BA2A8A19-E825-4953-92E5-3056A41183C5}" srcOrd="1" destOrd="0" presId="urn:microsoft.com/office/officeart/2005/8/layout/list1"/>
+    <dgm:cxn modelId="{035FED45-DD3B-4C1A-A88E-655A8B38853C}" type="presOf" srcId="{810D1DEE-7E1E-4825-B3DD-9B522DDE44CA}" destId="{84F3F111-872E-48A4-81D6-FE0FDE30996C}" srcOrd="0" destOrd="0" presId="urn:microsoft.com/office/officeart/2005/8/layout/list1"/>
     <dgm:cxn modelId="{7C7C5C4E-F4A7-459F-8FA8-67D7A86C1823}" srcId="{810D1DEE-7E1E-4825-B3DD-9B522DDE44CA}" destId="{82A79A04-6D46-413E-8CAD-0407D98D55F3}" srcOrd="0" destOrd="0" parTransId="{EFC91C11-8CF2-4C97-8ECA-BFAE7C01AAB0}" sibTransId="{5146D676-2E40-4C2D-86E8-A537076F5D77}"/>
+    <dgm:cxn modelId="{BB272573-A2CC-4377-B5E8-C34F9CCE25DC}" type="presOf" srcId="{922CB539-359B-4A09-8BA3-6777ED9C987E}" destId="{0B0B4742-35E3-4B1E-AA5B-AC1BE695E313}" srcOrd="1" destOrd="0" presId="urn:microsoft.com/office/officeart/2005/8/layout/list1"/>
+    <dgm:cxn modelId="{528D2D90-F7C4-42C1-A34A-C85264F3E7A7}" type="presOf" srcId="{82A79A04-6D46-413E-8CAD-0407D98D55F3}" destId="{7B5A6383-AA44-4CFB-A025-99C3D0189853}" srcOrd="0" destOrd="0" presId="urn:microsoft.com/office/officeart/2005/8/layout/list1"/>
+    <dgm:cxn modelId="{9BBF3891-DC83-44D6-A2A6-0E1197B51DA4}" type="presOf" srcId="{0B97628F-6291-46C9-AC03-C6F5ADA367F6}" destId="{47D92091-3B8F-4277-83DD-96B3F9D29F6E}" srcOrd="1" destOrd="0" presId="urn:microsoft.com/office/officeart/2005/8/layout/list1"/>
     <dgm:cxn modelId="{CEE09595-2CE0-4BDC-B119-EE132D7FB62F}" type="presOf" srcId="{922CB539-359B-4A09-8BA3-6777ED9C987E}" destId="{571C2D84-F6B9-4BFB-AC2B-F223BD39D9F4}" srcOrd="0" destOrd="0" presId="urn:microsoft.com/office/officeart/2005/8/layout/list1"/>
     <dgm:cxn modelId="{E70DD39D-7A2F-4608-9498-F975D8412C9F}" srcId="{810D1DEE-7E1E-4825-B3DD-9B522DDE44CA}" destId="{CED88271-C752-45E2-97A0-7C2DFE9AFA13}" srcOrd="2" destOrd="0" parTransId="{011B9A19-8ED5-4609-A394-E5C27943072E}" sibTransId="{284B256D-E039-4FC5-97AE-F9C26A21B5BB}"/>
-    <dgm:cxn modelId="{528D2D90-F7C4-42C1-A34A-C85264F3E7A7}" type="presOf" srcId="{82A79A04-6D46-413E-8CAD-0407D98D55F3}" destId="{7B5A6383-AA44-4CFB-A025-99C3D0189853}" srcOrd="0" destOrd="0" presId="urn:microsoft.com/office/officeart/2005/8/layout/list1"/>
-    <dgm:cxn modelId="{71BBA138-E1B4-47AC-8E55-5A1074D25595}" type="presOf" srcId="{CED88271-C752-45E2-97A0-7C2DFE9AFA13}" destId="{BA2A8A19-E825-4953-92E5-3056A41183C5}" srcOrd="1" destOrd="0" presId="urn:microsoft.com/office/officeart/2005/8/layout/list1"/>
-    <dgm:cxn modelId="{1995B319-0A36-43C0-B6C7-203A7EE73F4F}" type="presOf" srcId="{82A79A04-6D46-413E-8CAD-0407D98D55F3}" destId="{1AE39C81-4A45-4E40-B8E7-8E8C8A81B5F1}" srcOrd="1" destOrd="0" presId="urn:microsoft.com/office/officeart/2005/8/layout/list1"/>
-    <dgm:cxn modelId="{9BBF3891-DC83-44D6-A2A6-0E1197B51DA4}" type="presOf" srcId="{0B97628F-6291-46C9-AC03-C6F5ADA367F6}" destId="{47D92091-3B8F-4277-83DD-96B3F9D29F6E}" srcOrd="1" destOrd="0" presId="urn:microsoft.com/office/officeart/2005/8/layout/list1"/>
-    <dgm:cxn modelId="{BB272573-A2CC-4377-B5E8-C34F9CCE25DC}" type="presOf" srcId="{922CB539-359B-4A09-8BA3-6777ED9C987E}" destId="{0B0B4742-35E3-4B1E-AA5B-AC1BE695E313}" srcOrd="1" destOrd="0" presId="urn:microsoft.com/office/officeart/2005/8/layout/list1"/>
+    <dgm:cxn modelId="{02F71BC4-CBD0-4DA7-9C8D-DFAF929EE7B2}" type="presOf" srcId="{0B97628F-6291-46C9-AC03-C6F5ADA367F6}" destId="{C012A5F2-C128-41E4-8507-6B0B3613CF11}" srcOrd="0" destOrd="0" presId="urn:microsoft.com/office/officeart/2005/8/layout/list1"/>
     <dgm:cxn modelId="{5C40E8CD-7ACC-436F-8484-A25A7A8DE52D}" srcId="{810D1DEE-7E1E-4825-B3DD-9B522DDE44CA}" destId="{0B97628F-6291-46C9-AC03-C6F5ADA367F6}" srcOrd="3" destOrd="0" parTransId="{5BDAFC43-5274-4033-AC2B-FAAFCDF247F3}" sibTransId="{C9BE1E59-A64E-435F-A331-89F7B5F857D2}"/>
-    <dgm:cxn modelId="{FA67E20C-D349-41AD-B533-ABB7D4BA504C}" srcId="{810D1DEE-7E1E-4825-B3DD-9B522DDE44CA}" destId="{922CB539-359B-4A09-8BA3-6777ED9C987E}" srcOrd="1" destOrd="0" parTransId="{21EFEE17-ED17-48F3-AE42-89D5654A051D}" sibTransId="{15772A7A-9A12-415E-A659-0DB3D13203EB}"/>
-    <dgm:cxn modelId="{035FED45-DD3B-4C1A-A88E-655A8B38853C}" type="presOf" srcId="{810D1DEE-7E1E-4825-B3DD-9B522DDE44CA}" destId="{84F3F111-872E-48A4-81D6-FE0FDE30996C}" srcOrd="0" destOrd="0" presId="urn:microsoft.com/office/officeart/2005/8/layout/list1"/>
-    <dgm:cxn modelId="{02F71BC4-CBD0-4DA7-9C8D-DFAF929EE7B2}" type="presOf" srcId="{0B97628F-6291-46C9-AC03-C6F5ADA367F6}" destId="{C012A5F2-C128-41E4-8507-6B0B3613CF11}" srcOrd="0" destOrd="0" presId="urn:microsoft.com/office/officeart/2005/8/layout/list1"/>
     <dgm:cxn modelId="{C11DF2E8-A585-4D83-BBF9-9F21DC288BAD}" type="presOf" srcId="{CED88271-C752-45E2-97A0-7C2DFE9AFA13}" destId="{1D40D782-EBFC-4A33-AAF1-878C3A9E6889}" srcOrd="0" destOrd="0" presId="urn:microsoft.com/office/officeart/2005/8/layout/list1"/>
     <dgm:cxn modelId="{65999D52-3D40-4AD6-BCB3-CF79A9CDEE2F}" type="presParOf" srcId="{84F3F111-872E-48A4-81D6-FE0FDE30996C}" destId="{EA851678-BB55-48C0-BA42-38EFAC29F6C0}" srcOrd="0" destOrd="0" presId="urn:microsoft.com/office/officeart/2005/8/layout/list1"/>
     <dgm:cxn modelId="{E7E1183E-890B-45FC-A182-FC55187D48A5}" type="presParOf" srcId="{EA851678-BB55-48C0-BA42-38EFAC29F6C0}" destId="{7B5A6383-AA44-4CFB-A025-99C3D0189853}" srcOrd="0" destOrd="0" presId="urn:microsoft.com/office/officeart/2005/8/layout/list1"/>
@@ -2442,6 +3065,200 @@
     <dgm:cxn modelId="{017337B9-C24C-4E24-904E-71401D566267}" type="presParOf" srcId="{26F379FD-E6DE-4998-83F9-CACCD5B509D4}" destId="{47D92091-3B8F-4277-83DD-96B3F9D29F6E}" srcOrd="1" destOrd="0" presId="urn:microsoft.com/office/officeart/2005/8/layout/list1"/>
     <dgm:cxn modelId="{661E0A35-03B1-406C-AE1E-DF13BAE444E9}" type="presParOf" srcId="{84F3F111-872E-48A4-81D6-FE0FDE30996C}" destId="{36B33FA9-8F97-4643-978F-4DD92D4C8833}" srcOrd="13" destOrd="0" presId="urn:microsoft.com/office/officeart/2005/8/layout/list1"/>
     <dgm:cxn modelId="{08900CB4-9D40-49F0-8456-8B750CFD9DCB}" type="presParOf" srcId="{84F3F111-872E-48A4-81D6-FE0FDE30996C}" destId="{2FCEBA2E-ABC1-4559-B7BE-4B0FD17CB8D2}" srcOrd="14" destOrd="0" presId="urn:microsoft.com/office/officeart/2005/8/layout/list1"/>
+  </dgm:cxnLst>
+  <dgm:bg/>
+  <dgm:whole/>
+  <dgm:extLst>
+    <a:ext uri="http://schemas.microsoft.com/office/drawing/2008/diagram">
+      <dsp:dataModelExt xmlns:dsp="http://schemas.microsoft.com/office/drawing/2008/diagram" relId="rId6" minVer="http://schemas.openxmlformats.org/drawingml/2006/diagram"/>
+    </a:ext>
+  </dgm:extLst>
+</dgm:dataModel>
+</file>
+
+<file path=ppt/diagrams/data3.xml><?xml version="1.0" encoding="utf-8"?>
+<dgm:dataModel xmlns:dgm="http://schemas.openxmlformats.org/drawingml/2006/diagram" xmlns:a="http://schemas.openxmlformats.org/drawingml/2006/main">
+  <dgm:ptLst>
+    <dgm:pt modelId="{2AFE313A-F8A1-4506-A420-EBABB84DE171}" type="doc">
+      <dgm:prSet loTypeId="urn:microsoft.com/office/officeart/2005/8/layout/hProcess9" loCatId="process" qsTypeId="urn:microsoft.com/office/officeart/2005/8/quickstyle/simple1" qsCatId="simple" csTypeId="urn:microsoft.com/office/officeart/2005/8/colors/accent1_2" csCatId="accent1" phldr="1"/>
+      <dgm:spPr/>
+    </dgm:pt>
+    <dgm:pt modelId="{BDD1E9AE-4223-4272-AB9B-3D6179A7A080}">
+      <dgm:prSet phldrT="[文本]"/>
+      <dgm:spPr/>
+      <dgm:t>
+        <a:bodyPr/>
+        <a:lstStyle/>
+        <a:p>
+          <a:r>
+            <a:rPr lang="en-US" altLang="zh-CN" dirty="0"/>
+            <a:t>pre</a:t>
+          </a:r>
+          <a:endParaRPr lang="zh-CN" altLang="en-US" dirty="0"/>
+        </a:p>
+      </dgm:t>
+    </dgm:pt>
+    <dgm:pt modelId="{CE408600-1029-44DB-B3C4-E463C29BF849}" type="parTrans" cxnId="{28AA50E9-91F3-43FA-B5A7-2B25CB3B5403}">
+      <dgm:prSet/>
+      <dgm:spPr/>
+      <dgm:t>
+        <a:bodyPr/>
+        <a:lstStyle/>
+        <a:p>
+          <a:endParaRPr lang="zh-CN" altLang="en-US"/>
+        </a:p>
+      </dgm:t>
+    </dgm:pt>
+    <dgm:pt modelId="{27D2F059-F9AE-480C-9BCE-C0CA6ED677CF}" type="sibTrans" cxnId="{28AA50E9-91F3-43FA-B5A7-2B25CB3B5403}">
+      <dgm:prSet/>
+      <dgm:spPr/>
+      <dgm:t>
+        <a:bodyPr/>
+        <a:lstStyle/>
+        <a:p>
+          <a:endParaRPr lang="zh-CN" altLang="en-US"/>
+        </a:p>
+      </dgm:t>
+    </dgm:pt>
+    <dgm:pt modelId="{A30434CC-0797-4DB0-8113-1304FF875BD3}">
+      <dgm:prSet phldrT="[文本]"/>
+      <dgm:spPr/>
+      <dgm:t>
+        <a:bodyPr/>
+        <a:lstStyle/>
+        <a:p>
+          <a:r>
+            <a:rPr lang="en-US" altLang="zh-CN" dirty="0"/>
+            <a:t>route</a:t>
+          </a:r>
+          <a:endParaRPr lang="zh-CN" altLang="en-US" dirty="0"/>
+        </a:p>
+      </dgm:t>
+    </dgm:pt>
+    <dgm:pt modelId="{A60E685B-94A1-4E3C-809C-D34CE67E3473}" type="parTrans" cxnId="{B6132D8F-5D5E-4E52-9FB7-0D79142CA060}">
+      <dgm:prSet/>
+      <dgm:spPr/>
+      <dgm:t>
+        <a:bodyPr/>
+        <a:lstStyle/>
+        <a:p>
+          <a:endParaRPr lang="zh-CN" altLang="en-US"/>
+        </a:p>
+      </dgm:t>
+    </dgm:pt>
+    <dgm:pt modelId="{7B473FE2-22C2-43CE-8F05-DC478027C8A3}" type="sibTrans" cxnId="{B6132D8F-5D5E-4E52-9FB7-0D79142CA060}">
+      <dgm:prSet/>
+      <dgm:spPr/>
+      <dgm:t>
+        <a:bodyPr/>
+        <a:lstStyle/>
+        <a:p>
+          <a:endParaRPr lang="zh-CN" altLang="en-US"/>
+        </a:p>
+      </dgm:t>
+    </dgm:pt>
+    <dgm:pt modelId="{BE5E70C2-FEB9-41A0-8D1F-E73C88702D76}">
+      <dgm:prSet phldrT="[文本]"/>
+      <dgm:spPr/>
+      <dgm:t>
+        <a:bodyPr/>
+        <a:lstStyle/>
+        <a:p>
+          <a:r>
+            <a:rPr lang="en-US" altLang="zh-CN" dirty="0"/>
+            <a:t>post</a:t>
+          </a:r>
+          <a:endParaRPr lang="zh-CN" altLang="en-US" dirty="0"/>
+        </a:p>
+      </dgm:t>
+    </dgm:pt>
+    <dgm:pt modelId="{283D266E-2776-4250-B9D3-B49EC7EE36DA}" type="parTrans" cxnId="{DFEB8272-9783-46B6-A524-78473712C363}">
+      <dgm:prSet/>
+      <dgm:spPr/>
+      <dgm:t>
+        <a:bodyPr/>
+        <a:lstStyle/>
+        <a:p>
+          <a:endParaRPr lang="zh-CN" altLang="en-US"/>
+        </a:p>
+      </dgm:t>
+    </dgm:pt>
+    <dgm:pt modelId="{02E958D3-DEAC-4224-850F-EA03D0C6BA52}" type="sibTrans" cxnId="{DFEB8272-9783-46B6-A524-78473712C363}">
+      <dgm:prSet/>
+      <dgm:spPr/>
+      <dgm:t>
+        <a:bodyPr/>
+        <a:lstStyle/>
+        <a:p>
+          <a:endParaRPr lang="zh-CN" altLang="en-US"/>
+        </a:p>
+      </dgm:t>
+    </dgm:pt>
+    <dgm:pt modelId="{575E7EC0-BDE7-4216-B06C-5FE3B6E84116}" type="pres">
+      <dgm:prSet presAssocID="{2AFE313A-F8A1-4506-A420-EBABB84DE171}" presName="CompostProcess" presStyleCnt="0">
+        <dgm:presLayoutVars>
+          <dgm:dir/>
+          <dgm:resizeHandles val="exact"/>
+        </dgm:presLayoutVars>
+      </dgm:prSet>
+      <dgm:spPr/>
+    </dgm:pt>
+    <dgm:pt modelId="{C390B801-4DCA-4F5A-A613-D918ECE19C3A}" type="pres">
+      <dgm:prSet presAssocID="{2AFE313A-F8A1-4506-A420-EBABB84DE171}" presName="arrow" presStyleLbl="bgShp" presStyleIdx="0" presStyleCnt="1"/>
+      <dgm:spPr/>
+    </dgm:pt>
+    <dgm:pt modelId="{8ED28C0D-A163-4BE8-A5D1-0616F995D25D}" type="pres">
+      <dgm:prSet presAssocID="{2AFE313A-F8A1-4506-A420-EBABB84DE171}" presName="linearProcess" presStyleCnt="0"/>
+      <dgm:spPr/>
+    </dgm:pt>
+    <dgm:pt modelId="{6137923A-218F-4B13-AF5F-1762F816FF9C}" type="pres">
+      <dgm:prSet presAssocID="{BDD1E9AE-4223-4272-AB9B-3D6179A7A080}" presName="textNode" presStyleLbl="node1" presStyleIdx="0" presStyleCnt="3">
+        <dgm:presLayoutVars>
+          <dgm:bulletEnabled val="1"/>
+        </dgm:presLayoutVars>
+      </dgm:prSet>
+      <dgm:spPr/>
+    </dgm:pt>
+    <dgm:pt modelId="{C9C746B8-FD18-4843-B918-91E4B412DA64}" type="pres">
+      <dgm:prSet presAssocID="{27D2F059-F9AE-480C-9BCE-C0CA6ED677CF}" presName="sibTrans" presStyleCnt="0"/>
+      <dgm:spPr/>
+    </dgm:pt>
+    <dgm:pt modelId="{C6655776-F1EC-4222-AB5C-F212FE0AF98C}" type="pres">
+      <dgm:prSet presAssocID="{A30434CC-0797-4DB0-8113-1304FF875BD3}" presName="textNode" presStyleLbl="node1" presStyleIdx="1" presStyleCnt="3">
+        <dgm:presLayoutVars>
+          <dgm:bulletEnabled val="1"/>
+        </dgm:presLayoutVars>
+      </dgm:prSet>
+      <dgm:spPr/>
+    </dgm:pt>
+    <dgm:pt modelId="{ACD74953-1408-41E2-A1ED-4B70E4958ABF}" type="pres">
+      <dgm:prSet presAssocID="{7B473FE2-22C2-43CE-8F05-DC478027C8A3}" presName="sibTrans" presStyleCnt="0"/>
+      <dgm:spPr/>
+    </dgm:pt>
+    <dgm:pt modelId="{107D4EB4-4B7D-4927-A0C4-F2064D1A02CE}" type="pres">
+      <dgm:prSet presAssocID="{BE5E70C2-FEB9-41A0-8D1F-E73C88702D76}" presName="textNode" presStyleLbl="node1" presStyleIdx="2" presStyleCnt="3">
+        <dgm:presLayoutVars>
+          <dgm:bulletEnabled val="1"/>
+        </dgm:presLayoutVars>
+      </dgm:prSet>
+      <dgm:spPr/>
+    </dgm:pt>
+  </dgm:ptLst>
+  <dgm:cxnLst>
+    <dgm:cxn modelId="{FDB46145-CF04-4762-9EB2-F11B1B97D1C8}" type="presOf" srcId="{BE5E70C2-FEB9-41A0-8D1F-E73C88702D76}" destId="{107D4EB4-4B7D-4927-A0C4-F2064D1A02CE}" srcOrd="0" destOrd="0" presId="urn:microsoft.com/office/officeart/2005/8/layout/hProcess9"/>
+    <dgm:cxn modelId="{DAD7AD71-A4B3-41F6-95C9-D530372036CB}" type="presOf" srcId="{BDD1E9AE-4223-4272-AB9B-3D6179A7A080}" destId="{6137923A-218F-4B13-AF5F-1762F816FF9C}" srcOrd="0" destOrd="0" presId="urn:microsoft.com/office/officeart/2005/8/layout/hProcess9"/>
+    <dgm:cxn modelId="{DFEB8272-9783-46B6-A524-78473712C363}" srcId="{2AFE313A-F8A1-4506-A420-EBABB84DE171}" destId="{BE5E70C2-FEB9-41A0-8D1F-E73C88702D76}" srcOrd="2" destOrd="0" parTransId="{283D266E-2776-4250-B9D3-B49EC7EE36DA}" sibTransId="{02E958D3-DEAC-4224-850F-EA03D0C6BA52}"/>
+    <dgm:cxn modelId="{B6132D8F-5D5E-4E52-9FB7-0D79142CA060}" srcId="{2AFE313A-F8A1-4506-A420-EBABB84DE171}" destId="{A30434CC-0797-4DB0-8113-1304FF875BD3}" srcOrd="1" destOrd="0" parTransId="{A60E685B-94A1-4E3C-809C-D34CE67E3473}" sibTransId="{7B473FE2-22C2-43CE-8F05-DC478027C8A3}"/>
+    <dgm:cxn modelId="{F703AA9B-D376-4A77-8895-5920E0F4AEFE}" type="presOf" srcId="{2AFE313A-F8A1-4506-A420-EBABB84DE171}" destId="{575E7EC0-BDE7-4216-B06C-5FE3B6E84116}" srcOrd="0" destOrd="0" presId="urn:microsoft.com/office/officeart/2005/8/layout/hProcess9"/>
+    <dgm:cxn modelId="{E933F2BD-01DB-443A-BC32-FE943DD286A4}" type="presOf" srcId="{A30434CC-0797-4DB0-8113-1304FF875BD3}" destId="{C6655776-F1EC-4222-AB5C-F212FE0AF98C}" srcOrd="0" destOrd="0" presId="urn:microsoft.com/office/officeart/2005/8/layout/hProcess9"/>
+    <dgm:cxn modelId="{28AA50E9-91F3-43FA-B5A7-2B25CB3B5403}" srcId="{2AFE313A-F8A1-4506-A420-EBABB84DE171}" destId="{BDD1E9AE-4223-4272-AB9B-3D6179A7A080}" srcOrd="0" destOrd="0" parTransId="{CE408600-1029-44DB-B3C4-E463C29BF849}" sibTransId="{27D2F059-F9AE-480C-9BCE-C0CA6ED677CF}"/>
+    <dgm:cxn modelId="{59936441-2289-4DCA-B58A-6B9C04A3AADA}" type="presParOf" srcId="{575E7EC0-BDE7-4216-B06C-5FE3B6E84116}" destId="{C390B801-4DCA-4F5A-A613-D918ECE19C3A}" srcOrd="0" destOrd="0" presId="urn:microsoft.com/office/officeart/2005/8/layout/hProcess9"/>
+    <dgm:cxn modelId="{88DFA2BE-C424-47E5-B63C-53AEFAB4F1F3}" type="presParOf" srcId="{575E7EC0-BDE7-4216-B06C-5FE3B6E84116}" destId="{8ED28C0D-A163-4BE8-A5D1-0616F995D25D}" srcOrd="1" destOrd="0" presId="urn:microsoft.com/office/officeart/2005/8/layout/hProcess9"/>
+    <dgm:cxn modelId="{DC03E1D0-5A75-4278-BAA8-6147425C6967}" type="presParOf" srcId="{8ED28C0D-A163-4BE8-A5D1-0616F995D25D}" destId="{6137923A-218F-4B13-AF5F-1762F816FF9C}" srcOrd="0" destOrd="0" presId="urn:microsoft.com/office/officeart/2005/8/layout/hProcess9"/>
+    <dgm:cxn modelId="{784FE93F-A4E4-460C-96C4-3701211B031D}" type="presParOf" srcId="{8ED28C0D-A163-4BE8-A5D1-0616F995D25D}" destId="{C9C746B8-FD18-4843-B918-91E4B412DA64}" srcOrd="1" destOrd="0" presId="urn:microsoft.com/office/officeart/2005/8/layout/hProcess9"/>
+    <dgm:cxn modelId="{5A05EF63-DF32-4567-B2A7-F46F900EDA18}" type="presParOf" srcId="{8ED28C0D-A163-4BE8-A5D1-0616F995D25D}" destId="{C6655776-F1EC-4222-AB5C-F212FE0AF98C}" srcOrd="2" destOrd="0" presId="urn:microsoft.com/office/officeart/2005/8/layout/hProcess9"/>
+    <dgm:cxn modelId="{50414DDF-A4C8-4D1A-94B4-52648B6ABFB0}" type="presParOf" srcId="{8ED28C0D-A163-4BE8-A5D1-0616F995D25D}" destId="{ACD74953-1408-41E2-A1ED-4B70E4958ABF}" srcOrd="3" destOrd="0" presId="urn:microsoft.com/office/officeart/2005/8/layout/hProcess9"/>
+    <dgm:cxn modelId="{9588E1DC-4F02-498F-8A7E-D16969602F5C}" type="presParOf" srcId="{8ED28C0D-A163-4BE8-A5D1-0616F995D25D}" destId="{107D4EB4-4B7D-4927-A0C4-F2064D1A02CE}" srcOrd="4" destOrd="0" presId="urn:microsoft.com/office/officeart/2005/8/layout/hProcess9"/>
   </dgm:cxnLst>
   <dgm:bg/>
   <dgm:whole/>
@@ -2563,7 +3380,7 @@
         </a:bodyPr>
         <a:lstStyle/>
         <a:p>
-          <a:pPr lvl="0" algn="l" defTabSz="755650">
+          <a:pPr marL="0" lvl="0" indent="0" algn="l" defTabSz="755650">
             <a:lnSpc>
               <a:spcPct val="90000"/>
             </a:lnSpc>
@@ -2573,12 +3390,12 @@
             <a:spcAft>
               <a:spcPct val="35000"/>
             </a:spcAft>
+            <a:buNone/>
           </a:pPr>
           <a:r>
-            <a:rPr lang="zh-CN" altLang="en-US" sz="1700" kern="1200" dirty="0" smtClean="0"/>
+            <a:rPr lang="zh-CN" altLang="en-US" sz="1700" kern="1200" dirty="0"/>
             <a:t>一、基本概念</a:t>
           </a:r>
-          <a:endParaRPr lang="zh-CN" altLang="en-US" sz="1700" kern="1200" dirty="0"/>
         </a:p>
       </dsp:txBody>
       <dsp:txXfrm>
@@ -2688,7 +3505,7 @@
         </a:bodyPr>
         <a:lstStyle/>
         <a:p>
-          <a:pPr lvl="0" algn="l" defTabSz="755650">
+          <a:pPr marL="0" lvl="0" indent="0" algn="l" defTabSz="755650">
             <a:lnSpc>
               <a:spcPct val="90000"/>
             </a:lnSpc>
@@ -2698,12 +3515,12 @@
             <a:spcAft>
               <a:spcPct val="35000"/>
             </a:spcAft>
+            <a:buNone/>
           </a:pPr>
           <a:r>
-            <a:rPr lang="zh-CN" altLang="en-US" sz="1700" kern="1200" dirty="0" smtClean="0"/>
+            <a:rPr lang="zh-CN" altLang="en-US" sz="1700" kern="1200" dirty="0"/>
             <a:t>二、代码演示</a:t>
           </a:r>
-          <a:endParaRPr lang="zh-CN" altLang="en-US" sz="1700" kern="1200" dirty="0"/>
         </a:p>
       </dsp:txBody>
       <dsp:txXfrm>
@@ -2813,7 +3630,7 @@
         </a:bodyPr>
         <a:lstStyle/>
         <a:p>
-          <a:pPr lvl="0" algn="l" defTabSz="755650">
+          <a:pPr marL="0" lvl="0" indent="0" algn="l" defTabSz="755650">
             <a:lnSpc>
               <a:spcPct val="90000"/>
             </a:lnSpc>
@@ -2823,12 +3640,13 @@
             <a:spcAft>
               <a:spcPct val="35000"/>
             </a:spcAft>
+            <a:buNone/>
           </a:pPr>
           <a:r>
-            <a:rPr lang="zh-CN" altLang="en-US" sz="1700" kern="1200" dirty="0" smtClean="0"/>
+            <a:rPr lang="zh-CN" altLang="en-US" sz="1700" kern="1200" dirty="0"/>
             <a:t>三、框架原理</a:t>
           </a:r>
-          <a:endParaRPr lang="en-US" altLang="zh-CN" sz="1700" kern="1200" dirty="0" smtClean="0"/>
+          <a:endParaRPr lang="en-US" altLang="zh-CN" sz="1700" kern="1200" dirty="0"/>
         </a:p>
       </dsp:txBody>
       <dsp:txXfrm>
@@ -2938,7 +3756,7 @@
         </a:bodyPr>
         <a:lstStyle/>
         <a:p>
-          <a:pPr lvl="0" algn="l" defTabSz="755650">
+          <a:pPr marL="0" lvl="0" indent="0" algn="l" defTabSz="755650">
             <a:lnSpc>
               <a:spcPct val="90000"/>
             </a:lnSpc>
@@ -2948,12 +3766,13 @@
             <a:spcAft>
               <a:spcPct val="35000"/>
             </a:spcAft>
+            <a:buNone/>
           </a:pPr>
           <a:r>
-            <a:rPr lang="zh-CN" altLang="en-US" sz="1700" kern="1200" dirty="0" smtClean="0"/>
+            <a:rPr lang="zh-CN" altLang="en-US" sz="1700" kern="1200" dirty="0"/>
             <a:t>四、源码解读</a:t>
           </a:r>
-          <a:endParaRPr lang="en-US" altLang="zh-CN" sz="1700" kern="1200" dirty="0" smtClean="0"/>
+          <a:endParaRPr lang="en-US" altLang="zh-CN" sz="1700" kern="1200" dirty="0"/>
         </a:p>
       </dsp:txBody>
       <dsp:txXfrm>
@@ -3070,7 +3889,7 @@
         </a:bodyPr>
         <a:lstStyle/>
         <a:p>
-          <a:pPr lvl="0" algn="l" defTabSz="755650">
+          <a:pPr marL="0" lvl="0" indent="0" algn="l" defTabSz="755650">
             <a:lnSpc>
               <a:spcPct val="90000"/>
             </a:lnSpc>
@@ -3080,12 +3899,12 @@
             <a:spcAft>
               <a:spcPct val="35000"/>
             </a:spcAft>
+            <a:buNone/>
           </a:pPr>
           <a:r>
-            <a:rPr lang="zh-CN" altLang="en-US" sz="1700" kern="1200" dirty="0" smtClean="0"/>
+            <a:rPr lang="zh-CN" altLang="en-US" sz="1700" kern="1200" dirty="0"/>
             <a:t>一、基本概念</a:t>
           </a:r>
-          <a:endParaRPr lang="zh-CN" altLang="en-US" sz="1700" kern="1200" dirty="0"/>
         </a:p>
       </dsp:txBody>
       <dsp:txXfrm>
@@ -3195,7 +4014,7 @@
         </a:bodyPr>
         <a:lstStyle/>
         <a:p>
-          <a:pPr lvl="0" algn="l" defTabSz="755650">
+          <a:pPr marL="0" lvl="0" indent="0" algn="l" defTabSz="755650">
             <a:lnSpc>
               <a:spcPct val="90000"/>
             </a:lnSpc>
@@ -3205,12 +4024,12 @@
             <a:spcAft>
               <a:spcPct val="35000"/>
             </a:spcAft>
+            <a:buNone/>
           </a:pPr>
           <a:r>
-            <a:rPr lang="zh-CN" altLang="en-US" sz="1700" kern="1200" dirty="0" smtClean="0"/>
+            <a:rPr lang="zh-CN" altLang="en-US" sz="1700" kern="1200" dirty="0"/>
             <a:t>二、代码演示</a:t>
           </a:r>
-          <a:endParaRPr lang="zh-CN" altLang="en-US" sz="1700" kern="1200" dirty="0"/>
         </a:p>
       </dsp:txBody>
       <dsp:txXfrm>
@@ -3320,7 +4139,7 @@
         </a:bodyPr>
         <a:lstStyle/>
         <a:p>
-          <a:pPr lvl="0" algn="l" defTabSz="755650">
+          <a:pPr marL="0" lvl="0" indent="0" algn="l" defTabSz="755650">
             <a:lnSpc>
               <a:spcPct val="90000"/>
             </a:lnSpc>
@@ -3330,12 +4149,13 @@
             <a:spcAft>
               <a:spcPct val="35000"/>
             </a:spcAft>
+            <a:buNone/>
           </a:pPr>
           <a:r>
-            <a:rPr lang="zh-CN" altLang="en-US" sz="1700" kern="1200" dirty="0" smtClean="0"/>
+            <a:rPr lang="zh-CN" altLang="en-US" sz="1700" kern="1200" dirty="0"/>
             <a:t>三、框架原理</a:t>
           </a:r>
-          <a:endParaRPr lang="en-US" altLang="zh-CN" sz="1700" kern="1200" dirty="0" smtClean="0"/>
+          <a:endParaRPr lang="en-US" altLang="zh-CN" sz="1700" kern="1200" dirty="0"/>
         </a:p>
       </dsp:txBody>
       <dsp:txXfrm>
@@ -3445,7 +4265,7 @@
         </a:bodyPr>
         <a:lstStyle/>
         <a:p>
-          <a:pPr lvl="0" algn="l" defTabSz="755650">
+          <a:pPr marL="0" lvl="0" indent="0" algn="l" defTabSz="755650">
             <a:lnSpc>
               <a:spcPct val="90000"/>
             </a:lnSpc>
@@ -3455,17 +4275,304 @@
             <a:spcAft>
               <a:spcPct val="35000"/>
             </a:spcAft>
+            <a:buNone/>
           </a:pPr>
           <a:r>
-            <a:rPr lang="zh-CN" altLang="en-US" sz="1700" kern="1200" dirty="0" smtClean="0"/>
+            <a:rPr lang="zh-CN" altLang="en-US" sz="1700" kern="1200" dirty="0"/>
             <a:t>四、源码解读</a:t>
           </a:r>
-          <a:endParaRPr lang="en-US" altLang="zh-CN" sz="1700" kern="1200" dirty="0" smtClean="0"/>
+          <a:endParaRPr lang="en-US" altLang="zh-CN" sz="1700" kern="1200" dirty="0"/>
         </a:p>
       </dsp:txBody>
       <dsp:txXfrm>
         <a:off x="308929" y="2353686"/>
         <a:ext cx="3933046" cy="452844"/>
+      </dsp:txXfrm>
+    </dsp:sp>
+  </dsp:spTree>
+</dsp:drawing>
+</file>
+
+<file path=ppt/diagrams/drawing3.xml><?xml version="1.0" encoding="utf-8"?>
+<dsp:drawing xmlns:dgm="http://schemas.openxmlformats.org/drawingml/2006/diagram" xmlns:dsp="http://schemas.microsoft.com/office/drawing/2008/diagram" xmlns:a="http://schemas.openxmlformats.org/drawingml/2006/main">
+  <dsp:spTree>
+    <dsp:nvGrpSpPr>
+      <dsp:cNvPr id="0" name=""/>
+      <dsp:cNvGrpSpPr/>
+    </dsp:nvGrpSpPr>
+    <dsp:grpSpPr/>
+    <dsp:sp modelId="{C390B801-4DCA-4F5A-A613-D918ECE19C3A}">
+      <dsp:nvSpPr>
+        <dsp:cNvPr id="0" name=""/>
+        <dsp:cNvSpPr/>
+      </dsp:nvSpPr>
+      <dsp:spPr>
+        <a:xfrm>
+          <a:off x="457199" y="0"/>
+          <a:ext cx="5181600" cy="4064000"/>
+        </a:xfrm>
+        <a:prstGeom prst="rightArrow">
+          <a:avLst/>
+        </a:prstGeom>
+        <a:solidFill>
+          <a:schemeClr val="accent1">
+            <a:tint val="40000"/>
+            <a:hueOff val="0"/>
+            <a:satOff val="0"/>
+            <a:lumOff val="0"/>
+            <a:alphaOff val="0"/>
+          </a:schemeClr>
+        </a:solidFill>
+        <a:ln>
+          <a:noFill/>
+        </a:ln>
+        <a:effectLst/>
+      </dsp:spPr>
+      <dsp:style>
+        <a:lnRef idx="0">
+          <a:scrgbClr r="0" g="0" b="0"/>
+        </a:lnRef>
+        <a:fillRef idx="1">
+          <a:scrgbClr r="0" g="0" b="0"/>
+        </a:fillRef>
+        <a:effectRef idx="0">
+          <a:scrgbClr r="0" g="0" b="0"/>
+        </a:effectRef>
+        <a:fontRef idx="minor"/>
+      </dsp:style>
+    </dsp:sp>
+    <dsp:sp modelId="{6137923A-218F-4B13-AF5F-1762F816FF9C}">
+      <dsp:nvSpPr>
+        <dsp:cNvPr id="0" name=""/>
+        <dsp:cNvSpPr/>
+      </dsp:nvSpPr>
+      <dsp:spPr>
+        <a:xfrm>
+          <a:off x="46" y="1219199"/>
+          <a:ext cx="1878973" cy="1625600"/>
+        </a:xfrm>
+        <a:prstGeom prst="roundRect">
+          <a:avLst/>
+        </a:prstGeom>
+        <a:solidFill>
+          <a:schemeClr val="accent1">
+            <a:hueOff val="0"/>
+            <a:satOff val="0"/>
+            <a:lumOff val="0"/>
+            <a:alphaOff val="0"/>
+          </a:schemeClr>
+        </a:solidFill>
+        <a:ln w="25400" cap="flat" cmpd="sng" algn="ctr">
+          <a:solidFill>
+            <a:schemeClr val="lt1">
+              <a:hueOff val="0"/>
+              <a:satOff val="0"/>
+              <a:lumOff val="0"/>
+              <a:alphaOff val="0"/>
+            </a:schemeClr>
+          </a:solidFill>
+          <a:prstDash val="solid"/>
+        </a:ln>
+        <a:effectLst/>
+      </dsp:spPr>
+      <dsp:style>
+        <a:lnRef idx="2">
+          <a:scrgbClr r="0" g="0" b="0"/>
+        </a:lnRef>
+        <a:fillRef idx="1">
+          <a:scrgbClr r="0" g="0" b="0"/>
+        </a:fillRef>
+        <a:effectRef idx="0">
+          <a:scrgbClr r="0" g="0" b="0"/>
+        </a:effectRef>
+        <a:fontRef idx="minor">
+          <a:schemeClr val="lt1"/>
+        </a:fontRef>
+      </dsp:style>
+      <dsp:txBody>
+        <a:bodyPr spcFirstLastPara="0" vert="horz" wrap="square" lIns="182880" tIns="182880" rIns="182880" bIns="182880" numCol="1" spcCol="1270" anchor="ctr" anchorCtr="0">
+          <a:noAutofit/>
+        </a:bodyPr>
+        <a:lstStyle/>
+        <a:p>
+          <a:pPr marL="0" lvl="0" indent="0" algn="ctr" defTabSz="2133600">
+            <a:lnSpc>
+              <a:spcPct val="90000"/>
+            </a:lnSpc>
+            <a:spcBef>
+              <a:spcPct val="0"/>
+            </a:spcBef>
+            <a:spcAft>
+              <a:spcPct val="35000"/>
+            </a:spcAft>
+            <a:buNone/>
+          </a:pPr>
+          <a:r>
+            <a:rPr lang="en-US" altLang="zh-CN" sz="4800" kern="1200" dirty="0"/>
+            <a:t>pre</a:t>
+          </a:r>
+          <a:endParaRPr lang="zh-CN" altLang="en-US" sz="4800" kern="1200" dirty="0"/>
+        </a:p>
+      </dsp:txBody>
+      <dsp:txXfrm>
+        <a:off x="79401" y="1298554"/>
+        <a:ext cx="1720263" cy="1466890"/>
+      </dsp:txXfrm>
+    </dsp:sp>
+    <dsp:sp modelId="{C6655776-F1EC-4222-AB5C-F212FE0AF98C}">
+      <dsp:nvSpPr>
+        <dsp:cNvPr id="0" name=""/>
+        <dsp:cNvSpPr/>
+      </dsp:nvSpPr>
+      <dsp:spPr>
+        <a:xfrm>
+          <a:off x="2108513" y="1219199"/>
+          <a:ext cx="1878973" cy="1625600"/>
+        </a:xfrm>
+        <a:prstGeom prst="roundRect">
+          <a:avLst/>
+        </a:prstGeom>
+        <a:solidFill>
+          <a:schemeClr val="accent1">
+            <a:hueOff val="0"/>
+            <a:satOff val="0"/>
+            <a:lumOff val="0"/>
+            <a:alphaOff val="0"/>
+          </a:schemeClr>
+        </a:solidFill>
+        <a:ln w="25400" cap="flat" cmpd="sng" algn="ctr">
+          <a:solidFill>
+            <a:schemeClr val="lt1">
+              <a:hueOff val="0"/>
+              <a:satOff val="0"/>
+              <a:lumOff val="0"/>
+              <a:alphaOff val="0"/>
+            </a:schemeClr>
+          </a:solidFill>
+          <a:prstDash val="solid"/>
+        </a:ln>
+        <a:effectLst/>
+      </dsp:spPr>
+      <dsp:style>
+        <a:lnRef idx="2">
+          <a:scrgbClr r="0" g="0" b="0"/>
+        </a:lnRef>
+        <a:fillRef idx="1">
+          <a:scrgbClr r="0" g="0" b="0"/>
+        </a:fillRef>
+        <a:effectRef idx="0">
+          <a:scrgbClr r="0" g="0" b="0"/>
+        </a:effectRef>
+        <a:fontRef idx="minor">
+          <a:schemeClr val="lt1"/>
+        </a:fontRef>
+      </dsp:style>
+      <dsp:txBody>
+        <a:bodyPr spcFirstLastPara="0" vert="horz" wrap="square" lIns="182880" tIns="182880" rIns="182880" bIns="182880" numCol="1" spcCol="1270" anchor="ctr" anchorCtr="0">
+          <a:noAutofit/>
+        </a:bodyPr>
+        <a:lstStyle/>
+        <a:p>
+          <a:pPr marL="0" lvl="0" indent="0" algn="ctr" defTabSz="2133600">
+            <a:lnSpc>
+              <a:spcPct val="90000"/>
+            </a:lnSpc>
+            <a:spcBef>
+              <a:spcPct val="0"/>
+            </a:spcBef>
+            <a:spcAft>
+              <a:spcPct val="35000"/>
+            </a:spcAft>
+            <a:buNone/>
+          </a:pPr>
+          <a:r>
+            <a:rPr lang="en-US" altLang="zh-CN" sz="4800" kern="1200" dirty="0"/>
+            <a:t>route</a:t>
+          </a:r>
+          <a:endParaRPr lang="zh-CN" altLang="en-US" sz="4800" kern="1200" dirty="0"/>
+        </a:p>
+      </dsp:txBody>
+      <dsp:txXfrm>
+        <a:off x="2187868" y="1298554"/>
+        <a:ext cx="1720263" cy="1466890"/>
+      </dsp:txXfrm>
+    </dsp:sp>
+    <dsp:sp modelId="{107D4EB4-4B7D-4927-A0C4-F2064D1A02CE}">
+      <dsp:nvSpPr>
+        <dsp:cNvPr id="0" name=""/>
+        <dsp:cNvSpPr/>
+      </dsp:nvSpPr>
+      <dsp:spPr>
+        <a:xfrm>
+          <a:off x="4216979" y="1219199"/>
+          <a:ext cx="1878973" cy="1625600"/>
+        </a:xfrm>
+        <a:prstGeom prst="roundRect">
+          <a:avLst/>
+        </a:prstGeom>
+        <a:solidFill>
+          <a:schemeClr val="accent1">
+            <a:hueOff val="0"/>
+            <a:satOff val="0"/>
+            <a:lumOff val="0"/>
+            <a:alphaOff val="0"/>
+          </a:schemeClr>
+        </a:solidFill>
+        <a:ln w="25400" cap="flat" cmpd="sng" algn="ctr">
+          <a:solidFill>
+            <a:schemeClr val="lt1">
+              <a:hueOff val="0"/>
+              <a:satOff val="0"/>
+              <a:lumOff val="0"/>
+              <a:alphaOff val="0"/>
+            </a:schemeClr>
+          </a:solidFill>
+          <a:prstDash val="solid"/>
+        </a:ln>
+        <a:effectLst/>
+      </dsp:spPr>
+      <dsp:style>
+        <a:lnRef idx="2">
+          <a:scrgbClr r="0" g="0" b="0"/>
+        </a:lnRef>
+        <a:fillRef idx="1">
+          <a:scrgbClr r="0" g="0" b="0"/>
+        </a:fillRef>
+        <a:effectRef idx="0">
+          <a:scrgbClr r="0" g="0" b="0"/>
+        </a:effectRef>
+        <a:fontRef idx="minor">
+          <a:schemeClr val="lt1"/>
+        </a:fontRef>
+      </dsp:style>
+      <dsp:txBody>
+        <a:bodyPr spcFirstLastPara="0" vert="horz" wrap="square" lIns="182880" tIns="182880" rIns="182880" bIns="182880" numCol="1" spcCol="1270" anchor="ctr" anchorCtr="0">
+          <a:noAutofit/>
+        </a:bodyPr>
+        <a:lstStyle/>
+        <a:p>
+          <a:pPr marL="0" lvl="0" indent="0" algn="ctr" defTabSz="2133600">
+            <a:lnSpc>
+              <a:spcPct val="90000"/>
+            </a:lnSpc>
+            <a:spcBef>
+              <a:spcPct val="0"/>
+            </a:spcBef>
+            <a:spcAft>
+              <a:spcPct val="35000"/>
+            </a:spcAft>
+            <a:buNone/>
+          </a:pPr>
+          <a:r>
+            <a:rPr lang="en-US" altLang="zh-CN" sz="4800" kern="1200" dirty="0"/>
+            <a:t>post</a:t>
+          </a:r>
+          <a:endParaRPr lang="zh-CN" altLang="en-US" sz="4800" kern="1200" dirty="0"/>
+        </a:p>
+      </dsp:txBody>
+      <dsp:txXfrm>
+        <a:off x="4296334" y="1298554"/>
+        <a:ext cx="1720263" cy="1466890"/>
       </dsp:txXfrm>
     </dsp:sp>
   </dsp:spTree>
@@ -3922,6 +5029,160 @@
 </dgm:layoutDef>
 </file>
 
+<file path=ppt/diagrams/layout3.xml><?xml version="1.0" encoding="utf-8"?>
+<dgm:layoutDef xmlns:dgm="http://schemas.openxmlformats.org/drawingml/2006/diagram" xmlns:a="http://schemas.openxmlformats.org/drawingml/2006/main" uniqueId="urn:microsoft.com/office/officeart/2005/8/layout/hProcess9">
+  <dgm:title val=""/>
+  <dgm:desc val=""/>
+  <dgm:catLst>
+    <dgm:cat type="process" pri="5000"/>
+    <dgm:cat type="convert" pri="13000"/>
+  </dgm:catLst>
+  <dgm:sampData useDef="1">
+    <dgm:dataModel>
+      <dgm:ptLst/>
+      <dgm:bg/>
+      <dgm:whole/>
+    </dgm:dataModel>
+  </dgm:sampData>
+  <dgm:styleData>
+    <dgm:dataModel>
+      <dgm:ptLst>
+        <dgm:pt modelId="0" type="doc"/>
+        <dgm:pt modelId="1"/>
+        <dgm:pt modelId="2"/>
+      </dgm:ptLst>
+      <dgm:cxnLst>
+        <dgm:cxn modelId="3" srcId="0" destId="1" srcOrd="0" destOrd="0"/>
+        <dgm:cxn modelId="4" srcId="0" destId="2" srcOrd="1" destOrd="0"/>
+      </dgm:cxnLst>
+      <dgm:bg/>
+      <dgm:whole/>
+    </dgm:dataModel>
+  </dgm:styleData>
+  <dgm:clrData>
+    <dgm:dataModel>
+      <dgm:ptLst>
+        <dgm:pt modelId="0" type="doc"/>
+        <dgm:pt modelId="1"/>
+        <dgm:pt modelId="2"/>
+        <dgm:pt modelId="3"/>
+        <dgm:pt modelId="4"/>
+      </dgm:ptLst>
+      <dgm:cxnLst>
+        <dgm:cxn modelId="5" srcId="0" destId="1" srcOrd="0" destOrd="0"/>
+        <dgm:cxn modelId="6" srcId="0" destId="2" srcOrd="1" destOrd="0"/>
+        <dgm:cxn modelId="7" srcId="0" destId="3" srcOrd="2" destOrd="0"/>
+        <dgm:cxn modelId="8" srcId="0" destId="4" srcOrd="3" destOrd="0"/>
+      </dgm:cxnLst>
+      <dgm:bg/>
+      <dgm:whole/>
+    </dgm:dataModel>
+  </dgm:clrData>
+  <dgm:layoutNode name="CompostProcess">
+    <dgm:varLst>
+      <dgm:dir/>
+      <dgm:resizeHandles val="exact"/>
+    </dgm:varLst>
+    <dgm:alg type="composite">
+      <dgm:param type="horzAlign" val="ctr"/>
+      <dgm:param type="vertAlign" val="mid"/>
+    </dgm:alg>
+    <dgm:shape xmlns:r="http://schemas.openxmlformats.org/officeDocument/2006/relationships" r:blip="">
+      <dgm:adjLst/>
+    </dgm:shape>
+    <dgm:presOf/>
+    <dgm:constrLst>
+      <dgm:constr type="w" for="ch" forName="arrow" refType="w" fact="0.85"/>
+      <dgm:constr type="h" for="ch" forName="arrow" refType="h"/>
+      <dgm:constr type="ctrX" for="ch" forName="arrow" refType="w" fact="0.5"/>
+      <dgm:constr type="ctrY" for="ch" forName="arrow" refType="h" fact="0.5"/>
+      <dgm:constr type="w" for="ch" forName="linearProcess" refType="w"/>
+      <dgm:constr type="h" for="ch" forName="linearProcess" refType="h" fact="0.4"/>
+      <dgm:constr type="ctrX" for="ch" forName="linearProcess" refType="w" fact="0.5"/>
+      <dgm:constr type="ctrY" for="ch" forName="linearProcess" refType="h" fact="0.5"/>
+    </dgm:constrLst>
+    <dgm:ruleLst/>
+    <dgm:layoutNode name="arrow" styleLbl="bgShp">
+      <dgm:alg type="sp"/>
+      <dgm:choose name="Name0">
+        <dgm:if name="Name1" func="var" arg="dir" op="equ" val="norm">
+          <dgm:shape xmlns:r="http://schemas.openxmlformats.org/officeDocument/2006/relationships" type="rightArrow" r:blip="">
+            <dgm:adjLst/>
+          </dgm:shape>
+        </dgm:if>
+        <dgm:else name="Name2">
+          <dgm:shape xmlns:r="http://schemas.openxmlformats.org/officeDocument/2006/relationships" type="leftArrow" r:blip="">
+            <dgm:adjLst/>
+          </dgm:shape>
+        </dgm:else>
+      </dgm:choose>
+      <dgm:presOf/>
+      <dgm:constrLst/>
+      <dgm:ruleLst/>
+    </dgm:layoutNode>
+    <dgm:layoutNode name="linearProcess">
+      <dgm:choose name="Name3">
+        <dgm:if name="Name4" func="var" arg="dir" op="equ" val="norm">
+          <dgm:alg type="lin"/>
+        </dgm:if>
+        <dgm:else name="Name5">
+          <dgm:alg type="lin">
+            <dgm:param type="linDir" val="fromR"/>
+          </dgm:alg>
+        </dgm:else>
+      </dgm:choose>
+      <dgm:shape xmlns:r="http://schemas.openxmlformats.org/officeDocument/2006/relationships" r:blip="">
+        <dgm:adjLst/>
+      </dgm:shape>
+      <dgm:presOf/>
+      <dgm:constrLst>
+        <dgm:constr type="userA" for="ch" ptType="node" refType="w"/>
+        <dgm:constr type="h" for="ch" ptType="node" refType="h"/>
+        <dgm:constr type="w" for="ch" ptType="node" op="equ"/>
+        <dgm:constr type="w" for="ch" forName="sibTrans" refType="w" fact="0.05"/>
+        <dgm:constr type="primFontSz" for="ch" ptType="node" op="equ" val="65"/>
+      </dgm:constrLst>
+      <dgm:ruleLst/>
+      <dgm:forEach name="Name6" axis="ch" ptType="node">
+        <dgm:layoutNode name="textNode" styleLbl="node1">
+          <dgm:varLst>
+            <dgm:bulletEnabled val="1"/>
+          </dgm:varLst>
+          <dgm:alg type="tx"/>
+          <dgm:shape xmlns:r="http://schemas.openxmlformats.org/officeDocument/2006/relationships" type="roundRect" r:blip="">
+            <dgm:adjLst/>
+          </dgm:shape>
+          <dgm:presOf axis="desOrSelf" ptType="node"/>
+          <dgm:constrLst>
+            <dgm:constr type="userA"/>
+            <dgm:constr type="w" refType="userA" fact="0.3"/>
+            <dgm:constr type="tMarg" refType="primFontSz" fact="0.3"/>
+            <dgm:constr type="bMarg" refType="primFontSz" fact="0.3"/>
+            <dgm:constr type="lMarg" refType="primFontSz" fact="0.3"/>
+            <dgm:constr type="rMarg" refType="primFontSz" fact="0.3"/>
+          </dgm:constrLst>
+          <dgm:ruleLst>
+            <dgm:rule type="w" val="NaN" fact="1" max="NaN"/>
+            <dgm:rule type="primFontSz" val="5" fact="NaN" max="NaN"/>
+          </dgm:ruleLst>
+        </dgm:layoutNode>
+        <dgm:forEach name="Name7" axis="followSib" ptType="sibTrans" cnt="1">
+          <dgm:layoutNode name="sibTrans">
+            <dgm:alg type="sp"/>
+            <dgm:shape xmlns:r="http://schemas.openxmlformats.org/officeDocument/2006/relationships" r:blip="">
+              <dgm:adjLst/>
+            </dgm:shape>
+            <dgm:presOf/>
+            <dgm:constrLst/>
+            <dgm:ruleLst/>
+          </dgm:layoutNode>
+        </dgm:forEach>
+      </dgm:forEach>
+    </dgm:layoutNode>
+  </dgm:layoutNode>
+</dgm:layoutDef>
+</file>
+
 <file path=ppt/diagrams/quickStyle1.xml><?xml version="1.0" encoding="utf-8"?>
 <dgm:styleDef xmlns:dgm="http://schemas.openxmlformats.org/drawingml/2006/diagram" xmlns:a="http://schemas.openxmlformats.org/drawingml/2006/main" uniqueId="urn:microsoft.com/office/officeart/2005/8/quickstyle/simple1">
   <dgm:title val=""/>
@@ -4957,6 +6218,1040 @@
 </file>
 
 <file path=ppt/diagrams/quickStyle2.xml><?xml version="1.0" encoding="utf-8"?>
+<dgm:styleDef xmlns:dgm="http://schemas.openxmlformats.org/drawingml/2006/diagram" xmlns:a="http://schemas.openxmlformats.org/drawingml/2006/main" uniqueId="urn:microsoft.com/office/officeart/2005/8/quickstyle/simple1">
+  <dgm:title val=""/>
+  <dgm:desc val=""/>
+  <dgm:catLst>
+    <dgm:cat type="simple" pri="10100"/>
+  </dgm:catLst>
+  <dgm:scene3d>
+    <a:camera prst="orthographicFront"/>
+    <a:lightRig rig="threePt" dir="t"/>
+  </dgm:scene3d>
+  <dgm:styleLbl name="node0">
+    <dgm:scene3d>
+      <a:camera prst="orthographicFront"/>
+      <a:lightRig rig="threePt" dir="t"/>
+    </dgm:scene3d>
+    <dgm:sp3d/>
+    <dgm:txPr/>
+    <dgm:style>
+      <a:lnRef idx="2">
+        <a:scrgbClr r="0" g="0" b="0"/>
+      </a:lnRef>
+      <a:fillRef idx="1">
+        <a:scrgbClr r="0" g="0" b="0"/>
+      </a:fillRef>
+      <a:effectRef idx="0">
+        <a:scrgbClr r="0" g="0" b="0"/>
+      </a:effectRef>
+      <a:fontRef idx="minor">
+        <a:schemeClr val="lt1"/>
+      </a:fontRef>
+    </dgm:style>
+  </dgm:styleLbl>
+  <dgm:styleLbl name="lnNode1">
+    <dgm:scene3d>
+      <a:camera prst="orthographicFront"/>
+      <a:lightRig rig="threePt" dir="t"/>
+    </dgm:scene3d>
+    <dgm:sp3d/>
+    <dgm:txPr/>
+    <dgm:style>
+      <a:lnRef idx="2">
+        <a:scrgbClr r="0" g="0" b="0"/>
+      </a:lnRef>
+      <a:fillRef idx="1">
+        <a:scrgbClr r="0" g="0" b="0"/>
+      </a:fillRef>
+      <a:effectRef idx="0">
+        <a:scrgbClr r="0" g="0" b="0"/>
+      </a:effectRef>
+      <a:fontRef idx="minor">
+        <a:schemeClr val="lt1"/>
+      </a:fontRef>
+    </dgm:style>
+  </dgm:styleLbl>
+  <dgm:styleLbl name="vennNode1">
+    <dgm:scene3d>
+      <a:camera prst="orthographicFront"/>
+      <a:lightRig rig="threePt" dir="t"/>
+    </dgm:scene3d>
+    <dgm:sp3d/>
+    <dgm:txPr/>
+    <dgm:style>
+      <a:lnRef idx="2">
+        <a:scrgbClr r="0" g="0" b="0"/>
+      </a:lnRef>
+      <a:fillRef idx="1">
+        <a:scrgbClr r="0" g="0" b="0"/>
+      </a:fillRef>
+      <a:effectRef idx="0">
+        <a:scrgbClr r="0" g="0" b="0"/>
+      </a:effectRef>
+      <a:fontRef idx="minor">
+        <a:schemeClr val="tx1"/>
+      </a:fontRef>
+    </dgm:style>
+  </dgm:styleLbl>
+  <dgm:styleLbl name="alignNode1">
+    <dgm:scene3d>
+      <a:camera prst="orthographicFront"/>
+      <a:lightRig rig="threePt" dir="t"/>
+    </dgm:scene3d>
+    <dgm:sp3d/>
+    <dgm:txPr/>
+    <dgm:style>
+      <a:lnRef idx="2">
+        <a:scrgbClr r="0" g="0" b="0"/>
+      </a:lnRef>
+      <a:fillRef idx="1">
+        <a:scrgbClr r="0" g="0" b="0"/>
+      </a:fillRef>
+      <a:effectRef idx="0">
+        <a:scrgbClr r="0" g="0" b="0"/>
+      </a:effectRef>
+      <a:fontRef idx="minor">
+        <a:schemeClr val="lt1"/>
+      </a:fontRef>
+    </dgm:style>
+  </dgm:styleLbl>
+  <dgm:styleLbl name="node1">
+    <dgm:scene3d>
+      <a:camera prst="orthographicFront"/>
+      <a:lightRig rig="threePt" dir="t"/>
+    </dgm:scene3d>
+    <dgm:sp3d/>
+    <dgm:txPr/>
+    <dgm:style>
+      <a:lnRef idx="2">
+        <a:scrgbClr r="0" g="0" b="0"/>
+      </a:lnRef>
+      <a:fillRef idx="1">
+        <a:scrgbClr r="0" g="0" b="0"/>
+      </a:fillRef>
+      <a:effectRef idx="0">
+        <a:scrgbClr r="0" g="0" b="0"/>
+      </a:effectRef>
+      <a:fontRef idx="minor">
+        <a:schemeClr val="lt1"/>
+      </a:fontRef>
+    </dgm:style>
+  </dgm:styleLbl>
+  <dgm:styleLbl name="node2">
+    <dgm:scene3d>
+      <a:camera prst="orthographicFront"/>
+      <a:lightRig rig="threePt" dir="t"/>
+    </dgm:scene3d>
+    <dgm:sp3d/>
+    <dgm:txPr/>
+    <dgm:style>
+      <a:lnRef idx="2">
+        <a:scrgbClr r="0" g="0" b="0"/>
+      </a:lnRef>
+      <a:fillRef idx="1">
+        <a:scrgbClr r="0" g="0" b="0"/>
+      </a:fillRef>
+      <a:effectRef idx="0">
+        <a:scrgbClr r="0" g="0" b="0"/>
+      </a:effectRef>
+      <a:fontRef idx="minor">
+        <a:schemeClr val="lt1"/>
+      </a:fontRef>
+    </dgm:style>
+  </dgm:styleLbl>
+  <dgm:styleLbl name="node3">
+    <dgm:scene3d>
+      <a:camera prst="orthographicFront"/>
+      <a:lightRig rig="threePt" dir="t"/>
+    </dgm:scene3d>
+    <dgm:sp3d/>
+    <dgm:txPr/>
+    <dgm:style>
+      <a:lnRef idx="2">
+        <a:scrgbClr r="0" g="0" b="0"/>
+      </a:lnRef>
+      <a:fillRef idx="1">
+        <a:scrgbClr r="0" g="0" b="0"/>
+      </a:fillRef>
+      <a:effectRef idx="0">
+        <a:scrgbClr r="0" g="0" b="0"/>
+      </a:effectRef>
+      <a:fontRef idx="minor">
+        <a:schemeClr val="lt1"/>
+      </a:fontRef>
+    </dgm:style>
+  </dgm:styleLbl>
+  <dgm:styleLbl name="node4">
+    <dgm:scene3d>
+      <a:camera prst="orthographicFront"/>
+      <a:lightRig rig="threePt" dir="t"/>
+    </dgm:scene3d>
+    <dgm:sp3d/>
+    <dgm:txPr/>
+    <dgm:style>
+      <a:lnRef idx="2">
+        <a:scrgbClr r="0" g="0" b="0"/>
+      </a:lnRef>
+      <a:fillRef idx="1">
+        <a:scrgbClr r="0" g="0" b="0"/>
+      </a:fillRef>
+      <a:effectRef idx="0">
+        <a:scrgbClr r="0" g="0" b="0"/>
+      </a:effectRef>
+      <a:fontRef idx="minor">
+        <a:schemeClr val="lt1"/>
+      </a:fontRef>
+    </dgm:style>
+  </dgm:styleLbl>
+  <dgm:styleLbl name="fgImgPlace1">
+    <dgm:scene3d>
+      <a:camera prst="orthographicFront"/>
+      <a:lightRig rig="threePt" dir="t"/>
+    </dgm:scene3d>
+    <dgm:sp3d/>
+    <dgm:txPr/>
+    <dgm:style>
+      <a:lnRef idx="2">
+        <a:scrgbClr r="0" g="0" b="0"/>
+      </a:lnRef>
+      <a:fillRef idx="1">
+        <a:scrgbClr r="0" g="0" b="0"/>
+      </a:fillRef>
+      <a:effectRef idx="0">
+        <a:scrgbClr r="0" g="0" b="0"/>
+      </a:effectRef>
+      <a:fontRef idx="minor"/>
+    </dgm:style>
+  </dgm:styleLbl>
+  <dgm:styleLbl name="alignImgPlace1">
+    <dgm:scene3d>
+      <a:camera prst="orthographicFront"/>
+      <a:lightRig rig="threePt" dir="t"/>
+    </dgm:scene3d>
+    <dgm:sp3d/>
+    <dgm:txPr/>
+    <dgm:style>
+      <a:lnRef idx="2">
+        <a:scrgbClr r="0" g="0" b="0"/>
+      </a:lnRef>
+      <a:fillRef idx="1">
+        <a:scrgbClr r="0" g="0" b="0"/>
+      </a:fillRef>
+      <a:effectRef idx="0">
+        <a:scrgbClr r="0" g="0" b="0"/>
+      </a:effectRef>
+      <a:fontRef idx="minor"/>
+    </dgm:style>
+  </dgm:styleLbl>
+  <dgm:styleLbl name="bgImgPlace1">
+    <dgm:scene3d>
+      <a:camera prst="orthographicFront"/>
+      <a:lightRig rig="threePt" dir="t"/>
+    </dgm:scene3d>
+    <dgm:sp3d/>
+    <dgm:txPr/>
+    <dgm:style>
+      <a:lnRef idx="2">
+        <a:scrgbClr r="0" g="0" b="0"/>
+      </a:lnRef>
+      <a:fillRef idx="1">
+        <a:scrgbClr r="0" g="0" b="0"/>
+      </a:fillRef>
+      <a:effectRef idx="0">
+        <a:scrgbClr r="0" g="0" b="0"/>
+      </a:effectRef>
+      <a:fontRef idx="minor"/>
+    </dgm:style>
+  </dgm:styleLbl>
+  <dgm:styleLbl name="sibTrans2D1">
+    <dgm:scene3d>
+      <a:camera prst="orthographicFront"/>
+      <a:lightRig rig="threePt" dir="t"/>
+    </dgm:scene3d>
+    <dgm:sp3d/>
+    <dgm:txPr/>
+    <dgm:style>
+      <a:lnRef idx="0">
+        <a:scrgbClr r="0" g="0" b="0"/>
+      </a:lnRef>
+      <a:fillRef idx="1">
+        <a:scrgbClr r="0" g="0" b="0"/>
+      </a:fillRef>
+      <a:effectRef idx="0">
+        <a:scrgbClr r="0" g="0" b="0"/>
+      </a:effectRef>
+      <a:fontRef idx="minor">
+        <a:schemeClr val="lt1"/>
+      </a:fontRef>
+    </dgm:style>
+  </dgm:styleLbl>
+  <dgm:styleLbl name="fgSibTrans2D1">
+    <dgm:scene3d>
+      <a:camera prst="orthographicFront"/>
+      <a:lightRig rig="threePt" dir="t"/>
+    </dgm:scene3d>
+    <dgm:sp3d/>
+    <dgm:txPr/>
+    <dgm:style>
+      <a:lnRef idx="0">
+        <a:scrgbClr r="0" g="0" b="0"/>
+      </a:lnRef>
+      <a:fillRef idx="1">
+        <a:scrgbClr r="0" g="0" b="0"/>
+      </a:fillRef>
+      <a:effectRef idx="0">
+        <a:scrgbClr r="0" g="0" b="0"/>
+      </a:effectRef>
+      <a:fontRef idx="minor">
+        <a:schemeClr val="lt1"/>
+      </a:fontRef>
+    </dgm:style>
+  </dgm:styleLbl>
+  <dgm:styleLbl name="bgSibTrans2D1">
+    <dgm:scene3d>
+      <a:camera prst="orthographicFront"/>
+      <a:lightRig rig="threePt" dir="t"/>
+    </dgm:scene3d>
+    <dgm:sp3d/>
+    <dgm:txPr/>
+    <dgm:style>
+      <a:lnRef idx="0">
+        <a:scrgbClr r="0" g="0" b="0"/>
+      </a:lnRef>
+      <a:fillRef idx="1">
+        <a:scrgbClr r="0" g="0" b="0"/>
+      </a:fillRef>
+      <a:effectRef idx="0">
+        <a:scrgbClr r="0" g="0" b="0"/>
+      </a:effectRef>
+      <a:fontRef idx="minor">
+        <a:schemeClr val="lt1"/>
+      </a:fontRef>
+    </dgm:style>
+  </dgm:styleLbl>
+  <dgm:styleLbl name="sibTrans1D1">
+    <dgm:scene3d>
+      <a:camera prst="orthographicFront"/>
+      <a:lightRig rig="threePt" dir="t"/>
+    </dgm:scene3d>
+    <dgm:sp3d/>
+    <dgm:txPr/>
+    <dgm:style>
+      <a:lnRef idx="1">
+        <a:scrgbClr r="0" g="0" b="0"/>
+      </a:lnRef>
+      <a:fillRef idx="0">
+        <a:scrgbClr r="0" g="0" b="0"/>
+      </a:fillRef>
+      <a:effectRef idx="0">
+        <a:scrgbClr r="0" g="0" b="0"/>
+      </a:effectRef>
+      <a:fontRef idx="minor"/>
+    </dgm:style>
+  </dgm:styleLbl>
+  <dgm:styleLbl name="callout">
+    <dgm:scene3d>
+      <a:camera prst="orthographicFront"/>
+      <a:lightRig rig="threePt" dir="t"/>
+    </dgm:scene3d>
+    <dgm:sp3d/>
+    <dgm:txPr/>
+    <dgm:style>
+      <a:lnRef idx="2">
+        <a:scrgbClr r="0" g="0" b="0"/>
+      </a:lnRef>
+      <a:fillRef idx="1">
+        <a:scrgbClr r="0" g="0" b="0"/>
+      </a:fillRef>
+      <a:effectRef idx="0">
+        <a:scrgbClr r="0" g="0" b="0"/>
+      </a:effectRef>
+      <a:fontRef idx="minor"/>
+    </dgm:style>
+  </dgm:styleLbl>
+  <dgm:styleLbl name="asst0">
+    <dgm:scene3d>
+      <a:camera prst="orthographicFront"/>
+      <a:lightRig rig="threePt" dir="t"/>
+    </dgm:scene3d>
+    <dgm:sp3d/>
+    <dgm:txPr/>
+    <dgm:style>
+      <a:lnRef idx="2">
+        <a:scrgbClr r="0" g="0" b="0"/>
+      </a:lnRef>
+      <a:fillRef idx="1">
+        <a:scrgbClr r="0" g="0" b="0"/>
+      </a:fillRef>
+      <a:effectRef idx="0">
+        <a:scrgbClr r="0" g="0" b="0"/>
+      </a:effectRef>
+      <a:fontRef idx="minor">
+        <a:schemeClr val="lt1"/>
+      </a:fontRef>
+    </dgm:style>
+  </dgm:styleLbl>
+  <dgm:styleLbl name="asst1">
+    <dgm:scene3d>
+      <a:camera prst="orthographicFront"/>
+      <a:lightRig rig="threePt" dir="t"/>
+    </dgm:scene3d>
+    <dgm:sp3d/>
+    <dgm:txPr/>
+    <dgm:style>
+      <a:lnRef idx="2">
+        <a:scrgbClr r="0" g="0" b="0"/>
+      </a:lnRef>
+      <a:fillRef idx="1">
+        <a:scrgbClr r="0" g="0" b="0"/>
+      </a:fillRef>
+      <a:effectRef idx="0">
+        <a:scrgbClr r="0" g="0" b="0"/>
+      </a:effectRef>
+      <a:fontRef idx="minor">
+        <a:schemeClr val="lt1"/>
+      </a:fontRef>
+    </dgm:style>
+  </dgm:styleLbl>
+  <dgm:styleLbl name="asst2">
+    <dgm:scene3d>
+      <a:camera prst="orthographicFront"/>
+      <a:lightRig rig="threePt" dir="t"/>
+    </dgm:scene3d>
+    <dgm:sp3d/>
+    <dgm:txPr/>
+    <dgm:style>
+      <a:lnRef idx="2">
+        <a:scrgbClr r="0" g="0" b="0"/>
+      </a:lnRef>
+      <a:fillRef idx="1">
+        <a:scrgbClr r="0" g="0" b="0"/>
+      </a:fillRef>
+      <a:effectRef idx="0">
+        <a:scrgbClr r="0" g="0" b="0"/>
+      </a:effectRef>
+      <a:fontRef idx="minor">
+        <a:schemeClr val="lt1"/>
+      </a:fontRef>
+    </dgm:style>
+  </dgm:styleLbl>
+  <dgm:styleLbl name="asst3">
+    <dgm:scene3d>
+      <a:camera prst="orthographicFront"/>
+      <a:lightRig rig="threePt" dir="t"/>
+    </dgm:scene3d>
+    <dgm:sp3d/>
+    <dgm:txPr/>
+    <dgm:style>
+      <a:lnRef idx="2">
+        <a:scrgbClr r="0" g="0" b="0"/>
+      </a:lnRef>
+      <a:fillRef idx="1">
+        <a:scrgbClr r="0" g="0" b="0"/>
+      </a:fillRef>
+      <a:effectRef idx="0">
+        <a:scrgbClr r="0" g="0" b="0"/>
+      </a:effectRef>
+      <a:fontRef idx="minor">
+        <a:schemeClr val="lt1"/>
+      </a:fontRef>
+    </dgm:style>
+  </dgm:styleLbl>
+  <dgm:styleLbl name="asst4">
+    <dgm:scene3d>
+      <a:camera prst="orthographicFront"/>
+      <a:lightRig rig="threePt" dir="t"/>
+    </dgm:scene3d>
+    <dgm:sp3d/>
+    <dgm:txPr/>
+    <dgm:style>
+      <a:lnRef idx="2">
+        <a:scrgbClr r="0" g="0" b="0"/>
+      </a:lnRef>
+      <a:fillRef idx="1">
+        <a:scrgbClr r="0" g="0" b="0"/>
+      </a:fillRef>
+      <a:effectRef idx="0">
+        <a:scrgbClr r="0" g="0" b="0"/>
+      </a:effectRef>
+      <a:fontRef idx="minor">
+        <a:schemeClr val="lt1"/>
+      </a:fontRef>
+    </dgm:style>
+  </dgm:styleLbl>
+  <dgm:styleLbl name="parChTrans2D1">
+    <dgm:scene3d>
+      <a:camera prst="orthographicFront"/>
+      <a:lightRig rig="threePt" dir="t"/>
+    </dgm:scene3d>
+    <dgm:sp3d/>
+    <dgm:txPr/>
+    <dgm:style>
+      <a:lnRef idx="2">
+        <a:scrgbClr r="0" g="0" b="0"/>
+      </a:lnRef>
+      <a:fillRef idx="1">
+        <a:scrgbClr r="0" g="0" b="0"/>
+      </a:fillRef>
+      <a:effectRef idx="0">
+        <a:scrgbClr r="0" g="0" b="0"/>
+      </a:effectRef>
+      <a:fontRef idx="minor">
+        <a:schemeClr val="lt1"/>
+      </a:fontRef>
+    </dgm:style>
+  </dgm:styleLbl>
+  <dgm:styleLbl name="parChTrans2D2">
+    <dgm:scene3d>
+      <a:camera prst="orthographicFront"/>
+      <a:lightRig rig="threePt" dir="t"/>
+    </dgm:scene3d>
+    <dgm:sp3d/>
+    <dgm:txPr/>
+    <dgm:style>
+      <a:lnRef idx="2">
+        <a:scrgbClr r="0" g="0" b="0"/>
+      </a:lnRef>
+      <a:fillRef idx="1">
+        <a:scrgbClr r="0" g="0" b="0"/>
+      </a:fillRef>
+      <a:effectRef idx="0">
+        <a:scrgbClr r="0" g="0" b="0"/>
+      </a:effectRef>
+      <a:fontRef idx="minor">
+        <a:schemeClr val="lt1"/>
+      </a:fontRef>
+    </dgm:style>
+  </dgm:styleLbl>
+  <dgm:styleLbl name="parChTrans2D3">
+    <dgm:scene3d>
+      <a:camera prst="orthographicFront"/>
+      <a:lightRig rig="threePt" dir="t"/>
+    </dgm:scene3d>
+    <dgm:sp3d/>
+    <dgm:txPr/>
+    <dgm:style>
+      <a:lnRef idx="2">
+        <a:scrgbClr r="0" g="0" b="0"/>
+      </a:lnRef>
+      <a:fillRef idx="1">
+        <a:scrgbClr r="0" g="0" b="0"/>
+      </a:fillRef>
+      <a:effectRef idx="0">
+        <a:scrgbClr r="0" g="0" b="0"/>
+      </a:effectRef>
+      <a:fontRef idx="minor">
+        <a:schemeClr val="lt1"/>
+      </a:fontRef>
+    </dgm:style>
+  </dgm:styleLbl>
+  <dgm:styleLbl name="parChTrans2D4">
+    <dgm:scene3d>
+      <a:camera prst="orthographicFront"/>
+      <a:lightRig rig="threePt" dir="t"/>
+    </dgm:scene3d>
+    <dgm:sp3d/>
+    <dgm:txPr/>
+    <dgm:style>
+      <a:lnRef idx="2">
+        <a:scrgbClr r="0" g="0" b="0"/>
+      </a:lnRef>
+      <a:fillRef idx="1">
+        <a:scrgbClr r="0" g="0" b="0"/>
+      </a:fillRef>
+      <a:effectRef idx="0">
+        <a:scrgbClr r="0" g="0" b="0"/>
+      </a:effectRef>
+      <a:fontRef idx="minor">
+        <a:schemeClr val="lt1"/>
+      </a:fontRef>
+    </dgm:style>
+  </dgm:styleLbl>
+  <dgm:styleLbl name="parChTrans1D1">
+    <dgm:scene3d>
+      <a:camera prst="orthographicFront"/>
+      <a:lightRig rig="threePt" dir="t"/>
+    </dgm:scene3d>
+    <dgm:sp3d/>
+    <dgm:txPr/>
+    <dgm:style>
+      <a:lnRef idx="2">
+        <a:scrgbClr r="0" g="0" b="0"/>
+      </a:lnRef>
+      <a:fillRef idx="0">
+        <a:scrgbClr r="0" g="0" b="0"/>
+      </a:fillRef>
+      <a:effectRef idx="0">
+        <a:scrgbClr r="0" g="0" b="0"/>
+      </a:effectRef>
+      <a:fontRef idx="minor"/>
+    </dgm:style>
+  </dgm:styleLbl>
+  <dgm:styleLbl name="parChTrans1D2">
+    <dgm:scene3d>
+      <a:camera prst="orthographicFront"/>
+      <a:lightRig rig="threePt" dir="t"/>
+    </dgm:scene3d>
+    <dgm:sp3d/>
+    <dgm:txPr/>
+    <dgm:style>
+      <a:lnRef idx="2">
+        <a:scrgbClr r="0" g="0" b="0"/>
+      </a:lnRef>
+      <a:fillRef idx="0">
+        <a:scrgbClr r="0" g="0" b="0"/>
+      </a:fillRef>
+      <a:effectRef idx="0">
+        <a:scrgbClr r="0" g="0" b="0"/>
+      </a:effectRef>
+      <a:fontRef idx="minor"/>
+    </dgm:style>
+  </dgm:styleLbl>
+  <dgm:styleLbl name="parChTrans1D3">
+    <dgm:scene3d>
+      <a:camera prst="orthographicFront"/>
+      <a:lightRig rig="threePt" dir="t"/>
+    </dgm:scene3d>
+    <dgm:sp3d/>
+    <dgm:txPr/>
+    <dgm:style>
+      <a:lnRef idx="2">
+        <a:scrgbClr r="0" g="0" b="0"/>
+      </a:lnRef>
+      <a:fillRef idx="0">
+        <a:scrgbClr r="0" g="0" b="0"/>
+      </a:fillRef>
+      <a:effectRef idx="0">
+        <a:scrgbClr r="0" g="0" b="0"/>
+      </a:effectRef>
+      <a:fontRef idx="minor"/>
+    </dgm:style>
+  </dgm:styleLbl>
+  <dgm:styleLbl name="parChTrans1D4">
+    <dgm:scene3d>
+      <a:camera prst="orthographicFront"/>
+      <a:lightRig rig="threePt" dir="t"/>
+    </dgm:scene3d>
+    <dgm:sp3d/>
+    <dgm:txPr/>
+    <dgm:style>
+      <a:lnRef idx="2">
+        <a:scrgbClr r="0" g="0" b="0"/>
+      </a:lnRef>
+      <a:fillRef idx="0">
+        <a:scrgbClr r="0" g="0" b="0"/>
+      </a:fillRef>
+      <a:effectRef idx="0">
+        <a:scrgbClr r="0" g="0" b="0"/>
+      </a:effectRef>
+      <a:fontRef idx="minor"/>
+    </dgm:style>
+  </dgm:styleLbl>
+  <dgm:styleLbl name="fgAcc1">
+    <dgm:scene3d>
+      <a:camera prst="orthographicFront"/>
+      <a:lightRig rig="threePt" dir="t"/>
+    </dgm:scene3d>
+    <dgm:sp3d/>
+    <dgm:txPr/>
+    <dgm:style>
+      <a:lnRef idx="2">
+        <a:scrgbClr r="0" g="0" b="0"/>
+      </a:lnRef>
+      <a:fillRef idx="1">
+        <a:scrgbClr r="0" g="0" b="0"/>
+      </a:fillRef>
+      <a:effectRef idx="0">
+        <a:scrgbClr r="0" g="0" b="0"/>
+      </a:effectRef>
+      <a:fontRef idx="minor"/>
+    </dgm:style>
+  </dgm:styleLbl>
+  <dgm:styleLbl name="conFgAcc1">
+    <dgm:scene3d>
+      <a:camera prst="orthographicFront"/>
+      <a:lightRig rig="threePt" dir="t"/>
+    </dgm:scene3d>
+    <dgm:sp3d/>
+    <dgm:txPr/>
+    <dgm:style>
+      <a:lnRef idx="2">
+        <a:scrgbClr r="0" g="0" b="0"/>
+      </a:lnRef>
+      <a:fillRef idx="1">
+        <a:scrgbClr r="0" g="0" b="0"/>
+      </a:fillRef>
+      <a:effectRef idx="0">
+        <a:scrgbClr r="0" g="0" b="0"/>
+      </a:effectRef>
+      <a:fontRef idx="minor"/>
+    </dgm:style>
+  </dgm:styleLbl>
+  <dgm:styleLbl name="alignAcc1">
+    <dgm:scene3d>
+      <a:camera prst="orthographicFront"/>
+      <a:lightRig rig="threePt" dir="t"/>
+    </dgm:scene3d>
+    <dgm:sp3d/>
+    <dgm:txPr/>
+    <dgm:style>
+      <a:lnRef idx="2">
+        <a:scrgbClr r="0" g="0" b="0"/>
+      </a:lnRef>
+      <a:fillRef idx="1">
+        <a:scrgbClr r="0" g="0" b="0"/>
+      </a:fillRef>
+      <a:effectRef idx="0">
+        <a:scrgbClr r="0" g="0" b="0"/>
+      </a:effectRef>
+      <a:fontRef idx="minor"/>
+    </dgm:style>
+  </dgm:styleLbl>
+  <dgm:styleLbl name="trAlignAcc1">
+    <dgm:scene3d>
+      <a:camera prst="orthographicFront"/>
+      <a:lightRig rig="threePt" dir="t"/>
+    </dgm:scene3d>
+    <dgm:sp3d/>
+    <dgm:txPr/>
+    <dgm:style>
+      <a:lnRef idx="1">
+        <a:scrgbClr r="0" g="0" b="0"/>
+      </a:lnRef>
+      <a:fillRef idx="1">
+        <a:scrgbClr r="0" g="0" b="0"/>
+      </a:fillRef>
+      <a:effectRef idx="0">
+        <a:scrgbClr r="0" g="0" b="0"/>
+      </a:effectRef>
+      <a:fontRef idx="minor"/>
+    </dgm:style>
+  </dgm:styleLbl>
+  <dgm:styleLbl name="bgAcc1">
+    <dgm:scene3d>
+      <a:camera prst="orthographicFront"/>
+      <a:lightRig rig="threePt" dir="t"/>
+    </dgm:scene3d>
+    <dgm:sp3d/>
+    <dgm:txPr/>
+    <dgm:style>
+      <a:lnRef idx="2">
+        <a:scrgbClr r="0" g="0" b="0"/>
+      </a:lnRef>
+      <a:fillRef idx="1">
+        <a:scrgbClr r="0" g="0" b="0"/>
+      </a:fillRef>
+      <a:effectRef idx="0">
+        <a:scrgbClr r="0" g="0" b="0"/>
+      </a:effectRef>
+      <a:fontRef idx="minor"/>
+    </dgm:style>
+  </dgm:styleLbl>
+  <dgm:styleLbl name="solidFgAcc1">
+    <dgm:scene3d>
+      <a:camera prst="orthographicFront"/>
+      <a:lightRig rig="threePt" dir="t"/>
+    </dgm:scene3d>
+    <dgm:sp3d/>
+    <dgm:txPr/>
+    <dgm:style>
+      <a:lnRef idx="2">
+        <a:scrgbClr r="0" g="0" b="0"/>
+      </a:lnRef>
+      <a:fillRef idx="1">
+        <a:scrgbClr r="0" g="0" b="0"/>
+      </a:fillRef>
+      <a:effectRef idx="0">
+        <a:scrgbClr r="0" g="0" b="0"/>
+      </a:effectRef>
+      <a:fontRef idx="minor"/>
+    </dgm:style>
+  </dgm:styleLbl>
+  <dgm:styleLbl name="solidAlignAcc1">
+    <dgm:scene3d>
+      <a:camera prst="orthographicFront"/>
+      <a:lightRig rig="threePt" dir="t"/>
+    </dgm:scene3d>
+    <dgm:sp3d/>
+    <dgm:txPr/>
+    <dgm:style>
+      <a:lnRef idx="2">
+        <a:scrgbClr r="0" g="0" b="0"/>
+      </a:lnRef>
+      <a:fillRef idx="1">
+        <a:scrgbClr r="0" g="0" b="0"/>
+      </a:fillRef>
+      <a:effectRef idx="0">
+        <a:scrgbClr r="0" g="0" b="0"/>
+      </a:effectRef>
+      <a:fontRef idx="minor"/>
+    </dgm:style>
+  </dgm:styleLbl>
+  <dgm:styleLbl name="solidBgAcc1">
+    <dgm:scene3d>
+      <a:camera prst="orthographicFront"/>
+      <a:lightRig rig="threePt" dir="t"/>
+    </dgm:scene3d>
+    <dgm:sp3d/>
+    <dgm:txPr/>
+    <dgm:style>
+      <a:lnRef idx="2">
+        <a:scrgbClr r="0" g="0" b="0"/>
+      </a:lnRef>
+      <a:fillRef idx="1">
+        <a:scrgbClr r="0" g="0" b="0"/>
+      </a:fillRef>
+      <a:effectRef idx="0">
+        <a:scrgbClr r="0" g="0" b="0"/>
+      </a:effectRef>
+      <a:fontRef idx="minor"/>
+    </dgm:style>
+  </dgm:styleLbl>
+  <dgm:styleLbl name="fgAccFollowNode1">
+    <dgm:scene3d>
+      <a:camera prst="orthographicFront"/>
+      <a:lightRig rig="threePt" dir="t"/>
+    </dgm:scene3d>
+    <dgm:sp3d/>
+    <dgm:txPr/>
+    <dgm:style>
+      <a:lnRef idx="2">
+        <a:scrgbClr r="0" g="0" b="0"/>
+      </a:lnRef>
+      <a:fillRef idx="1">
+        <a:scrgbClr r="0" g="0" b="0"/>
+      </a:fillRef>
+      <a:effectRef idx="0">
+        <a:scrgbClr r="0" g="0" b="0"/>
+      </a:effectRef>
+      <a:fontRef idx="minor"/>
+    </dgm:style>
+  </dgm:styleLbl>
+  <dgm:styleLbl name="alignAccFollowNode1">
+    <dgm:scene3d>
+      <a:camera prst="orthographicFront"/>
+      <a:lightRig rig="threePt" dir="t"/>
+    </dgm:scene3d>
+    <dgm:sp3d/>
+    <dgm:txPr/>
+    <dgm:style>
+      <a:lnRef idx="2">
+        <a:scrgbClr r="0" g="0" b="0"/>
+      </a:lnRef>
+      <a:fillRef idx="1">
+        <a:scrgbClr r="0" g="0" b="0"/>
+      </a:fillRef>
+      <a:effectRef idx="0">
+        <a:scrgbClr r="0" g="0" b="0"/>
+      </a:effectRef>
+      <a:fontRef idx="minor"/>
+    </dgm:style>
+  </dgm:styleLbl>
+  <dgm:styleLbl name="bgAccFollowNode1">
+    <dgm:scene3d>
+      <a:camera prst="orthographicFront"/>
+      <a:lightRig rig="threePt" dir="t"/>
+    </dgm:scene3d>
+    <dgm:sp3d/>
+    <dgm:txPr/>
+    <dgm:style>
+      <a:lnRef idx="2">
+        <a:scrgbClr r="0" g="0" b="0"/>
+      </a:lnRef>
+      <a:fillRef idx="1">
+        <a:scrgbClr r="0" g="0" b="0"/>
+      </a:fillRef>
+      <a:effectRef idx="0">
+        <a:scrgbClr r="0" g="0" b="0"/>
+      </a:effectRef>
+      <a:fontRef idx="minor"/>
+    </dgm:style>
+  </dgm:styleLbl>
+  <dgm:styleLbl name="fgAcc0">
+    <dgm:scene3d>
+      <a:camera prst="orthographicFront"/>
+      <a:lightRig rig="threePt" dir="t"/>
+    </dgm:scene3d>
+    <dgm:sp3d/>
+    <dgm:txPr/>
+    <dgm:style>
+      <a:lnRef idx="2">
+        <a:scrgbClr r="0" g="0" b="0"/>
+      </a:lnRef>
+      <a:fillRef idx="1">
+        <a:scrgbClr r="0" g="0" b="0"/>
+      </a:fillRef>
+      <a:effectRef idx="0">
+        <a:scrgbClr r="0" g="0" b="0"/>
+      </a:effectRef>
+      <a:fontRef idx="minor"/>
+    </dgm:style>
+  </dgm:styleLbl>
+  <dgm:styleLbl name="fgAcc2">
+    <dgm:scene3d>
+      <a:camera prst="orthographicFront"/>
+      <a:lightRig rig="threePt" dir="t"/>
+    </dgm:scene3d>
+    <dgm:sp3d/>
+    <dgm:txPr/>
+    <dgm:style>
+      <a:lnRef idx="2">
+        <a:scrgbClr r="0" g="0" b="0"/>
+      </a:lnRef>
+      <a:fillRef idx="1">
+        <a:scrgbClr r="0" g="0" b="0"/>
+      </a:fillRef>
+      <a:effectRef idx="0">
+        <a:scrgbClr r="0" g="0" b="0"/>
+      </a:effectRef>
+      <a:fontRef idx="minor"/>
+    </dgm:style>
+  </dgm:styleLbl>
+  <dgm:styleLbl name="fgAcc3">
+    <dgm:scene3d>
+      <a:camera prst="orthographicFront"/>
+      <a:lightRig rig="threePt" dir="t"/>
+    </dgm:scene3d>
+    <dgm:sp3d/>
+    <dgm:txPr/>
+    <dgm:style>
+      <a:lnRef idx="2">
+        <a:scrgbClr r="0" g="0" b="0"/>
+      </a:lnRef>
+      <a:fillRef idx="1">
+        <a:scrgbClr r="0" g="0" b="0"/>
+      </a:fillRef>
+      <a:effectRef idx="0">
+        <a:scrgbClr r="0" g="0" b="0"/>
+      </a:effectRef>
+      <a:fontRef idx="minor"/>
+    </dgm:style>
+  </dgm:styleLbl>
+  <dgm:styleLbl name="fgAcc4">
+    <dgm:scene3d>
+      <a:camera prst="orthographicFront"/>
+      <a:lightRig rig="threePt" dir="t"/>
+    </dgm:scene3d>
+    <dgm:sp3d/>
+    <dgm:txPr/>
+    <dgm:style>
+      <a:lnRef idx="2">
+        <a:scrgbClr r="0" g="0" b="0"/>
+      </a:lnRef>
+      <a:fillRef idx="1">
+        <a:scrgbClr r="0" g="0" b="0"/>
+      </a:fillRef>
+      <a:effectRef idx="0">
+        <a:scrgbClr r="0" g="0" b="0"/>
+      </a:effectRef>
+      <a:fontRef idx="minor"/>
+    </dgm:style>
+  </dgm:styleLbl>
+  <dgm:styleLbl name="bgShp">
+    <dgm:scene3d>
+      <a:camera prst="orthographicFront"/>
+      <a:lightRig rig="threePt" dir="t"/>
+    </dgm:scene3d>
+    <dgm:sp3d/>
+    <dgm:txPr/>
+    <dgm:style>
+      <a:lnRef idx="0">
+        <a:scrgbClr r="0" g="0" b="0"/>
+      </a:lnRef>
+      <a:fillRef idx="1">
+        <a:scrgbClr r="0" g="0" b="0"/>
+      </a:fillRef>
+      <a:effectRef idx="0">
+        <a:scrgbClr r="0" g="0" b="0"/>
+      </a:effectRef>
+      <a:fontRef idx="minor"/>
+    </dgm:style>
+  </dgm:styleLbl>
+  <dgm:styleLbl name="dkBgShp">
+    <dgm:scene3d>
+      <a:camera prst="orthographicFront"/>
+      <a:lightRig rig="threePt" dir="t"/>
+    </dgm:scene3d>
+    <dgm:sp3d/>
+    <dgm:txPr/>
+    <dgm:style>
+      <a:lnRef idx="0">
+        <a:scrgbClr r="0" g="0" b="0"/>
+      </a:lnRef>
+      <a:fillRef idx="1">
+        <a:scrgbClr r="0" g="0" b="0"/>
+      </a:fillRef>
+      <a:effectRef idx="0">
+        <a:scrgbClr r="0" g="0" b="0"/>
+      </a:effectRef>
+      <a:fontRef idx="minor"/>
+    </dgm:style>
+  </dgm:styleLbl>
+  <dgm:styleLbl name="trBgShp">
+    <dgm:scene3d>
+      <a:camera prst="orthographicFront"/>
+      <a:lightRig rig="threePt" dir="t"/>
+    </dgm:scene3d>
+    <dgm:sp3d/>
+    <dgm:txPr/>
+    <dgm:style>
+      <a:lnRef idx="0">
+        <a:scrgbClr r="0" g="0" b="0"/>
+      </a:lnRef>
+      <a:fillRef idx="1">
+        <a:scrgbClr r="0" g="0" b="0"/>
+      </a:fillRef>
+      <a:effectRef idx="0">
+        <a:scrgbClr r="0" g="0" b="0"/>
+      </a:effectRef>
+      <a:fontRef idx="minor"/>
+    </dgm:style>
+  </dgm:styleLbl>
+  <dgm:styleLbl name="fgShp">
+    <dgm:scene3d>
+      <a:camera prst="orthographicFront"/>
+      <a:lightRig rig="threePt" dir="t"/>
+    </dgm:scene3d>
+    <dgm:sp3d/>
+    <dgm:txPr/>
+    <dgm:style>
+      <a:lnRef idx="2">
+        <a:scrgbClr r="0" g="0" b="0"/>
+      </a:lnRef>
+      <a:fillRef idx="1">
+        <a:scrgbClr r="0" g="0" b="0"/>
+      </a:fillRef>
+      <a:effectRef idx="0">
+        <a:scrgbClr r="0" g="0" b="0"/>
+      </a:effectRef>
+      <a:fontRef idx="minor"/>
+    </dgm:style>
+  </dgm:styleLbl>
+  <dgm:styleLbl name="revTx">
+    <dgm:scene3d>
+      <a:camera prst="orthographicFront"/>
+      <a:lightRig rig="threePt" dir="t"/>
+    </dgm:scene3d>
+    <dgm:sp3d/>
+    <dgm:txPr/>
+    <dgm:style>
+      <a:lnRef idx="0">
+        <a:scrgbClr r="0" g="0" b="0"/>
+      </a:lnRef>
+      <a:fillRef idx="0">
+        <a:scrgbClr r="0" g="0" b="0"/>
+      </a:fillRef>
+      <a:effectRef idx="0">
+        <a:scrgbClr r="0" g="0" b="0"/>
+      </a:effectRef>
+      <a:fontRef idx="minor"/>
+    </dgm:style>
+  </dgm:styleLbl>
+</dgm:styleDef>
+</file>
+
+<file path=ppt/diagrams/quickStyle3.xml><?xml version="1.0" encoding="utf-8"?>
 <dgm:styleDef xmlns:dgm="http://schemas.openxmlformats.org/drawingml/2006/diagram" xmlns:a="http://schemas.openxmlformats.org/drawingml/2006/main" uniqueId="urn:microsoft.com/office/officeart/2005/8/quickstyle/simple1">
   <dgm:title val=""/>
   <dgm:desc val=""/>
@@ -6073,7 +8368,7 @@
             <a:fld id="{C4ADEF34-12C1-4082-B850-44E3B3163F0D}" type="datetimeFigureOut">
               <a:rPr lang="zh-CN" altLang="en-US" smtClean="0"/>
               <a:pPr/>
-              <a:t>2020/5/19</a:t>
+              <a:t>2020/5/24</a:t>
             </a:fld>
             <a:endParaRPr lang="zh-CN" altLang="en-US"/>
           </a:p>
@@ -6139,38 +8434,37 @@
           <a:p>
             <a:pPr lvl="0"/>
             <a:r>
-              <a:rPr lang="zh-CN" altLang="en-US" smtClean="0"/>
+              <a:rPr lang="zh-CN" altLang="en-US"/>
               <a:t>单击此处编辑母版文本样式</a:t>
             </a:r>
           </a:p>
           <a:p>
             <a:pPr lvl="1"/>
             <a:r>
-              <a:rPr lang="zh-CN" altLang="en-US" smtClean="0"/>
+              <a:rPr lang="zh-CN" altLang="en-US"/>
               <a:t>第二级</a:t>
             </a:r>
           </a:p>
           <a:p>
             <a:pPr lvl="2"/>
             <a:r>
-              <a:rPr lang="zh-CN" altLang="en-US" smtClean="0"/>
+              <a:rPr lang="zh-CN" altLang="en-US"/>
               <a:t>第三级</a:t>
             </a:r>
           </a:p>
           <a:p>
             <a:pPr lvl="3"/>
             <a:r>
-              <a:rPr lang="zh-CN" altLang="en-US" smtClean="0"/>
+              <a:rPr lang="zh-CN" altLang="en-US"/>
               <a:t>第四级</a:t>
             </a:r>
           </a:p>
           <a:p>
             <a:pPr lvl="4"/>
             <a:r>
-              <a:rPr lang="zh-CN" altLang="en-US" smtClean="0"/>
+              <a:rPr lang="zh-CN" altLang="en-US"/>
               <a:t>第五级</a:t>
             </a:r>
-            <a:endParaRPr lang="zh-CN" altLang="en-US"/>
           </a:p>
         </p:txBody>
       </p:sp>
@@ -6382,10 +8676,9 @@
           <a:lstStyle/>
           <a:p>
             <a:r>
-              <a:rPr lang="zh-CN" altLang="en-US" smtClean="0"/>
+              <a:rPr lang="zh-CN" altLang="en-US"/>
               <a:t>单击此处编辑母版标题样式</a:t>
             </a:r>
-            <a:endParaRPr lang="zh-CN" altLang="en-US"/>
           </a:p>
         </p:txBody>
       </p:sp>
@@ -6501,10 +8794,9 @@
           </a:lstStyle>
           <a:p>
             <a:r>
-              <a:rPr lang="zh-CN" altLang="en-US" smtClean="0"/>
+              <a:rPr lang="zh-CN" altLang="en-US"/>
               <a:t>单击此处编辑母版副标题样式</a:t>
             </a:r>
-            <a:endParaRPr lang="zh-CN" altLang="en-US"/>
           </a:p>
         </p:txBody>
       </p:sp>
@@ -6526,7 +8818,7 @@
             <a:fld id="{7FC6D57D-9F8C-47DA-B3B5-51DA7F892271}" type="datetimeFigureOut">
               <a:rPr lang="zh-CN" altLang="en-US" smtClean="0"/>
               <a:pPr/>
-              <a:t>2020/5/19</a:t>
+              <a:t>2020/5/24</a:t>
             </a:fld>
             <a:endParaRPr lang="zh-CN" altLang="en-US"/>
           </a:p>
@@ -6621,10 +8913,9 @@
           <a:lstStyle/>
           <a:p>
             <a:r>
-              <a:rPr lang="zh-CN" altLang="en-US" smtClean="0"/>
+              <a:rPr lang="zh-CN" altLang="en-US"/>
               <a:t>单击此处编辑母版标题样式</a:t>
             </a:r>
-            <a:endParaRPr lang="zh-CN" altLang="en-US"/>
           </a:p>
         </p:txBody>
       </p:sp>
@@ -6645,38 +8936,37 @@
           <a:p>
             <a:pPr lvl="0"/>
             <a:r>
-              <a:rPr lang="zh-CN" altLang="en-US" smtClean="0"/>
+              <a:rPr lang="zh-CN" altLang="en-US"/>
               <a:t>单击此处编辑母版文本样式</a:t>
             </a:r>
           </a:p>
           <a:p>
             <a:pPr lvl="1"/>
             <a:r>
-              <a:rPr lang="zh-CN" altLang="en-US" smtClean="0"/>
+              <a:rPr lang="zh-CN" altLang="en-US"/>
               <a:t>第二级</a:t>
             </a:r>
           </a:p>
           <a:p>
             <a:pPr lvl="2"/>
             <a:r>
-              <a:rPr lang="zh-CN" altLang="en-US" smtClean="0"/>
+              <a:rPr lang="zh-CN" altLang="en-US"/>
               <a:t>第三级</a:t>
             </a:r>
           </a:p>
           <a:p>
             <a:pPr lvl="3"/>
             <a:r>
-              <a:rPr lang="zh-CN" altLang="en-US" smtClean="0"/>
+              <a:rPr lang="zh-CN" altLang="en-US"/>
               <a:t>第四级</a:t>
             </a:r>
           </a:p>
           <a:p>
             <a:pPr lvl="4"/>
             <a:r>
-              <a:rPr lang="zh-CN" altLang="en-US" smtClean="0"/>
+              <a:rPr lang="zh-CN" altLang="en-US"/>
               <a:t>第五级</a:t>
             </a:r>
-            <a:endParaRPr lang="zh-CN" altLang="en-US"/>
           </a:p>
         </p:txBody>
       </p:sp>
@@ -6698,7 +8988,7 @@
             <a:fld id="{7FC6D57D-9F8C-47DA-B3B5-51DA7F892271}" type="datetimeFigureOut">
               <a:rPr lang="zh-CN" altLang="en-US" smtClean="0"/>
               <a:pPr/>
-              <a:t>2020/5/19</a:t>
+              <a:t>2020/5/24</a:t>
             </a:fld>
             <a:endParaRPr lang="zh-CN" altLang="en-US"/>
           </a:p>
@@ -6798,10 +9088,9 @@
           <a:lstStyle/>
           <a:p>
             <a:r>
-              <a:rPr lang="zh-CN" altLang="en-US" smtClean="0"/>
+              <a:rPr lang="zh-CN" altLang="en-US"/>
               <a:t>单击此处编辑母版标题样式</a:t>
             </a:r>
-            <a:endParaRPr lang="zh-CN" altLang="en-US"/>
           </a:p>
         </p:txBody>
       </p:sp>
@@ -6827,38 +9116,37 @@
           <a:p>
             <a:pPr lvl="0"/>
             <a:r>
-              <a:rPr lang="zh-CN" altLang="en-US" smtClean="0"/>
+              <a:rPr lang="zh-CN" altLang="en-US"/>
               <a:t>单击此处编辑母版文本样式</a:t>
             </a:r>
           </a:p>
           <a:p>
             <a:pPr lvl="1"/>
             <a:r>
-              <a:rPr lang="zh-CN" altLang="en-US" smtClean="0"/>
+              <a:rPr lang="zh-CN" altLang="en-US"/>
               <a:t>第二级</a:t>
             </a:r>
           </a:p>
           <a:p>
             <a:pPr lvl="2"/>
             <a:r>
-              <a:rPr lang="zh-CN" altLang="en-US" smtClean="0"/>
+              <a:rPr lang="zh-CN" altLang="en-US"/>
               <a:t>第三级</a:t>
             </a:r>
           </a:p>
           <a:p>
             <a:pPr lvl="3"/>
             <a:r>
-              <a:rPr lang="zh-CN" altLang="en-US" smtClean="0"/>
+              <a:rPr lang="zh-CN" altLang="en-US"/>
               <a:t>第四级</a:t>
             </a:r>
           </a:p>
           <a:p>
             <a:pPr lvl="4"/>
             <a:r>
-              <a:rPr lang="zh-CN" altLang="en-US" smtClean="0"/>
+              <a:rPr lang="zh-CN" altLang="en-US"/>
               <a:t>第五级</a:t>
             </a:r>
-            <a:endParaRPr lang="zh-CN" altLang="en-US"/>
           </a:p>
         </p:txBody>
       </p:sp>
@@ -6880,7 +9168,7 @@
             <a:fld id="{7FC6D57D-9F8C-47DA-B3B5-51DA7F892271}" type="datetimeFigureOut">
               <a:rPr lang="zh-CN" altLang="en-US" smtClean="0"/>
               <a:pPr/>
-              <a:t>2020/5/19</a:t>
+              <a:t>2020/5/24</a:t>
             </a:fld>
             <a:endParaRPr lang="zh-CN" altLang="en-US"/>
           </a:p>
@@ -6992,10 +9280,9 @@
           </a:lstStyle>
           <a:p>
             <a:r>
-              <a:rPr lang="zh-CN" altLang="en-US" dirty="0" smtClean="0"/>
+              <a:rPr lang="zh-CN" altLang="en-US" dirty="0"/>
               <a:t>单击此处编辑母版标题样式</a:t>
             </a:r>
-            <a:endParaRPr lang="zh-CN" altLang="en-US" dirty="0"/>
           </a:p>
         </p:txBody>
       </p:sp>
@@ -7037,14 +9324,14 @@
           <a:p>
             <a:pPr lvl="0"/>
             <a:r>
-              <a:rPr lang="zh-CN" altLang="en-US" dirty="0" smtClean="0"/>
+              <a:rPr lang="zh-CN" altLang="en-US" dirty="0"/>
               <a:t>单击此处编辑母版文本样式</a:t>
             </a:r>
           </a:p>
           <a:p>
             <a:pPr lvl="1"/>
             <a:r>
-              <a:rPr lang="zh-CN" altLang="en-US" dirty="0" smtClean="0"/>
+              <a:rPr lang="zh-CN" altLang="en-US" dirty="0"/>
               <a:t>第二级</a:t>
             </a:r>
           </a:p>
@@ -7068,7 +9355,7 @@
             <a:fld id="{7FC6D57D-9F8C-47DA-B3B5-51DA7F892271}" type="datetimeFigureOut">
               <a:rPr lang="zh-CN" altLang="en-US" smtClean="0"/>
               <a:pPr/>
-              <a:t>2020/5/19</a:t>
+              <a:t>2020/5/24</a:t>
             </a:fld>
             <a:endParaRPr lang="zh-CN" altLang="en-US"/>
           </a:p>
@@ -7127,13 +9414,6 @@
   <p:clrMapOvr>
     <a:masterClrMapping/>
   </p:clrMapOvr>
-  <p:timing>
-    <p:tnLst>
-      <p:par>
-        <p:cTn id="1" dur="indefinite" restart="never" nodeType="tmRoot"/>
-      </p:par>
-    </p:tnLst>
-  </p:timing>
 </p:sldLayout>
 </file>
 
@@ -7179,10 +9459,9 @@
           </a:lstStyle>
           <a:p>
             <a:r>
-              <a:rPr lang="zh-CN" altLang="en-US" smtClean="0"/>
+              <a:rPr lang="zh-CN" altLang="en-US"/>
               <a:t>单击此处编辑母版标题样式</a:t>
             </a:r>
-            <a:endParaRPr lang="zh-CN" altLang="en-US"/>
           </a:p>
         </p:txBody>
       </p:sp>
@@ -7299,7 +9578,7 @@
           <a:p>
             <a:pPr lvl="0"/>
             <a:r>
-              <a:rPr lang="zh-CN" altLang="en-US" smtClean="0"/>
+              <a:rPr lang="zh-CN" altLang="en-US"/>
               <a:t>单击此处编辑母版文本样式</a:t>
             </a:r>
           </a:p>
@@ -7323,7 +9602,7 @@
             <a:fld id="{7FC6D57D-9F8C-47DA-B3B5-51DA7F892271}" type="datetimeFigureOut">
               <a:rPr lang="zh-CN" altLang="en-US" smtClean="0"/>
               <a:pPr/>
-              <a:t>2020/5/19</a:t>
+              <a:t>2020/5/24</a:t>
             </a:fld>
             <a:endParaRPr lang="zh-CN" altLang="en-US"/>
           </a:p>
@@ -7418,10 +9697,9 @@
           <a:lstStyle/>
           <a:p>
             <a:r>
-              <a:rPr lang="zh-CN" altLang="en-US" smtClean="0"/>
+              <a:rPr lang="zh-CN" altLang="en-US"/>
               <a:t>单击此处编辑母版标题样式</a:t>
             </a:r>
-            <a:endParaRPr lang="zh-CN" altLang="en-US"/>
           </a:p>
         </p:txBody>
       </p:sp>
@@ -7475,38 +9753,37 @@
           <a:p>
             <a:pPr lvl="0"/>
             <a:r>
-              <a:rPr lang="zh-CN" altLang="en-US" smtClean="0"/>
+              <a:rPr lang="zh-CN" altLang="en-US"/>
               <a:t>单击此处编辑母版文本样式</a:t>
             </a:r>
           </a:p>
           <a:p>
             <a:pPr lvl="1"/>
             <a:r>
-              <a:rPr lang="zh-CN" altLang="en-US" smtClean="0"/>
+              <a:rPr lang="zh-CN" altLang="en-US"/>
               <a:t>第二级</a:t>
             </a:r>
           </a:p>
           <a:p>
             <a:pPr lvl="2"/>
             <a:r>
-              <a:rPr lang="zh-CN" altLang="en-US" smtClean="0"/>
+              <a:rPr lang="zh-CN" altLang="en-US"/>
               <a:t>第三级</a:t>
             </a:r>
           </a:p>
           <a:p>
             <a:pPr lvl="3"/>
             <a:r>
-              <a:rPr lang="zh-CN" altLang="en-US" smtClean="0"/>
+              <a:rPr lang="zh-CN" altLang="en-US"/>
               <a:t>第四级</a:t>
             </a:r>
           </a:p>
           <a:p>
             <a:pPr lvl="4"/>
             <a:r>
-              <a:rPr lang="zh-CN" altLang="en-US" smtClean="0"/>
+              <a:rPr lang="zh-CN" altLang="en-US"/>
               <a:t>第五级</a:t>
             </a:r>
-            <a:endParaRPr lang="zh-CN" altLang="en-US"/>
           </a:p>
         </p:txBody>
       </p:sp>
@@ -7560,38 +9837,37 @@
           <a:p>
             <a:pPr lvl="0"/>
             <a:r>
-              <a:rPr lang="zh-CN" altLang="en-US" smtClean="0"/>
+              <a:rPr lang="zh-CN" altLang="en-US"/>
               <a:t>单击此处编辑母版文本样式</a:t>
             </a:r>
           </a:p>
           <a:p>
             <a:pPr lvl="1"/>
             <a:r>
-              <a:rPr lang="zh-CN" altLang="en-US" smtClean="0"/>
+              <a:rPr lang="zh-CN" altLang="en-US"/>
               <a:t>第二级</a:t>
             </a:r>
           </a:p>
           <a:p>
             <a:pPr lvl="2"/>
             <a:r>
-              <a:rPr lang="zh-CN" altLang="en-US" smtClean="0"/>
+              <a:rPr lang="zh-CN" altLang="en-US"/>
               <a:t>第三级</a:t>
             </a:r>
           </a:p>
           <a:p>
             <a:pPr lvl="3"/>
             <a:r>
-              <a:rPr lang="zh-CN" altLang="en-US" smtClean="0"/>
+              <a:rPr lang="zh-CN" altLang="en-US"/>
               <a:t>第四级</a:t>
             </a:r>
           </a:p>
           <a:p>
             <a:pPr lvl="4"/>
             <a:r>
-              <a:rPr lang="zh-CN" altLang="en-US" smtClean="0"/>
+              <a:rPr lang="zh-CN" altLang="en-US"/>
               <a:t>第五级</a:t>
             </a:r>
-            <a:endParaRPr lang="zh-CN" altLang="en-US"/>
           </a:p>
         </p:txBody>
       </p:sp>
@@ -7613,7 +9889,7 @@
             <a:fld id="{7FC6D57D-9F8C-47DA-B3B5-51DA7F892271}" type="datetimeFigureOut">
               <a:rPr lang="zh-CN" altLang="en-US" smtClean="0"/>
               <a:pPr/>
-              <a:t>2020/5/19</a:t>
+              <a:t>2020/5/24</a:t>
             </a:fld>
             <a:endParaRPr lang="zh-CN" altLang="en-US"/>
           </a:p>
@@ -7717,10 +9993,9 @@
           </a:lstStyle>
           <a:p>
             <a:r>
-              <a:rPr lang="zh-CN" altLang="en-US" smtClean="0"/>
+              <a:rPr lang="zh-CN" altLang="en-US"/>
               <a:t>单击此处编辑母版标题样式</a:t>
             </a:r>
-            <a:endParaRPr lang="zh-CN" altLang="en-US"/>
           </a:p>
         </p:txBody>
       </p:sp>
@@ -7783,7 +10058,7 @@
           <a:p>
             <a:pPr lvl="0"/>
             <a:r>
-              <a:rPr lang="zh-CN" altLang="en-US" smtClean="0"/>
+              <a:rPr lang="zh-CN" altLang="en-US"/>
               <a:t>单击此处编辑母版文本样式</a:t>
             </a:r>
           </a:p>
@@ -7839,38 +10114,37 @@
           <a:p>
             <a:pPr lvl="0"/>
             <a:r>
-              <a:rPr lang="zh-CN" altLang="en-US" smtClean="0"/>
+              <a:rPr lang="zh-CN" altLang="en-US"/>
               <a:t>单击此处编辑母版文本样式</a:t>
             </a:r>
           </a:p>
           <a:p>
             <a:pPr lvl="1"/>
             <a:r>
-              <a:rPr lang="zh-CN" altLang="en-US" smtClean="0"/>
+              <a:rPr lang="zh-CN" altLang="en-US"/>
               <a:t>第二级</a:t>
             </a:r>
           </a:p>
           <a:p>
             <a:pPr lvl="2"/>
             <a:r>
-              <a:rPr lang="zh-CN" altLang="en-US" smtClean="0"/>
+              <a:rPr lang="zh-CN" altLang="en-US"/>
               <a:t>第三级</a:t>
             </a:r>
           </a:p>
           <a:p>
             <a:pPr lvl="3"/>
             <a:r>
-              <a:rPr lang="zh-CN" altLang="en-US" smtClean="0"/>
+              <a:rPr lang="zh-CN" altLang="en-US"/>
               <a:t>第四级</a:t>
             </a:r>
           </a:p>
           <a:p>
             <a:pPr lvl="4"/>
             <a:r>
-              <a:rPr lang="zh-CN" altLang="en-US" smtClean="0"/>
+              <a:rPr lang="zh-CN" altLang="en-US"/>
               <a:t>第五级</a:t>
             </a:r>
-            <a:endParaRPr lang="zh-CN" altLang="en-US"/>
           </a:p>
         </p:txBody>
       </p:sp>
@@ -7933,7 +10207,7 @@
           <a:p>
             <a:pPr lvl="0"/>
             <a:r>
-              <a:rPr lang="zh-CN" altLang="en-US" smtClean="0"/>
+              <a:rPr lang="zh-CN" altLang="en-US"/>
               <a:t>单击此处编辑母版文本样式</a:t>
             </a:r>
           </a:p>
@@ -7989,38 +10263,37 @@
           <a:p>
             <a:pPr lvl="0"/>
             <a:r>
-              <a:rPr lang="zh-CN" altLang="en-US" smtClean="0"/>
+              <a:rPr lang="zh-CN" altLang="en-US"/>
               <a:t>单击此处编辑母版文本样式</a:t>
             </a:r>
           </a:p>
           <a:p>
             <a:pPr lvl="1"/>
             <a:r>
-              <a:rPr lang="zh-CN" altLang="en-US" smtClean="0"/>
+              <a:rPr lang="zh-CN" altLang="en-US"/>
               <a:t>第二级</a:t>
             </a:r>
           </a:p>
           <a:p>
             <a:pPr lvl="2"/>
             <a:r>
-              <a:rPr lang="zh-CN" altLang="en-US" smtClean="0"/>
+              <a:rPr lang="zh-CN" altLang="en-US"/>
               <a:t>第三级</a:t>
             </a:r>
           </a:p>
           <a:p>
             <a:pPr lvl="3"/>
             <a:r>
-              <a:rPr lang="zh-CN" altLang="en-US" smtClean="0"/>
+              <a:rPr lang="zh-CN" altLang="en-US"/>
               <a:t>第四级</a:t>
             </a:r>
           </a:p>
           <a:p>
             <a:pPr lvl="4"/>
             <a:r>
-              <a:rPr lang="zh-CN" altLang="en-US" smtClean="0"/>
+              <a:rPr lang="zh-CN" altLang="en-US"/>
               <a:t>第五级</a:t>
             </a:r>
-            <a:endParaRPr lang="zh-CN" altLang="en-US"/>
           </a:p>
         </p:txBody>
       </p:sp>
@@ -8042,7 +10315,7 @@
             <a:fld id="{7FC6D57D-9F8C-47DA-B3B5-51DA7F892271}" type="datetimeFigureOut">
               <a:rPr lang="zh-CN" altLang="en-US" smtClean="0"/>
               <a:pPr/>
-              <a:t>2020/5/19</a:t>
+              <a:t>2020/5/24</a:t>
             </a:fld>
             <a:endParaRPr lang="zh-CN" altLang="en-US"/>
           </a:p>
@@ -8137,10 +10410,9 @@
           <a:lstStyle/>
           <a:p>
             <a:r>
-              <a:rPr lang="zh-CN" altLang="en-US" smtClean="0"/>
+              <a:rPr lang="zh-CN" altLang="en-US"/>
               <a:t>单击此处编辑母版标题样式</a:t>
             </a:r>
-            <a:endParaRPr lang="zh-CN" altLang="en-US"/>
           </a:p>
         </p:txBody>
       </p:sp>
@@ -8162,7 +10434,7 @@
             <a:fld id="{7FC6D57D-9F8C-47DA-B3B5-51DA7F892271}" type="datetimeFigureOut">
               <a:rPr lang="zh-CN" altLang="en-US" smtClean="0"/>
               <a:pPr/>
-              <a:t>2020/5/19</a:t>
+              <a:t>2020/5/24</a:t>
             </a:fld>
             <a:endParaRPr lang="zh-CN" altLang="en-US"/>
           </a:p>
@@ -8259,7 +10531,7 @@
             <a:fld id="{7FC6D57D-9F8C-47DA-B3B5-51DA7F892271}" type="datetimeFigureOut">
               <a:rPr lang="zh-CN" altLang="en-US" smtClean="0"/>
               <a:pPr/>
-              <a:t>2020/5/19</a:t>
+              <a:t>2020/5/24</a:t>
             </a:fld>
             <a:endParaRPr lang="zh-CN" altLang="en-US"/>
           </a:p>
@@ -8363,10 +10635,9 @@
           </a:lstStyle>
           <a:p>
             <a:r>
-              <a:rPr lang="zh-CN" altLang="en-US" smtClean="0"/>
+              <a:rPr lang="zh-CN" altLang="en-US"/>
               <a:t>单击此处编辑母版标题样式</a:t>
             </a:r>
-            <a:endParaRPr lang="zh-CN" altLang="en-US"/>
           </a:p>
         </p:txBody>
       </p:sp>
@@ -8420,38 +10691,37 @@
           <a:p>
             <a:pPr lvl="0"/>
             <a:r>
-              <a:rPr lang="zh-CN" altLang="en-US" smtClean="0"/>
+              <a:rPr lang="zh-CN" altLang="en-US"/>
               <a:t>单击此处编辑母版文本样式</a:t>
             </a:r>
           </a:p>
           <a:p>
             <a:pPr lvl="1"/>
             <a:r>
-              <a:rPr lang="zh-CN" altLang="en-US" smtClean="0"/>
+              <a:rPr lang="zh-CN" altLang="en-US"/>
               <a:t>第二级</a:t>
             </a:r>
           </a:p>
           <a:p>
             <a:pPr lvl="2"/>
             <a:r>
-              <a:rPr lang="zh-CN" altLang="en-US" smtClean="0"/>
+              <a:rPr lang="zh-CN" altLang="en-US"/>
               <a:t>第三级</a:t>
             </a:r>
           </a:p>
           <a:p>
             <a:pPr lvl="3"/>
             <a:r>
-              <a:rPr lang="zh-CN" altLang="en-US" smtClean="0"/>
+              <a:rPr lang="zh-CN" altLang="en-US"/>
               <a:t>第四级</a:t>
             </a:r>
           </a:p>
           <a:p>
             <a:pPr lvl="4"/>
             <a:r>
-              <a:rPr lang="zh-CN" altLang="en-US" smtClean="0"/>
+              <a:rPr lang="zh-CN" altLang="en-US"/>
               <a:t>第五级</a:t>
             </a:r>
-            <a:endParaRPr lang="zh-CN" altLang="en-US"/>
           </a:p>
         </p:txBody>
       </p:sp>
@@ -8514,7 +10784,7 @@
           <a:p>
             <a:pPr lvl="0"/>
             <a:r>
-              <a:rPr lang="zh-CN" altLang="en-US" smtClean="0"/>
+              <a:rPr lang="zh-CN" altLang="en-US"/>
               <a:t>单击此处编辑母版文本样式</a:t>
             </a:r>
           </a:p>
@@ -8538,7 +10808,7 @@
             <a:fld id="{7FC6D57D-9F8C-47DA-B3B5-51DA7F892271}" type="datetimeFigureOut">
               <a:rPr lang="zh-CN" altLang="en-US" smtClean="0"/>
               <a:pPr/>
-              <a:t>2020/5/19</a:t>
+              <a:t>2020/5/24</a:t>
             </a:fld>
             <a:endParaRPr lang="zh-CN" altLang="en-US"/>
           </a:p>
@@ -8642,10 +10912,9 @@
           </a:lstStyle>
           <a:p>
             <a:r>
-              <a:rPr lang="zh-CN" altLang="en-US" smtClean="0"/>
+              <a:rPr lang="zh-CN" altLang="en-US"/>
               <a:t>单击此处编辑母版标题样式</a:t>
             </a:r>
-            <a:endParaRPr lang="zh-CN" altLang="en-US"/>
           </a:p>
         </p:txBody>
       </p:sp>
@@ -8769,7 +11038,7 @@
           <a:p>
             <a:pPr lvl="0"/>
             <a:r>
-              <a:rPr lang="zh-CN" altLang="en-US" smtClean="0"/>
+              <a:rPr lang="zh-CN" altLang="en-US"/>
               <a:t>单击此处编辑母版文本样式</a:t>
             </a:r>
           </a:p>
@@ -8793,7 +11062,7 @@
             <a:fld id="{7FC6D57D-9F8C-47DA-B3B5-51DA7F892271}" type="datetimeFigureOut">
               <a:rPr lang="zh-CN" altLang="en-US" smtClean="0"/>
               <a:pPr/>
-              <a:t>2020/5/19</a:t>
+              <a:t>2020/5/24</a:t>
             </a:fld>
             <a:endParaRPr lang="zh-CN" altLang="en-US"/>
           </a:p>
@@ -8912,10 +11181,9 @@
           <a:lstStyle/>
           <a:p>
             <a:r>
-              <a:rPr lang="zh-CN" altLang="en-US" smtClean="0"/>
+              <a:rPr lang="zh-CN" altLang="en-US"/>
               <a:t>单击此处编辑母版标题样式</a:t>
             </a:r>
-            <a:endParaRPr lang="zh-CN" altLang="en-US"/>
           </a:p>
         </p:txBody>
       </p:sp>
@@ -8946,38 +11214,37 @@
           <a:p>
             <a:pPr lvl="0"/>
             <a:r>
-              <a:rPr lang="zh-CN" altLang="en-US" smtClean="0"/>
+              <a:rPr lang="zh-CN" altLang="en-US"/>
               <a:t>单击此处编辑母版文本样式</a:t>
             </a:r>
           </a:p>
           <a:p>
             <a:pPr lvl="1"/>
             <a:r>
-              <a:rPr lang="zh-CN" altLang="en-US" smtClean="0"/>
+              <a:rPr lang="zh-CN" altLang="en-US"/>
               <a:t>第二级</a:t>
             </a:r>
           </a:p>
           <a:p>
             <a:pPr lvl="2"/>
             <a:r>
-              <a:rPr lang="zh-CN" altLang="en-US" smtClean="0"/>
+              <a:rPr lang="zh-CN" altLang="en-US"/>
               <a:t>第三级</a:t>
             </a:r>
           </a:p>
           <a:p>
             <a:pPr lvl="3"/>
             <a:r>
-              <a:rPr lang="zh-CN" altLang="en-US" smtClean="0"/>
+              <a:rPr lang="zh-CN" altLang="en-US"/>
               <a:t>第四级</a:t>
             </a:r>
           </a:p>
           <a:p>
             <a:pPr lvl="4"/>
             <a:r>
-              <a:rPr lang="zh-CN" altLang="en-US" smtClean="0"/>
+              <a:rPr lang="zh-CN" altLang="en-US"/>
               <a:t>第五级</a:t>
             </a:r>
-            <a:endParaRPr lang="zh-CN" altLang="en-US"/>
           </a:p>
         </p:txBody>
       </p:sp>
@@ -9017,7 +11284,7 @@
             <a:fld id="{7FC6D57D-9F8C-47DA-B3B5-51DA7F892271}" type="datetimeFigureOut">
               <a:rPr lang="zh-CN" altLang="en-US" smtClean="0"/>
               <a:pPr/>
-              <a:t>2020/5/19</a:t>
+              <a:t>2020/5/24</a:t>
             </a:fld>
             <a:endParaRPr lang="zh-CN" altLang="en-US"/>
           </a:p>
@@ -9430,7 +11697,7 @@
           <a:lstStyle/>
           <a:p>
             <a:r>
-              <a:rPr lang="en-US" altLang="zh-CN" sz="3200" b="1" dirty="0" smtClean="0">
+              <a:rPr lang="en-US" altLang="zh-CN" sz="3200" b="1" dirty="0">
                 <a:solidFill>
                   <a:schemeClr val="bg1"/>
                 </a:solidFill>
@@ -9440,7 +11707,7 @@
               <a:t>API</a:t>
             </a:r>
             <a:r>
-              <a:rPr lang="zh-CN" altLang="en-US" sz="3200" b="1" dirty="0" smtClean="0">
+              <a:rPr lang="zh-CN" altLang="en-US" sz="3200" b="1" dirty="0">
                 <a:solidFill>
                   <a:schemeClr val="bg1"/>
                 </a:solidFill>
@@ -9450,7 +11717,7 @@
               <a:t>网关服务</a:t>
             </a:r>
             <a:r>
-              <a:rPr lang="en-US" altLang="zh-CN" sz="3200" b="1" dirty="0" err="1" smtClean="0">
+              <a:rPr lang="en-US" altLang="zh-CN" sz="3200" b="1" dirty="0" err="1">
                 <a:solidFill>
                   <a:schemeClr val="bg1"/>
                 </a:solidFill>
@@ -9479,13 +11746,342 @@
   <p:clrMapOvr>
     <a:masterClrMapping/>
   </p:clrMapOvr>
-  <p:timing>
-    <p:tnLst>
-      <p:par>
-        <p:cTn id="1" dur="indefinite" restart="never" nodeType="tmRoot"/>
-      </p:par>
-    </p:tnLst>
-  </p:timing>
+</p:sld>
+</file>
+
+<file path=ppt/slides/slide10.xml><?xml version="1.0" encoding="utf-8"?>
+<p:sld xmlns:a="http://schemas.openxmlformats.org/drawingml/2006/main" xmlns:r="http://schemas.openxmlformats.org/officeDocument/2006/relationships" xmlns:p="http://schemas.openxmlformats.org/presentationml/2006/main">
+  <p:cSld>
+    <p:spTree>
+      <p:nvGrpSpPr>
+        <p:cNvPr id="1" name=""/>
+        <p:cNvGrpSpPr/>
+        <p:nvPr/>
+      </p:nvGrpSpPr>
+      <p:grpSpPr>
+        <a:xfrm>
+          <a:off x="0" y="0"/>
+          <a:ext cx="0" cy="0"/>
+          <a:chOff x="0" y="0"/>
+          <a:chExt cx="0" cy="0"/>
+        </a:xfrm>
+      </p:grpSpPr>
+      <p:sp>
+        <p:nvSpPr>
+          <p:cNvPr id="2" name="标题 1">
+            <a:extLst>
+              <a:ext uri="{FF2B5EF4-FFF2-40B4-BE49-F238E27FC236}">
+                <a16:creationId xmlns:a16="http://schemas.microsoft.com/office/drawing/2014/main" id="{D61AAF62-409C-403D-9AEB-0E4AF0F91D7B}"/>
+              </a:ext>
+            </a:extLst>
+          </p:cNvPr>
+          <p:cNvSpPr>
+            <a:spLocks noGrp="1"/>
+          </p:cNvSpPr>
+          <p:nvPr>
+            <p:ph type="title"/>
+          </p:nvPr>
+        </p:nvSpPr>
+        <p:spPr/>
+        <p:txBody>
+          <a:bodyPr/>
+          <a:lstStyle/>
+          <a:p>
+            <a:r>
+              <a:rPr lang="zh-CN" altLang="en-US" dirty="0"/>
+              <a:t>动态加载，动态路由，动态过滤器</a:t>
+            </a:r>
+          </a:p>
+        </p:txBody>
+      </p:sp>
+      <p:sp>
+        <p:nvSpPr>
+          <p:cNvPr id="3" name="内容占位符 2">
+            <a:extLst>
+              <a:ext uri="{FF2B5EF4-FFF2-40B4-BE49-F238E27FC236}">
+                <a16:creationId xmlns:a16="http://schemas.microsoft.com/office/drawing/2014/main" id="{1CAE9DBA-7DD6-4EC3-9BDD-2E5A23805E45}"/>
+              </a:ext>
+            </a:extLst>
+          </p:cNvPr>
+          <p:cNvSpPr>
+            <a:spLocks noGrp="1"/>
+          </p:cNvSpPr>
+          <p:nvPr>
+            <p:ph idx="1"/>
+          </p:nvPr>
+        </p:nvSpPr>
+        <p:spPr/>
+        <p:txBody>
+          <a:bodyPr/>
+          <a:lstStyle/>
+          <a:p>
+            <a:endParaRPr lang="zh-CN" altLang="en-US"/>
+          </a:p>
+        </p:txBody>
+      </p:sp>
+    </p:spTree>
+    <p:extLst>
+      <p:ext uri="{BB962C8B-B14F-4D97-AF65-F5344CB8AC3E}">
+        <p14:creationId xmlns:p14="http://schemas.microsoft.com/office/powerpoint/2010/main" val="3381260173"/>
+      </p:ext>
+    </p:extLst>
+  </p:cSld>
+  <p:clrMapOvr>
+    <a:masterClrMapping/>
+  </p:clrMapOvr>
+</p:sld>
+</file>
+
+<file path=ppt/slides/slide11.xml><?xml version="1.0" encoding="utf-8"?>
+<p:sld xmlns:a="http://schemas.openxmlformats.org/drawingml/2006/main" xmlns:r="http://schemas.openxmlformats.org/officeDocument/2006/relationships" xmlns:p="http://schemas.openxmlformats.org/presentationml/2006/main">
+  <p:cSld>
+    <p:spTree>
+      <p:nvGrpSpPr>
+        <p:cNvPr id="1" name=""/>
+        <p:cNvGrpSpPr/>
+        <p:nvPr/>
+      </p:nvGrpSpPr>
+      <p:grpSpPr>
+        <a:xfrm>
+          <a:off x="0" y="0"/>
+          <a:ext cx="0" cy="0"/>
+          <a:chOff x="0" y="0"/>
+          <a:chExt cx="0" cy="0"/>
+        </a:xfrm>
+      </p:grpSpPr>
+      <p:sp>
+        <p:nvSpPr>
+          <p:cNvPr id="2" name="标题 1"/>
+          <p:cNvSpPr>
+            <a:spLocks noGrp="1"/>
+          </p:cNvSpPr>
+          <p:nvPr>
+            <p:ph type="title"/>
+          </p:nvPr>
+        </p:nvSpPr>
+        <p:spPr/>
+        <p:txBody>
+          <a:bodyPr/>
+          <a:lstStyle/>
+          <a:p>
+            <a:r>
+              <a:rPr lang="zh-CN" altLang="en-US" dirty="0"/>
+              <a:t>代码演示</a:t>
+            </a:r>
+          </a:p>
+        </p:txBody>
+      </p:sp>
+      <p:sp>
+        <p:nvSpPr>
+          <p:cNvPr id="3" name="Rectangle 1">
+            <a:extLst>
+              <a:ext uri="{FF2B5EF4-FFF2-40B4-BE49-F238E27FC236}">
+                <a16:creationId xmlns:a16="http://schemas.microsoft.com/office/drawing/2014/main" id="{EBC9BF2E-69E9-4855-A8EB-2898D021257C}"/>
+              </a:ext>
+            </a:extLst>
+          </p:cNvPr>
+          <p:cNvSpPr>
+            <a:spLocks noChangeArrowheads="1"/>
+          </p:cNvSpPr>
+          <p:nvPr/>
+        </p:nvSpPr>
+        <p:spPr bwMode="auto">
+          <a:xfrm>
+            <a:off x="251520" y="1203598"/>
+            <a:ext cx="9144000" cy="457200"/>
+          </a:xfrm>
+          <a:prstGeom prst="rect">
+            <a:avLst/>
+          </a:prstGeom>
+          <a:solidFill>
+            <a:srgbClr val="FFFFFF"/>
+          </a:solidFill>
+          <a:ln>
+            <a:noFill/>
+          </a:ln>
+          <a:effectLst/>
+          <a:extLst>
+            <a:ext uri="{91240B29-F687-4F45-9708-019B960494DF}">
+              <a14:hiddenLine xmlns:a14="http://schemas.microsoft.com/office/drawing/2010/main" w="9525">
+                <a:solidFill>
+                  <a:schemeClr val="tx1"/>
+                </a:solidFill>
+                <a:miter lim="800000"/>
+                <a:headEnd/>
+                <a:tailEnd/>
+              </a14:hiddenLine>
+            </a:ext>
+            <a:ext uri="{AF507438-7753-43E0-B8FC-AC1667EBCBE1}">
+              <a14:hiddenEffects xmlns:a14="http://schemas.microsoft.com/office/drawing/2010/main">
+                <a:effectLst>
+                  <a:outerShdw dist="35921" dir="2700000" algn="ctr" rotWithShape="0">
+                    <a:schemeClr val="bg2"/>
+                  </a:outerShdw>
+                </a:effectLst>
+              </a14:hiddenEffects>
+            </a:ext>
+          </a:extLst>
+        </p:spPr>
+        <p:txBody>
+          <a:bodyPr vert="horz" wrap="none" lIns="91440" tIns="45720" rIns="91440" bIns="45720" numCol="1" anchor="ctr" anchorCtr="0" compatLnSpc="1">
+            <a:prstTxWarp prst="textNoShape">
+              <a:avLst/>
+            </a:prstTxWarp>
+            <a:spAutoFit/>
+          </a:bodyPr>
+          <a:lstStyle/>
+          <a:p>
+            <a:pPr marL="0" marR="0" lvl="0" indent="0" algn="l" defTabSz="914400" rtl="0" eaLnBrk="0" fontAlgn="base" latinLnBrk="0" hangingPunct="0">
+              <a:lnSpc>
+                <a:spcPct val="100000"/>
+              </a:lnSpc>
+              <a:spcBef>
+                <a:spcPct val="0"/>
+              </a:spcBef>
+              <a:spcAft>
+                <a:spcPct val="0"/>
+              </a:spcAft>
+              <a:buClrTx/>
+              <a:buSzTx/>
+              <a:buFontTx/>
+              <a:buNone/>
+              <a:tabLst/>
+            </a:pPr>
+            <a:r>
+              <a:rPr kumimoji="0" lang="zh-CN" altLang="zh-CN" sz="900" b="0" i="0" u="none" strike="noStrike" cap="none" normalizeH="0" baseline="0">
+                <a:ln>
+                  <a:noFill/>
+                </a:ln>
+                <a:solidFill>
+                  <a:srgbClr val="808000"/>
+                </a:solidFill>
+                <a:effectLst/>
+                <a:latin typeface="Arial Unicode MS"/>
+                <a:ea typeface="Fira Code Retina"/>
+              </a:rPr>
+              <a:t>@EnableZuulProxy</a:t>
+            </a:r>
+            <a:endParaRPr kumimoji="0" lang="zh-CN" altLang="zh-CN" sz="1800" b="0" i="0" u="none" strike="noStrike" cap="none" normalizeH="0" baseline="0">
+              <a:ln>
+                <a:noFill/>
+              </a:ln>
+              <a:solidFill>
+                <a:schemeClr val="tx1"/>
+              </a:solidFill>
+              <a:effectLst/>
+              <a:latin typeface="Arial" panose="020B0604020202020204" pitchFamily="34" charset="0"/>
+            </a:endParaRPr>
+          </a:p>
+        </p:txBody>
+      </p:sp>
+    </p:spTree>
+    <p:extLst>
+      <p:ext uri="{BB962C8B-B14F-4D97-AF65-F5344CB8AC3E}">
+        <p14:creationId xmlns:p14="http://schemas.microsoft.com/office/powerpoint/2010/main" val="1046962323"/>
+      </p:ext>
+    </p:extLst>
+  </p:cSld>
+  <p:clrMapOvr>
+    <a:masterClrMapping/>
+  </p:clrMapOvr>
+</p:sld>
+</file>
+
+<file path=ppt/slides/slide12.xml><?xml version="1.0" encoding="utf-8"?>
+<p:sld xmlns:a="http://schemas.openxmlformats.org/drawingml/2006/main" xmlns:r="http://schemas.openxmlformats.org/officeDocument/2006/relationships" xmlns:p="http://schemas.openxmlformats.org/presentationml/2006/main">
+  <p:cSld>
+    <p:spTree>
+      <p:nvGrpSpPr>
+        <p:cNvPr id="1" name=""/>
+        <p:cNvGrpSpPr/>
+        <p:nvPr/>
+      </p:nvGrpSpPr>
+      <p:grpSpPr>
+        <a:xfrm>
+          <a:off x="0" y="0"/>
+          <a:ext cx="0" cy="0"/>
+          <a:chOff x="0" y="0"/>
+          <a:chExt cx="0" cy="0"/>
+        </a:xfrm>
+      </p:grpSpPr>
+      <p:sp>
+        <p:nvSpPr>
+          <p:cNvPr id="2" name="标题 1"/>
+          <p:cNvSpPr>
+            <a:spLocks noGrp="1"/>
+          </p:cNvSpPr>
+          <p:nvPr>
+            <p:ph type="title"/>
+          </p:nvPr>
+        </p:nvSpPr>
+        <p:spPr/>
+        <p:txBody>
+          <a:bodyPr/>
+          <a:lstStyle/>
+          <a:p>
+            <a:endParaRPr lang="zh-CN" altLang="en-US"/>
+          </a:p>
+        </p:txBody>
+      </p:sp>
+      <p:sp>
+        <p:nvSpPr>
+          <p:cNvPr id="3" name="内容占位符 2"/>
+          <p:cNvSpPr>
+            <a:spLocks noGrp="1"/>
+          </p:cNvSpPr>
+          <p:nvPr>
+            <p:ph idx="1"/>
+          </p:nvPr>
+        </p:nvSpPr>
+        <p:spPr/>
+        <p:txBody>
+          <a:bodyPr>
+            <a:normAutofit/>
+          </a:bodyPr>
+          <a:lstStyle/>
+          <a:p>
+            <a:pPr marL="0" indent="0" algn="ctr">
+              <a:buNone/>
+            </a:pPr>
+            <a:endParaRPr lang="en-US" altLang="zh-CN" sz="6600" dirty="0">
+              <a:solidFill>
+                <a:srgbClr val="FF0000"/>
+              </a:solidFill>
+            </a:endParaRPr>
+          </a:p>
+          <a:p>
+            <a:pPr marL="0" indent="0" algn="ctr">
+              <a:buNone/>
+            </a:pPr>
+            <a:r>
+              <a:rPr lang="en-US" altLang="zh-CN" sz="6600" dirty="0">
+                <a:solidFill>
+                  <a:srgbClr val="FF0000"/>
+                </a:solidFill>
+              </a:rPr>
+              <a:t>Thank You</a:t>
+            </a:r>
+            <a:r>
+              <a:rPr lang="zh-CN" altLang="en-US" sz="6600" dirty="0">
+                <a:solidFill>
+                  <a:srgbClr val="FF0000"/>
+                </a:solidFill>
+              </a:rPr>
+              <a:t>！</a:t>
+            </a:r>
+          </a:p>
+        </p:txBody>
+      </p:sp>
+    </p:spTree>
+    <p:extLst>
+      <p:ext uri="{BB962C8B-B14F-4D97-AF65-F5344CB8AC3E}">
+        <p14:creationId xmlns:p14="http://schemas.microsoft.com/office/powerpoint/2010/main" val="4037622050"/>
+      </p:ext>
+    </p:extLst>
+  </p:cSld>
+  <p:clrMapOvr>
+    <a:masterClrMapping/>
+  </p:clrMapOvr>
 </p:sld>
 </file>
 
@@ -9522,10 +12118,9 @@
           <a:lstStyle/>
           <a:p>
             <a:r>
-              <a:rPr lang="zh-CN" altLang="en-US" dirty="0" smtClean="0"/>
+              <a:rPr lang="zh-CN" altLang="en-US" dirty="0"/>
               <a:t>目录</a:t>
             </a:r>
-            <a:endParaRPr lang="zh-CN" altLang="en-US" dirty="0"/>
           </a:p>
         </p:txBody>
       </p:sp>
@@ -9591,10 +12186,9 @@
           <a:lstStyle/>
           <a:p>
             <a:r>
-              <a:rPr lang="zh-CN" altLang="en-US" dirty="0" smtClean="0"/>
+              <a:rPr lang="zh-CN" altLang="en-US" dirty="0"/>
               <a:t>目录</a:t>
             </a:r>
-            <a:endParaRPr lang="zh-CN" altLang="en-US" dirty="0"/>
           </a:p>
         </p:txBody>
       </p:sp>
@@ -9660,14 +12254,59 @@
           <a:lstStyle/>
           <a:p>
             <a:r>
-              <a:rPr lang="zh-CN" altLang="en-US" dirty="0" smtClean="0"/>
-              <a:t>基本</a:t>
+              <a:rPr lang="zh-CN" altLang="en-US" dirty="0"/>
+              <a:t>基本概念</a:t>
             </a:r>
+          </a:p>
+        </p:txBody>
+      </p:sp>
+      <p:sp>
+        <p:nvSpPr>
+          <p:cNvPr id="3" name="文本框 2">
+            <a:extLst>
+              <a:ext uri="{FF2B5EF4-FFF2-40B4-BE49-F238E27FC236}">
+                <a16:creationId xmlns:a16="http://schemas.microsoft.com/office/drawing/2014/main" id="{AE2AFA24-C1FB-497B-846B-36701107EB62}"/>
+              </a:ext>
+            </a:extLst>
+          </p:cNvPr>
+          <p:cNvSpPr txBox="1"/>
+          <p:nvPr/>
+        </p:nvSpPr>
+        <p:spPr>
+          <a:xfrm>
+            <a:off x="1403648" y="1275606"/>
+            <a:ext cx="2088232" cy="646331"/>
+          </a:xfrm>
+          <a:prstGeom prst="rect">
+            <a:avLst/>
+          </a:prstGeom>
+          <a:noFill/>
+        </p:spPr>
+        <p:txBody>
+          <a:bodyPr wrap="square" rtlCol="0">
+            <a:spAutoFit/>
+          </a:bodyPr>
+          <a:lstStyle/>
+          <a:p>
+            <a:pPr marL="285750" indent="-285750">
+              <a:buFont typeface="Arial" panose="020B0604020202020204" pitchFamily="34" charset="0"/>
+              <a:buChar char="•"/>
+            </a:pPr>
             <a:r>
-              <a:rPr lang="zh-CN" altLang="en-US" dirty="0" smtClean="0"/>
-              <a:t>概念</a:t>
+              <a:rPr lang="zh-CN" altLang="en-US" dirty="0"/>
+              <a:t>请求路由</a:t>
             </a:r>
-            <a:endParaRPr lang="zh-CN" altLang="en-US" dirty="0"/>
+            <a:endParaRPr lang="en-US" altLang="zh-CN" dirty="0"/>
+          </a:p>
+          <a:p>
+            <a:pPr marL="285750" indent="-285750">
+              <a:buFont typeface="Arial" panose="020B0604020202020204" pitchFamily="34" charset="0"/>
+              <a:buChar char="•"/>
+            </a:pPr>
+            <a:r>
+              <a:rPr lang="zh-CN" altLang="en-US" dirty="0"/>
+              <a:t>请求过滤</a:t>
+            </a:r>
           </a:p>
         </p:txBody>
       </p:sp>
@@ -9703,7 +12342,13 @@
       </p:grpSpPr>
       <p:sp>
         <p:nvSpPr>
-          <p:cNvPr id="2" name="标题 1"/>
+          <p:cNvPr id="2" name="标题 1">
+            <a:extLst>
+              <a:ext uri="{FF2B5EF4-FFF2-40B4-BE49-F238E27FC236}">
+                <a16:creationId xmlns:a16="http://schemas.microsoft.com/office/drawing/2014/main" id="{3D4EF6DC-481F-461E-995E-D36A90804477}"/>
+              </a:ext>
+            </a:extLst>
+          </p:cNvPr>
           <p:cNvSpPr>
             <a:spLocks noGrp="1"/>
           </p:cNvSpPr>
@@ -9716,14 +12361,76 @@
           <a:bodyPr/>
           <a:lstStyle/>
           <a:p>
-            <a:endParaRPr lang="zh-CN" altLang="en-US" dirty="0"/>
+            <a:r>
+              <a:rPr lang="zh-CN" altLang="en-US" dirty="0"/>
+              <a:t>三个重要时期</a:t>
+            </a:r>
           </a:p>
         </p:txBody>
       </p:sp>
+      <p:sp>
+        <p:nvSpPr>
+          <p:cNvPr id="3" name="内容占位符 2">
+            <a:extLst>
+              <a:ext uri="{FF2B5EF4-FFF2-40B4-BE49-F238E27FC236}">
+                <a16:creationId xmlns:a16="http://schemas.microsoft.com/office/drawing/2014/main" id="{64878DE7-1070-433A-8E42-313C8236F12E}"/>
+              </a:ext>
+            </a:extLst>
+          </p:cNvPr>
+          <p:cNvSpPr>
+            <a:spLocks noGrp="1"/>
+          </p:cNvSpPr>
+          <p:nvPr>
+            <p:ph idx="1"/>
+          </p:nvPr>
+        </p:nvSpPr>
+        <p:spPr/>
+        <p:txBody>
+          <a:bodyPr/>
+          <a:lstStyle/>
+          <a:p>
+            <a:pPr marL="0" indent="0">
+              <a:buNone/>
+            </a:pPr>
+            <a:endParaRPr lang="en-US" altLang="zh-CN" dirty="0"/>
+          </a:p>
+          <a:p>
+            <a:endParaRPr lang="zh-CN" altLang="en-US" dirty="0"/>
+          </a:p>
+        </p:txBody>
+      </p:sp>
+      <p:graphicFrame>
+        <p:nvGraphicFramePr>
+          <p:cNvPr id="5" name="图示 4">
+            <a:extLst>
+              <a:ext uri="{FF2B5EF4-FFF2-40B4-BE49-F238E27FC236}">
+                <a16:creationId xmlns:a16="http://schemas.microsoft.com/office/drawing/2014/main" id="{D5D1C839-122C-425D-8104-122D10397E9B}"/>
+              </a:ext>
+            </a:extLst>
+          </p:cNvPr>
+          <p:cNvGraphicFramePr/>
+          <p:nvPr>
+            <p:extLst>
+              <p:ext uri="{D42A27DB-BD31-4B8C-83A1-F6EECF244321}">
+                <p14:modId xmlns:p14="http://schemas.microsoft.com/office/powerpoint/2010/main" val="2894973156"/>
+              </p:ext>
+            </p:extLst>
+          </p:nvPr>
+        </p:nvGraphicFramePr>
+        <p:xfrm>
+          <a:off x="1524000" y="539750"/>
+          <a:ext cx="6096000" cy="4064000"/>
+        </p:xfrm>
+        <a:graphic>
+          <a:graphicData uri="http://schemas.openxmlformats.org/drawingml/2006/diagram">
+            <dgm:relIds xmlns:dgm="http://schemas.openxmlformats.org/drawingml/2006/diagram" xmlns:r="http://schemas.openxmlformats.org/officeDocument/2006/relationships" r:dm="rId2" r:lo="rId3" r:qs="rId4" r:cs="rId5"/>
+          </a:graphicData>
+        </a:graphic>
+      </p:graphicFrame>
     </p:spTree>
     <p:extLst>
       <p:ext uri="{BB962C8B-B14F-4D97-AF65-F5344CB8AC3E}">
-        <p14:creationId xmlns:p14="http://schemas.microsoft.com/office/powerpoint/2010/main" val="1046962323"/>
+        <p14:creationId xmlns:p14="http://schemas.microsoft.com/office/powerpoint/2010/main" val="2675819647"/>
       </p:ext>
     </p:extLst>
   </p:cSld>
@@ -9765,13 +12472,183 @@
           <a:bodyPr/>
           <a:lstStyle/>
           <a:p>
-            <a:endParaRPr lang="zh-CN" altLang="en-US"/>
+            <a:r>
+              <a:rPr lang="zh-CN" altLang="en-US" dirty="0"/>
+              <a:t>基本概念</a:t>
+            </a:r>
           </a:p>
         </p:txBody>
       </p:sp>
       <p:sp>
         <p:nvSpPr>
-          <p:cNvPr id="3" name="内容占位符 2"/>
+          <p:cNvPr id="3" name="文本框 2">
+            <a:extLst>
+              <a:ext uri="{FF2B5EF4-FFF2-40B4-BE49-F238E27FC236}">
+                <a16:creationId xmlns:a16="http://schemas.microsoft.com/office/drawing/2014/main" id="{AE2AFA24-C1FB-497B-846B-36701107EB62}"/>
+              </a:ext>
+            </a:extLst>
+          </p:cNvPr>
+          <p:cNvSpPr txBox="1"/>
+          <p:nvPr/>
+        </p:nvSpPr>
+        <p:spPr>
+          <a:xfrm>
+            <a:off x="827584" y="1275606"/>
+            <a:ext cx="7200800" cy="1477328"/>
+          </a:xfrm>
+          <a:prstGeom prst="rect">
+            <a:avLst/>
+          </a:prstGeom>
+          <a:noFill/>
+        </p:spPr>
+        <p:txBody>
+          <a:bodyPr wrap="square" rtlCol="0">
+            <a:spAutoFit/>
+          </a:bodyPr>
+          <a:lstStyle/>
+          <a:p>
+            <a:pPr marL="285750" indent="-285750">
+              <a:buFont typeface="Arial" panose="020B0604020202020204" pitchFamily="34" charset="0"/>
+              <a:buChar char="•"/>
+            </a:pPr>
+            <a:r>
+              <a:rPr lang="zh-CN" altLang="en-US" dirty="0"/>
+              <a:t>传统的路由方式</a:t>
+            </a:r>
+            <a:endParaRPr lang="en-US" altLang="zh-CN" dirty="0"/>
+          </a:p>
+          <a:p>
+            <a:pPr marL="742950" lvl="1" indent="-285750">
+              <a:buFont typeface="Arial" panose="020B0604020202020204" pitchFamily="34" charset="0"/>
+              <a:buChar char="•"/>
+            </a:pPr>
+            <a:r>
+              <a:rPr lang="en-US" altLang="zh-CN" dirty="0"/>
+              <a:t>/</a:t>
+            </a:r>
+            <a:r>
+              <a:rPr lang="en-US" altLang="zh-CN" dirty="0" err="1"/>
+              <a:t>gbqserver</a:t>
+            </a:r>
+            <a:r>
+              <a:rPr lang="en-US" altLang="zh-CN" dirty="0"/>
+              <a:t>/</a:t>
+            </a:r>
+            <a:r>
+              <a:rPr lang="en-US" altLang="zh-CN" dirty="0" err="1"/>
+              <a:t>api</a:t>
+            </a:r>
+            <a:r>
+              <a:rPr lang="en-US" altLang="zh-CN" dirty="0"/>
+              <a:t>/</a:t>
+            </a:r>
+            <a:r>
+              <a:rPr lang="en-US" altLang="zh-CN" dirty="0" err="1"/>
+              <a:t>gbqdata</a:t>
+            </a:r>
+            <a:endParaRPr lang="en-US" altLang="zh-CN" dirty="0"/>
+          </a:p>
+          <a:p>
+            <a:pPr marL="742950" lvl="1" indent="-285750">
+              <a:buFont typeface="Arial" panose="020B0604020202020204" pitchFamily="34" charset="0"/>
+              <a:buChar char="•"/>
+            </a:pPr>
+            <a:r>
+              <a:rPr lang="zh-CN" altLang="en-US" dirty="0"/>
+              <a:t>路由到 </a:t>
+            </a:r>
+            <a:r>
+              <a:rPr lang="en-US" altLang="zh-CN" dirty="0"/>
+              <a:t>http://localosht:8080/gbqbigdata/api/gbqdata</a:t>
+            </a:r>
+          </a:p>
+          <a:p>
+            <a:pPr marL="285750" indent="-285750">
+              <a:buFont typeface="Arial" panose="020B0604020202020204" pitchFamily="34" charset="0"/>
+              <a:buChar char="•"/>
+            </a:pPr>
+            <a:r>
+              <a:rPr lang="zh-CN" altLang="en-US" dirty="0"/>
+              <a:t>面向服务的路由</a:t>
+            </a:r>
+            <a:endParaRPr lang="en-US" altLang="zh-CN" dirty="0"/>
+          </a:p>
+          <a:p>
+            <a:pPr marL="742950" lvl="1" indent="-285750">
+              <a:buFont typeface="Arial" panose="020B0604020202020204" pitchFamily="34" charset="0"/>
+              <a:buChar char="•"/>
+            </a:pPr>
+            <a:endParaRPr lang="en-US" altLang="zh-CN" dirty="0"/>
+          </a:p>
+        </p:txBody>
+      </p:sp>
+    </p:spTree>
+    <p:extLst>
+      <p:ext uri="{BB962C8B-B14F-4D97-AF65-F5344CB8AC3E}">
+        <p14:creationId xmlns:p14="http://schemas.microsoft.com/office/powerpoint/2010/main" val="2110854626"/>
+      </p:ext>
+    </p:extLst>
+  </p:cSld>
+  <p:clrMapOvr>
+    <a:masterClrMapping/>
+  </p:clrMapOvr>
+</p:sld>
+</file>
+
+<file path=ppt/slides/slide7.xml><?xml version="1.0" encoding="utf-8"?>
+<p:sld xmlns:a="http://schemas.openxmlformats.org/drawingml/2006/main" xmlns:r="http://schemas.openxmlformats.org/officeDocument/2006/relationships" xmlns:p="http://schemas.openxmlformats.org/presentationml/2006/main">
+  <p:cSld>
+    <p:spTree>
+      <p:nvGrpSpPr>
+        <p:cNvPr id="1" name=""/>
+        <p:cNvGrpSpPr/>
+        <p:nvPr/>
+      </p:nvGrpSpPr>
+      <p:grpSpPr>
+        <a:xfrm>
+          <a:off x="0" y="0"/>
+          <a:ext cx="0" cy="0"/>
+          <a:chOff x="0" y="0"/>
+          <a:chExt cx="0" cy="0"/>
+        </a:xfrm>
+      </p:grpSpPr>
+      <p:sp>
+        <p:nvSpPr>
+          <p:cNvPr id="2" name="标题 1">
+            <a:extLst>
+              <a:ext uri="{FF2B5EF4-FFF2-40B4-BE49-F238E27FC236}">
+                <a16:creationId xmlns:a16="http://schemas.microsoft.com/office/drawing/2014/main" id="{8E467FE6-ACA2-4334-855A-4FB5D5AA8941}"/>
+              </a:ext>
+            </a:extLst>
+          </p:cNvPr>
+          <p:cNvSpPr>
+            <a:spLocks noGrp="1"/>
+          </p:cNvSpPr>
+          <p:nvPr>
+            <p:ph type="title"/>
+          </p:nvPr>
+        </p:nvSpPr>
+        <p:spPr/>
+        <p:txBody>
+          <a:bodyPr/>
+          <a:lstStyle/>
+          <a:p>
+            <a:r>
+              <a:rPr lang="zh-CN" altLang="en-US" dirty="0"/>
+              <a:t>总结</a:t>
+            </a:r>
+          </a:p>
+        </p:txBody>
+      </p:sp>
+      <p:sp>
+        <p:nvSpPr>
+          <p:cNvPr id="3" name="内容占位符 2">
+            <a:extLst>
+              <a:ext uri="{FF2B5EF4-FFF2-40B4-BE49-F238E27FC236}">
+                <a16:creationId xmlns:a16="http://schemas.microsoft.com/office/drawing/2014/main" id="{68A88486-B605-46E1-840E-0521162DEDE5}"/>
+              </a:ext>
+            </a:extLst>
+          </p:cNvPr>
           <p:cNvSpPr>
             <a:spLocks noGrp="1"/>
           </p:cNvSpPr>
@@ -9781,65 +12658,213 @@
         </p:nvSpPr>
         <p:spPr/>
         <p:txBody>
-          <a:bodyPr>
-            <a:normAutofit/>
-          </a:bodyPr>
+          <a:bodyPr/>
           <a:lstStyle/>
           <a:p>
-            <a:pPr marL="0" indent="0" algn="ctr">
-              <a:buNone/>
-            </a:pPr>
-            <a:endParaRPr lang="en-US" altLang="zh-CN" sz="6600" dirty="0" smtClean="0">
-              <a:solidFill>
-                <a:srgbClr val="FF0000"/>
-              </a:solidFill>
-            </a:endParaRPr>
-          </a:p>
-          <a:p>
-            <a:pPr marL="0" indent="0" algn="ctr">
-              <a:buNone/>
-            </a:pPr>
             <a:r>
-              <a:rPr lang="en-US" altLang="zh-CN" sz="6600" dirty="0" smtClean="0">
-                <a:solidFill>
-                  <a:srgbClr val="FF0000"/>
-                </a:solidFill>
-              </a:rPr>
-              <a:t>Thank You</a:t>
+              <a:rPr lang="zh-CN" altLang="en-US" dirty="0"/>
+              <a:t>作为系统的统一入口，屏蔽了系统内部各个微服务的细节</a:t>
             </a:r>
+            <a:endParaRPr lang="en-US" altLang="zh-CN" dirty="0"/>
+          </a:p>
+          <a:p>
             <a:r>
-              <a:rPr lang="zh-CN" altLang="en-US" sz="6600" dirty="0" smtClean="0">
-                <a:solidFill>
-                  <a:srgbClr val="FF0000"/>
-                </a:solidFill>
-              </a:rPr>
-              <a:t>！</a:t>
+              <a:rPr lang="zh-CN" altLang="en-US" dirty="0"/>
+              <a:t>它可以与服务治理框架结合，实现自动化的服务实例维护以及负载均衡的路由转发</a:t>
             </a:r>
-            <a:endParaRPr lang="zh-CN" altLang="en-US" sz="6600" dirty="0">
-              <a:solidFill>
-                <a:srgbClr val="FF0000"/>
-              </a:solidFill>
-            </a:endParaRPr>
+            <a:endParaRPr lang="en-US" altLang="zh-CN" dirty="0"/>
+          </a:p>
+          <a:p>
+            <a:r>
+              <a:rPr lang="zh-CN" altLang="en-US" dirty="0"/>
+              <a:t>它可以实现接口权限校验与微服务业务逻辑解耦</a:t>
+            </a:r>
+            <a:endParaRPr lang="en-US" altLang="zh-CN" dirty="0"/>
+          </a:p>
+          <a:p>
+            <a:r>
+              <a:rPr lang="zh-CN" altLang="en-US" dirty="0"/>
+              <a:t>通过服务网关中的过滤器，在各个声明周期中去校验请求的内容，将原本在对外服务层做的校验迁移，保证了微服务的无状态性，同时降低了微服务的可测试难度，让服务本身更集中关注业务逻辑的处理</a:t>
+            </a:r>
           </a:p>
         </p:txBody>
       </p:sp>
     </p:spTree>
     <p:extLst>
       <p:ext uri="{BB962C8B-B14F-4D97-AF65-F5344CB8AC3E}">
-        <p14:creationId xmlns:p14="http://schemas.microsoft.com/office/powerpoint/2010/main" val="4037622050"/>
+        <p14:creationId xmlns:p14="http://schemas.microsoft.com/office/powerpoint/2010/main" val="3337913725"/>
       </p:ext>
     </p:extLst>
   </p:cSld>
   <p:clrMapOvr>
     <a:masterClrMapping/>
   </p:clrMapOvr>
-  <p:timing>
-    <p:tnLst>
-      <p:par>
-        <p:cTn id="1" dur="indefinite" restart="never" nodeType="tmRoot"/>
-      </p:par>
-    </p:tnLst>
-  </p:timing>
+</p:sld>
+</file>
+
+<file path=ppt/slides/slide8.xml><?xml version="1.0" encoding="utf-8"?>
+<p:sld xmlns:a="http://schemas.openxmlformats.org/drawingml/2006/main" xmlns:r="http://schemas.openxmlformats.org/officeDocument/2006/relationships" xmlns:p="http://schemas.openxmlformats.org/presentationml/2006/main">
+  <p:cSld>
+    <p:spTree>
+      <p:nvGrpSpPr>
+        <p:cNvPr id="1" name=""/>
+        <p:cNvGrpSpPr/>
+        <p:nvPr/>
+      </p:nvGrpSpPr>
+      <p:grpSpPr>
+        <a:xfrm>
+          <a:off x="0" y="0"/>
+          <a:ext cx="0" cy="0"/>
+          <a:chOff x="0" y="0"/>
+          <a:chExt cx="0" cy="0"/>
+        </a:xfrm>
+      </p:grpSpPr>
+      <p:sp>
+        <p:nvSpPr>
+          <p:cNvPr id="2" name="标题 1">
+            <a:extLst>
+              <a:ext uri="{FF2B5EF4-FFF2-40B4-BE49-F238E27FC236}">
+                <a16:creationId xmlns:a16="http://schemas.microsoft.com/office/drawing/2014/main" id="{3384D786-8149-449C-8EFC-251C0E10BD5A}"/>
+              </a:ext>
+            </a:extLst>
+          </p:cNvPr>
+          <p:cNvSpPr>
+            <a:spLocks noGrp="1"/>
+          </p:cNvSpPr>
+          <p:nvPr>
+            <p:ph type="title"/>
+          </p:nvPr>
+        </p:nvSpPr>
+        <p:spPr/>
+        <p:txBody>
+          <a:bodyPr/>
+          <a:lstStyle/>
+          <a:p>
+            <a:r>
+              <a:rPr lang="zh-CN" altLang="en-US" dirty="0"/>
+              <a:t>路由规则</a:t>
+            </a:r>
+          </a:p>
+        </p:txBody>
+      </p:sp>
+      <p:sp>
+        <p:nvSpPr>
+          <p:cNvPr id="3" name="内容占位符 2">
+            <a:extLst>
+              <a:ext uri="{FF2B5EF4-FFF2-40B4-BE49-F238E27FC236}">
+                <a16:creationId xmlns:a16="http://schemas.microsoft.com/office/drawing/2014/main" id="{92D7B849-B3D9-4DF0-A815-12051A13E187}"/>
+              </a:ext>
+            </a:extLst>
+          </p:cNvPr>
+          <p:cNvSpPr>
+            <a:spLocks noGrp="1"/>
+          </p:cNvSpPr>
+          <p:nvPr>
+            <p:ph idx="1"/>
+          </p:nvPr>
+        </p:nvSpPr>
+        <p:spPr/>
+        <p:txBody>
+          <a:bodyPr/>
+          <a:lstStyle/>
+          <a:p>
+            <a:endParaRPr lang="zh-CN" altLang="en-US"/>
+          </a:p>
+        </p:txBody>
+      </p:sp>
+    </p:spTree>
+    <p:extLst>
+      <p:ext uri="{BB962C8B-B14F-4D97-AF65-F5344CB8AC3E}">
+        <p14:creationId xmlns:p14="http://schemas.microsoft.com/office/powerpoint/2010/main" val="1232767190"/>
+      </p:ext>
+    </p:extLst>
+  </p:cSld>
+  <p:clrMapOvr>
+    <a:masterClrMapping/>
+  </p:clrMapOvr>
+</p:sld>
+</file>
+
+<file path=ppt/slides/slide9.xml><?xml version="1.0" encoding="utf-8"?>
+<p:sld xmlns:a="http://schemas.openxmlformats.org/drawingml/2006/main" xmlns:r="http://schemas.openxmlformats.org/officeDocument/2006/relationships" xmlns:p="http://schemas.openxmlformats.org/presentationml/2006/main">
+  <p:cSld>
+    <p:spTree>
+      <p:nvGrpSpPr>
+        <p:cNvPr id="1" name=""/>
+        <p:cNvGrpSpPr/>
+        <p:nvPr/>
+      </p:nvGrpSpPr>
+      <p:grpSpPr>
+        <a:xfrm>
+          <a:off x="0" y="0"/>
+          <a:ext cx="0" cy="0"/>
+          <a:chOff x="0" y="0"/>
+          <a:chExt cx="0" cy="0"/>
+        </a:xfrm>
+      </p:grpSpPr>
+      <p:sp>
+        <p:nvSpPr>
+          <p:cNvPr id="2" name="标题 1">
+            <a:extLst>
+              <a:ext uri="{FF2B5EF4-FFF2-40B4-BE49-F238E27FC236}">
+                <a16:creationId xmlns:a16="http://schemas.microsoft.com/office/drawing/2014/main" id="{5EA73A2B-8AC6-44FE-972B-3E8A456773C0}"/>
+              </a:ext>
+            </a:extLst>
+          </p:cNvPr>
+          <p:cNvSpPr>
+            <a:spLocks noGrp="1"/>
+          </p:cNvSpPr>
+          <p:nvPr>
+            <p:ph type="title"/>
+          </p:nvPr>
+        </p:nvSpPr>
+        <p:spPr/>
+        <p:txBody>
+          <a:bodyPr/>
+          <a:lstStyle/>
+          <a:p>
+            <a:r>
+              <a:rPr lang="zh-CN" altLang="en-US" dirty="0"/>
+              <a:t>过滤规则</a:t>
+            </a:r>
+          </a:p>
+        </p:txBody>
+      </p:sp>
+      <p:sp>
+        <p:nvSpPr>
+          <p:cNvPr id="3" name="内容占位符 2">
+            <a:extLst>
+              <a:ext uri="{FF2B5EF4-FFF2-40B4-BE49-F238E27FC236}">
+                <a16:creationId xmlns:a16="http://schemas.microsoft.com/office/drawing/2014/main" id="{BF52FC49-BD22-4705-961C-862F120BBC2F}"/>
+              </a:ext>
+            </a:extLst>
+          </p:cNvPr>
+          <p:cNvSpPr>
+            <a:spLocks noGrp="1"/>
+          </p:cNvSpPr>
+          <p:nvPr>
+            <p:ph idx="1"/>
+          </p:nvPr>
+        </p:nvSpPr>
+        <p:spPr/>
+        <p:txBody>
+          <a:bodyPr/>
+          <a:lstStyle/>
+          <a:p>
+            <a:endParaRPr lang="zh-CN" altLang="en-US"/>
+          </a:p>
+        </p:txBody>
+      </p:sp>
+    </p:spTree>
+    <p:extLst>
+      <p:ext uri="{BB962C8B-B14F-4D97-AF65-F5344CB8AC3E}">
+        <p14:creationId xmlns:p14="http://schemas.microsoft.com/office/powerpoint/2010/main" val="2786071129"/>
+      </p:ext>
+    </p:extLst>
+  </p:cSld>
+  <p:clrMapOvr>
+    <a:masterClrMapping/>
+  </p:clrMapOvr>
 </p:sld>
 </file>
 
